--- a/VideoHeadshotBullets.pptx
+++ b/VideoHeadshotBullets.pptx
@@ -13,6 +13,7 @@
     <p:sldId id="262" r:id="rId7"/>
     <p:sldId id="263" r:id="rId8"/>
     <p:sldId id="264" r:id="rId9"/>
+    <p:sldId id="266" r:id="rId10"/>
   </p:sldIdLst>
   <p:sldSz cx="12192000" cy="6858000"/>
   <p:notesSz cx="6858000" cy="9144000"/>
@@ -111,6 +112,11 @@
       </a:defRPr>
     </a:lvl9pPr>
   </p:defaultTextStyle>
+  <p:extLst>
+    <p:ext uri="{EFAFB233-063F-42B5-8137-9DF3F51BA10A}">
+      <p15:sldGuideLst xmlns:p15="http://schemas.microsoft.com/office/powerpoint/2012/main"/>
+    </p:ext>
+  </p:extLst>
 </p:presentation>
 </file>
 
@@ -245,7 +251,7 @@
           <a:p>
             <a:fld id="{46C2BDB5-7FB0-449D-A63D-A0F5CA34641A}" type="datetimeFigureOut">
               <a:rPr lang="en-US" smtClean="0"/>
-              <a:t>3/19/2013</a:t>
+              <a:t>3/20/2013</a:t>
             </a:fld>
             <a:endParaRPr lang="en-US"/>
           </a:p>
@@ -415,7 +421,7 @@
           <a:p>
             <a:fld id="{46C2BDB5-7FB0-449D-A63D-A0F5CA34641A}" type="datetimeFigureOut">
               <a:rPr lang="en-US" smtClean="0"/>
-              <a:t>3/19/2013</a:t>
+              <a:t>3/20/2013</a:t>
             </a:fld>
             <a:endParaRPr lang="en-US"/>
           </a:p>
@@ -595,7 +601,7 @@
           <a:p>
             <a:fld id="{46C2BDB5-7FB0-449D-A63D-A0F5CA34641A}" type="datetimeFigureOut">
               <a:rPr lang="en-US" smtClean="0"/>
-              <a:t>3/19/2013</a:t>
+              <a:t>3/20/2013</a:t>
             </a:fld>
             <a:endParaRPr lang="en-US"/>
           </a:p>
@@ -765,7 +771,7 @@
           <a:p>
             <a:fld id="{46C2BDB5-7FB0-449D-A63D-A0F5CA34641A}" type="datetimeFigureOut">
               <a:rPr lang="en-US" smtClean="0"/>
-              <a:t>3/19/2013</a:t>
+              <a:t>3/20/2013</a:t>
             </a:fld>
             <a:endParaRPr lang="en-US"/>
           </a:p>
@@ -1011,7 +1017,7 @@
           <a:p>
             <a:fld id="{46C2BDB5-7FB0-449D-A63D-A0F5CA34641A}" type="datetimeFigureOut">
               <a:rPr lang="en-US" smtClean="0"/>
-              <a:t>3/19/2013</a:t>
+              <a:t>3/20/2013</a:t>
             </a:fld>
             <a:endParaRPr lang="en-US"/>
           </a:p>
@@ -1243,7 +1249,7 @@
           <a:p>
             <a:fld id="{46C2BDB5-7FB0-449D-A63D-A0F5CA34641A}" type="datetimeFigureOut">
               <a:rPr lang="en-US" smtClean="0"/>
-              <a:t>3/19/2013</a:t>
+              <a:t>3/20/2013</a:t>
             </a:fld>
             <a:endParaRPr lang="en-US"/>
           </a:p>
@@ -1610,7 +1616,7 @@
           <a:p>
             <a:fld id="{46C2BDB5-7FB0-449D-A63D-A0F5CA34641A}" type="datetimeFigureOut">
               <a:rPr lang="en-US" smtClean="0"/>
-              <a:t>3/19/2013</a:t>
+              <a:t>3/20/2013</a:t>
             </a:fld>
             <a:endParaRPr lang="en-US"/>
           </a:p>
@@ -1728,7 +1734,7 @@
           <a:p>
             <a:fld id="{46C2BDB5-7FB0-449D-A63D-A0F5CA34641A}" type="datetimeFigureOut">
               <a:rPr lang="en-US" smtClean="0"/>
-              <a:t>3/19/2013</a:t>
+              <a:t>3/20/2013</a:t>
             </a:fld>
             <a:endParaRPr lang="en-US"/>
           </a:p>
@@ -1823,7 +1829,7 @@
           <a:p>
             <a:fld id="{46C2BDB5-7FB0-449D-A63D-A0F5CA34641A}" type="datetimeFigureOut">
               <a:rPr lang="en-US" smtClean="0"/>
-              <a:t>3/19/2013</a:t>
+              <a:t>3/20/2013</a:t>
             </a:fld>
             <a:endParaRPr lang="en-US"/>
           </a:p>
@@ -2100,7 +2106,7 @@
           <a:p>
             <a:fld id="{46C2BDB5-7FB0-449D-A63D-A0F5CA34641A}" type="datetimeFigureOut">
               <a:rPr lang="en-US" smtClean="0"/>
-              <a:t>3/19/2013</a:t>
+              <a:t>3/20/2013</a:t>
             </a:fld>
             <a:endParaRPr lang="en-US"/>
           </a:p>
@@ -2353,7 +2359,7 @@
           <a:p>
             <a:fld id="{46C2BDB5-7FB0-449D-A63D-A0F5CA34641A}" type="datetimeFigureOut">
               <a:rPr lang="en-US" smtClean="0"/>
-              <a:t>3/19/2013</a:t>
+              <a:t>3/20/2013</a:t>
             </a:fld>
             <a:endParaRPr lang="en-US"/>
           </a:p>
@@ -2566,7 +2572,7 @@
           <a:p>
             <a:fld id="{46C2BDB5-7FB0-449D-A63D-A0F5CA34641A}" type="datetimeFigureOut">
               <a:rPr lang="en-US" smtClean="0"/>
-              <a:t>3/19/2013</a:t>
+              <a:t>3/20/2013</a:t>
             </a:fld>
             <a:endParaRPr lang="en-US"/>
           </a:p>
@@ -3866,6 +3872,508 @@
 </p:sld>
 </file>
 
+<file path=ppt/slides/slide9.xml><?xml version="1.0" encoding="utf-8"?>
+<p:sld xmlns:a="http://schemas.openxmlformats.org/drawingml/2006/main" xmlns:r="http://schemas.openxmlformats.org/officeDocument/2006/relationships" xmlns:p="http://schemas.openxmlformats.org/presentationml/2006/main">
+  <p:cSld>
+    <p:spTree>
+      <p:nvGrpSpPr>
+        <p:cNvPr id="1" name=""/>
+        <p:cNvGrpSpPr/>
+        <p:nvPr/>
+      </p:nvGrpSpPr>
+      <p:grpSpPr>
+        <a:xfrm>
+          <a:off x="0" y="0"/>
+          <a:ext cx="0" cy="0"/>
+          <a:chOff x="0" y="0"/>
+          <a:chExt cx="0" cy="0"/>
+        </a:xfrm>
+      </p:grpSpPr>
+      <p:sp>
+        <p:nvSpPr>
+          <p:cNvPr id="3" name="Content Placeholder 2"/>
+          <p:cNvSpPr>
+            <a:spLocks noGrp="1"/>
+          </p:cNvSpPr>
+          <p:nvPr>
+            <p:ph idx="1"/>
+          </p:nvPr>
+        </p:nvSpPr>
+        <p:spPr>
+          <a:xfrm>
+            <a:off x="235974" y="108154"/>
+            <a:ext cx="11877368" cy="6656439"/>
+          </a:xfrm>
+        </p:spPr>
+        <p:txBody>
+          <a:bodyPr>
+            <a:noAutofit/>
+          </a:bodyPr>
+          <a:lstStyle/>
+          <a:p>
+            <a:pPr marL="0" indent="0">
+              <a:buNone/>
+            </a:pPr>
+            <a:r>
+              <a:rPr lang="en-US" dirty="0"/>
+              <a:t>Hello I am </a:t>
+            </a:r>
+            <a:r>
+              <a:rPr lang="en-US" dirty="0" smtClean="0"/>
+              <a:t>Derik Whittaker </a:t>
+            </a:r>
+            <a:r>
+              <a:rPr lang="en-US" dirty="0"/>
+              <a:t>and I am going to be your instructor for this live </a:t>
+            </a:r>
+            <a:r>
+              <a:rPr lang="en-US" dirty="0" smtClean="0"/>
+              <a:t>lesson.                                                                                                                                  {--------------------------------------------------------------------------------------------------------} I </a:t>
+            </a:r>
+            <a:r>
+              <a:rPr lang="en-US" dirty="0"/>
+              <a:t>have been building </a:t>
+            </a:r>
+            <a:r>
+              <a:rPr lang="en-US" dirty="0" err="1"/>
+              <a:t>.net</a:t>
+            </a:r>
+            <a:r>
+              <a:rPr lang="en-US" dirty="0"/>
+              <a:t> based applications for last 12 years.  </a:t>
+            </a:r>
+            <a:r>
+              <a:rPr lang="en-US" dirty="0" smtClean="0"/>
+              <a:t>Over </a:t>
+            </a:r>
+            <a:r>
+              <a:rPr lang="en-US" dirty="0"/>
+              <a:t>this time I </a:t>
+            </a:r>
+            <a:r>
+              <a:rPr lang="en-US" dirty="0" smtClean="0"/>
+              <a:t>have build </a:t>
+            </a:r>
+            <a:r>
+              <a:rPr lang="en-US" dirty="0"/>
+              <a:t>client server applications, </a:t>
+            </a:r>
+            <a:r>
+              <a:rPr lang="en-US" dirty="0" smtClean="0"/>
+              <a:t>browser </a:t>
+            </a:r>
+            <a:r>
+              <a:rPr lang="en-US" dirty="0"/>
+              <a:t>based applications as well as mobile </a:t>
+            </a:r>
+            <a:r>
+              <a:rPr lang="en-US" dirty="0" smtClean="0"/>
+              <a:t>applications.                                                                                                                         {--------------------------------------------------------------------------------------------------------}                                                                                                      I </a:t>
+            </a:r>
+            <a:r>
+              <a:rPr lang="en-US" dirty="0"/>
+              <a:t>am a C# MVP, a member of the ASP Insiders group and a frequent speaker at various </a:t>
+            </a:r>
+            <a:r>
+              <a:rPr lang="en-US" dirty="0" smtClean="0"/>
+              <a:t>user groups </a:t>
+            </a:r>
+            <a:r>
+              <a:rPr lang="en-US" dirty="0"/>
+              <a:t>and </a:t>
+            </a:r>
+            <a:r>
+              <a:rPr lang="en-US" dirty="0" smtClean="0"/>
+              <a:t>developer </a:t>
+            </a:r>
+            <a:r>
+              <a:rPr lang="en-US" dirty="0"/>
+              <a:t>conferences around the country</a:t>
+            </a:r>
+            <a:r>
+              <a:rPr lang="en-US" dirty="0" smtClean="0"/>
+              <a:t>.                      {--------------------------------------------------------------------------------------------------------}  IN </a:t>
+            </a:r>
+            <a:r>
+              <a:rPr lang="en-US" dirty="0"/>
+              <a:t>this live lesson we are going to dive into the world of building Windows 8 Modern UI </a:t>
+            </a:r>
+            <a:r>
+              <a:rPr lang="en-US" dirty="0" smtClean="0"/>
+              <a:t>applications with </a:t>
+            </a:r>
+            <a:r>
+              <a:rPr lang="en-US" dirty="0"/>
+              <a:t>C# and XAML. I will assume you have a working knowledge of both C# as well as XAML, but we </a:t>
+            </a:r>
+            <a:r>
+              <a:rPr lang="en-US" dirty="0" smtClean="0"/>
+              <a:t>still </a:t>
+            </a:r>
+            <a:r>
+              <a:rPr lang="en-US" dirty="0"/>
+              <a:t>cover many of the basic skills needed to build a modern UI application</a:t>
+            </a:r>
+            <a:r>
+              <a:rPr lang="en-US" dirty="0" smtClean="0"/>
+              <a:t>.</a:t>
+            </a:r>
+            <a:r>
+              <a:rPr lang="en-US" dirty="0"/>
+              <a:t> </a:t>
+            </a:r>
+            <a:r>
+              <a:rPr lang="en-US" dirty="0" smtClean="0"/>
+              <a:t>                                                                    {--------------------------------------------------------------------------------------------------------} In </a:t>
+            </a:r>
+            <a:r>
+              <a:rPr lang="en-US" dirty="0"/>
+              <a:t>order to build a Windows 8 Modern UI application you will need to have a computer </a:t>
+            </a:r>
+            <a:r>
+              <a:rPr lang="en-US" dirty="0" smtClean="0"/>
+              <a:t>running windows </a:t>
+            </a:r>
+            <a:r>
+              <a:rPr lang="en-US" dirty="0"/>
+              <a:t>8 as well as Visual Studio </a:t>
+            </a:r>
+            <a:r>
+              <a:rPr lang="en-US" dirty="0" smtClean="0"/>
+              <a:t>2012                                           {--------------------------------------------------------------------------------------------------------}</a:t>
+            </a:r>
+            <a:r>
+              <a:rPr lang="en-US" dirty="0"/>
+              <a:t> {--------------------------------------------------------------------------------------------------------}</a:t>
+            </a:r>
+            <a:r>
+              <a:rPr lang="en-US" dirty="0" smtClean="0"/>
+              <a:t> Lets </a:t>
+            </a:r>
+            <a:r>
+              <a:rPr lang="en-US" dirty="0"/>
+              <a:t>go ahead and talk about the content of our </a:t>
+            </a:r>
+            <a:r>
+              <a:rPr lang="en-US" dirty="0" smtClean="0"/>
+              <a:t>lessons                                           {--------------------------------------------------------------------------------------------------------} {--------------------------------------------------------------------------------------------------------} In </a:t>
+            </a:r>
+            <a:r>
+              <a:rPr lang="en-US" dirty="0"/>
+              <a:t>the first lesson we are going to take lap around Win8 and Visual </a:t>
+            </a:r>
+            <a:r>
+              <a:rPr lang="en-US" dirty="0" smtClean="0"/>
+              <a:t>studio </a:t>
+            </a:r>
+            <a:r>
+              <a:rPr lang="en-US" dirty="0"/>
+              <a:t>2012 in order to </a:t>
+            </a:r>
+            <a:r>
+              <a:rPr lang="en-US" dirty="0" smtClean="0"/>
+              <a:t>familiarize ourselves with </a:t>
+            </a:r>
+            <a:r>
+              <a:rPr lang="en-US" dirty="0"/>
+              <a:t>some of the many new features we will be covering during this </a:t>
+            </a:r>
+            <a:r>
+              <a:rPr lang="en-US" dirty="0" smtClean="0"/>
+              <a:t>lesson.</a:t>
+            </a:r>
+            <a:r>
+              <a:rPr lang="en-US" dirty="0"/>
+              <a:t>  </a:t>
+            </a:r>
+            <a:r>
+              <a:rPr lang="en-US" dirty="0" smtClean="0"/>
+              <a:t>                                                                                              {--------------------------------------------------------------------------------------------------------} In </a:t>
+            </a:r>
+            <a:r>
+              <a:rPr lang="en-US" dirty="0"/>
+              <a:t>lesson 2 we will focus on leaning how to use the  Model view </a:t>
+            </a:r>
+            <a:r>
+              <a:rPr lang="en-US" dirty="0" err="1"/>
+              <a:t>view</a:t>
+            </a:r>
+            <a:r>
+              <a:rPr lang="en-US" dirty="0"/>
+              <a:t> model pattern, or MVVM, to </a:t>
+            </a:r>
+            <a:r>
+              <a:rPr lang="en-US" dirty="0" smtClean="0"/>
+              <a:t>build </a:t>
+            </a:r>
+            <a:r>
+              <a:rPr lang="en-US" dirty="0"/>
+              <a:t>Modern UI </a:t>
+            </a:r>
+            <a:r>
+              <a:rPr lang="en-US" dirty="0" smtClean="0"/>
+              <a:t>applications</a:t>
+            </a:r>
+            <a:r>
+              <a:rPr lang="en-US" dirty="0"/>
+              <a:t> </a:t>
+            </a:r>
+            <a:r>
+              <a:rPr lang="en-US" dirty="0" smtClean="0"/>
+              <a:t>                                                  {--------------------------------------------------------------------------------------------------------} In lesson 3 we will explore 4 general features that all Modern UI developers should be </a:t>
+            </a:r>
+            <a:r>
+              <a:rPr lang="en-US" dirty="0" err="1" smtClean="0"/>
+              <a:t>familiure</a:t>
+            </a:r>
+            <a:r>
+              <a:rPr lang="en-US" dirty="0" smtClean="0"/>
+              <a:t> with, such as how to handle navigation and use the application bar .</a:t>
+            </a:r>
+            <a:r>
+              <a:rPr lang="en-US" dirty="0"/>
+              <a:t> </a:t>
+            </a:r>
+            <a:r>
+              <a:rPr lang="en-US" dirty="0" smtClean="0"/>
+              <a:t>                                                                                                                 {--------------------------------------------------------------------------------------------------------} In </a:t>
+            </a:r>
+            <a:r>
+              <a:rPr lang="en-US" dirty="0"/>
+              <a:t>lesson 4 we will explore how to use some of the common UI controls such as the grid view, list view and flip </a:t>
+            </a:r>
+            <a:r>
+              <a:rPr lang="en-US" dirty="0" smtClean="0"/>
+              <a:t>view.</a:t>
+            </a:r>
+            <a:r>
+              <a:rPr lang="en-US" dirty="0"/>
+              <a:t> </a:t>
+            </a:r>
+            <a:r>
+              <a:rPr lang="en-US" dirty="0" smtClean="0"/>
+              <a:t>                                                                             {--------------------------------------------------------------------------------------------------------} In </a:t>
+            </a:r>
+            <a:r>
+              <a:rPr lang="en-US" dirty="0"/>
+              <a:t>lesson 5 we will learn how to light up your application by learning to use the various contracts </a:t>
+            </a:r>
+            <a:r>
+              <a:rPr lang="en-US" dirty="0" smtClean="0"/>
+              <a:t>to integrate </a:t>
+            </a:r>
+            <a:r>
+              <a:rPr lang="en-US" dirty="0"/>
+              <a:t>your application into windows </a:t>
+            </a:r>
+            <a:r>
+              <a:rPr lang="en-US" dirty="0" smtClean="0"/>
+              <a:t>8</a:t>
+            </a:r>
+            <a:r>
+              <a:rPr lang="en-US" dirty="0"/>
+              <a:t> </a:t>
+            </a:r>
+            <a:r>
+              <a:rPr lang="en-US" dirty="0" smtClean="0"/>
+              <a:t>                               {--------------------------------------------------------------------------------------------------------} In </a:t>
+            </a:r>
+            <a:r>
+              <a:rPr lang="en-US" dirty="0"/>
+              <a:t>lesson 6 we will learn how to light up </a:t>
+            </a:r>
+            <a:r>
+              <a:rPr lang="en-US" dirty="0" smtClean="0"/>
+              <a:t>our start </a:t>
+            </a:r>
+            <a:r>
+              <a:rPr lang="en-US" dirty="0"/>
+              <a:t>screen </a:t>
+            </a:r>
+            <a:r>
+              <a:rPr lang="en-US" dirty="0" smtClean="0"/>
+              <a:t>by understanding how live tiles work and how they can command the attention of your users</a:t>
+            </a:r>
+            <a:r>
+              <a:rPr lang="en-US" dirty="0"/>
+              <a:t> </a:t>
+            </a:r>
+            <a:r>
+              <a:rPr lang="en-US" dirty="0" smtClean="0"/>
+              <a:t>                 {--------------------------------------------------------------------------------------------------------} In </a:t>
+            </a:r>
+            <a:r>
+              <a:rPr lang="en-US" dirty="0"/>
+              <a:t>lesson 7 we will explore how to handle transitions and animations in your </a:t>
+            </a:r>
+            <a:r>
+              <a:rPr lang="en-US" dirty="0" smtClean="0"/>
+              <a:t>Modern UI application.</a:t>
+            </a:r>
+            <a:r>
+              <a:rPr lang="en-US" dirty="0"/>
+              <a:t> </a:t>
+            </a:r>
+            <a:r>
+              <a:rPr lang="en-US" dirty="0" smtClean="0"/>
+              <a:t>                                                                                                    {--------------------------------------------------------------------------------------------------------} In </a:t>
+            </a:r>
+            <a:r>
+              <a:rPr lang="en-US" dirty="0"/>
+              <a:t>lesson 8 we will learn how to use many of the built device sensors which will be </a:t>
+            </a:r>
+            <a:r>
+              <a:rPr lang="en-US" dirty="0" smtClean="0"/>
+              <a:t>available </a:t>
+            </a:r>
+            <a:r>
+              <a:rPr lang="en-US" dirty="0"/>
+              <a:t>to you </a:t>
+            </a:r>
+            <a:r>
+              <a:rPr lang="en-US" dirty="0" smtClean="0"/>
+              <a:t>when </a:t>
+            </a:r>
+            <a:r>
+              <a:rPr lang="en-US" dirty="0"/>
+              <a:t>building </a:t>
+            </a:r>
+            <a:r>
+              <a:rPr lang="en-US" dirty="0" smtClean="0"/>
+              <a:t>Modern UI </a:t>
+            </a:r>
+            <a:r>
+              <a:rPr lang="en-US" dirty="0"/>
+              <a:t>apps.  These include the camera, light sensor and accelerometer to name a </a:t>
+            </a:r>
+            <a:r>
+              <a:rPr lang="en-US" dirty="0" smtClean="0"/>
+              <a:t>few.</a:t>
+            </a:r>
+            <a:r>
+              <a:rPr lang="en-US" dirty="0"/>
+              <a:t> </a:t>
+            </a:r>
+            <a:r>
+              <a:rPr lang="en-US" dirty="0" smtClean="0"/>
+              <a:t>                                                           {--------------------------------------------------------------------------------------------------------}</a:t>
+            </a:r>
+            <a:r>
+              <a:rPr lang="en-US" dirty="0"/>
+              <a:t> </a:t>
+            </a:r>
+            <a:r>
+              <a:rPr lang="en-US" dirty="0" smtClean="0"/>
+              <a:t>{--------------------------------------------------------------------------------------------------------} Now </a:t>
+            </a:r>
+            <a:r>
+              <a:rPr lang="en-US" dirty="0"/>
+              <a:t>that we know what we are going to be </a:t>
+            </a:r>
+            <a:r>
+              <a:rPr lang="en-US" dirty="0" smtClean="0"/>
+              <a:t>learning </a:t>
+            </a:r>
+            <a:r>
+              <a:rPr lang="en-US" dirty="0"/>
+              <a:t>during this lesson, its time to get to it.</a:t>
+            </a:r>
+          </a:p>
+        </p:txBody>
+      </p:sp>
+    </p:spTree>
+    <p:extLst>
+      <p:ext uri="{BB962C8B-B14F-4D97-AF65-F5344CB8AC3E}">
+        <p14:creationId xmlns:p14="http://schemas.microsoft.com/office/powerpoint/2010/main" val="1187772167"/>
+      </p:ext>
+    </p:extLst>
+  </p:cSld>
+  <p:clrMapOvr>
+    <a:masterClrMapping/>
+  </p:clrMapOvr>
+  <p:timing>
+    <p:tnLst>
+      <p:par>
+        <p:cTn id="1" dur="indefinite" restart="never" nodeType="tmRoot">
+          <p:childTnLst>
+            <p:seq concurrent="1" nextAc="seek">
+              <p:cTn id="2" dur="indefinite" nodeType="mainSeq">
+                <p:childTnLst>
+                  <p:par>
+                    <p:cTn id="3" fill="hold">
+                      <p:stCondLst>
+                        <p:cond delay="indefinite"/>
+                        <p:cond evt="onBegin" delay="0">
+                          <p:tn val="2"/>
+                        </p:cond>
+                      </p:stCondLst>
+                      <p:childTnLst>
+                        <p:par>
+                          <p:cTn id="4" fill="hold">
+                            <p:stCondLst>
+                              <p:cond delay="0"/>
+                            </p:stCondLst>
+                            <p:childTnLst>
+                              <p:par>
+                                <p:cTn id="5" presetID="64" presetClass="path" presetSubtype="0" fill="hold" grpId="0" nodeType="withEffect">
+                                  <p:stCondLst>
+                                    <p:cond delay="10000"/>
+                                  </p:stCondLst>
+                                  <p:childTnLst>
+                                    <p:animMotion origin="layout" path="M -0.00834 0.04445 L -0.0086 -5.27106 " pathEditMode="relative" rAng="0" ptsTypes="AA">
+                                      <p:cBhvr>
+                                        <p:cTn id="6" dur="240000" fill="hold"/>
+                                        <p:tgtEl>
+                                          <p:spTgt spid="3">
+                                            <p:txEl>
+                                              <p:pRg st="0" end="0"/>
+                                            </p:txEl>
+                                          </p:spTgt>
+                                        </p:tgtEl>
+                                        <p:attrNameLst>
+                                          <p:attrName>ppt_x</p:attrName>
+                                          <p:attrName>ppt_y</p:attrName>
+                                        </p:attrNameLst>
+                                      </p:cBhvr>
+                                      <p:rCtr x="-13" y="-265764"/>
+                                    </p:animMotion>
+                                  </p:childTnLst>
+                                </p:cTn>
+                              </p:par>
+                            </p:childTnLst>
+                          </p:cTn>
+                        </p:par>
+                      </p:childTnLst>
+                    </p:cTn>
+                  </p:par>
+                </p:childTnLst>
+              </p:cTn>
+              <p:prevCondLst>
+                <p:cond evt="onPrev" delay="0">
+                  <p:tgtEl>
+                    <p:sldTgt/>
+                  </p:tgtEl>
+                </p:cond>
+              </p:prevCondLst>
+              <p:nextCondLst>
+                <p:cond evt="onNext" delay="0">
+                  <p:tgtEl>
+                    <p:sldTgt/>
+                  </p:tgtEl>
+                </p:cond>
+              </p:nextCondLst>
+            </p:seq>
+          </p:childTnLst>
+        </p:cTn>
+      </p:par>
+    </p:tnLst>
+    <p:bldLst>
+      <p:bldP spid="3" grpId="0" uiExpand="1" build="p"/>
+    </p:bldLst>
+  </p:timing>
+</p:sld>
+</file>
+
 <file path=ppt/theme/theme1.xml><?xml version="1.0" encoding="utf-8"?>
 <a:theme xmlns:a="http://schemas.openxmlformats.org/drawingml/2006/main" name="Office Theme">
   <a:themeElements>

--- a/VideoHeadshotBullets.pptx
+++ b/VideoHeadshotBullets.pptx
@@ -4,16 +4,28 @@
   <p:sldMasterIdLst>
     <p:sldMasterId id="2147483648" r:id="rId1"/>
   </p:sldMasterIdLst>
+  <p:notesMasterIdLst>
+    <p:notesMasterId r:id="rId20"/>
+  </p:notesMasterIdLst>
   <p:sldIdLst>
     <p:sldId id="257" r:id="rId2"/>
-    <p:sldId id="258" r:id="rId3"/>
-    <p:sldId id="259" r:id="rId4"/>
-    <p:sldId id="260" r:id="rId5"/>
-    <p:sldId id="261" r:id="rId6"/>
-    <p:sldId id="262" r:id="rId7"/>
-    <p:sldId id="263" r:id="rId8"/>
-    <p:sldId id="264" r:id="rId9"/>
-    <p:sldId id="266" r:id="rId10"/>
+    <p:sldId id="269" r:id="rId3"/>
+    <p:sldId id="258" r:id="rId4"/>
+    <p:sldId id="270" r:id="rId5"/>
+    <p:sldId id="259" r:id="rId6"/>
+    <p:sldId id="271" r:id="rId7"/>
+    <p:sldId id="260" r:id="rId8"/>
+    <p:sldId id="272" r:id="rId9"/>
+    <p:sldId id="261" r:id="rId10"/>
+    <p:sldId id="273" r:id="rId11"/>
+    <p:sldId id="262" r:id="rId12"/>
+    <p:sldId id="274" r:id="rId13"/>
+    <p:sldId id="263" r:id="rId14"/>
+    <p:sldId id="275" r:id="rId15"/>
+    <p:sldId id="264" r:id="rId16"/>
+    <p:sldId id="276" r:id="rId17"/>
+    <p:sldId id="266" r:id="rId18"/>
+    <p:sldId id="267" r:id="rId19"/>
   </p:sldIdLst>
   <p:sldSz cx="12192000" cy="6858000"/>
   <p:notesSz cx="6858000" cy="9144000"/>
@@ -118,6 +130,3100 @@
     </p:ext>
   </p:extLst>
 </p:presentation>
+</file>
+
+<file path=ppt/commentAuthors.xml><?xml version="1.0" encoding="utf-8"?>
+<p:cmAuthorLst xmlns:a="http://schemas.openxmlformats.org/drawingml/2006/main" xmlns:r="http://schemas.openxmlformats.org/officeDocument/2006/relationships" xmlns:p="http://schemas.openxmlformats.org/presentationml/2006/main">
+  <p:cmAuthor id="1" name="Derik Whittaker" initials="DW" lastIdx="1" clrIdx="0">
+    <p:extLst>
+      <p:ext uri="{19B8F6BF-5375-455C-9EA6-DF929625EA0E}">
+        <p15:presenceInfo xmlns:p15="http://schemas.microsoft.com/office/powerpoint/2012/main" userId="b8d144c620c2e258" providerId="Windows Live"/>
+      </p:ext>
+    </p:extLst>
+  </p:cmAuthor>
+</p:cmAuthorLst>
+</file>
+
+<file path=ppt/notesMasters/notesMaster1.xml><?xml version="1.0" encoding="utf-8"?>
+<p:notesMaster xmlns:a="http://schemas.openxmlformats.org/drawingml/2006/main" xmlns:r="http://schemas.openxmlformats.org/officeDocument/2006/relationships" xmlns:p="http://schemas.openxmlformats.org/presentationml/2006/main">
+  <p:cSld>
+    <p:bg>
+      <p:bgRef idx="1001">
+        <a:schemeClr val="bg1"/>
+      </p:bgRef>
+    </p:bg>
+    <p:spTree>
+      <p:nvGrpSpPr>
+        <p:cNvPr id="1" name=""/>
+        <p:cNvGrpSpPr/>
+        <p:nvPr/>
+      </p:nvGrpSpPr>
+      <p:grpSpPr>
+        <a:xfrm>
+          <a:off x="0" y="0"/>
+          <a:ext cx="0" cy="0"/>
+          <a:chOff x="0" y="0"/>
+          <a:chExt cx="0" cy="0"/>
+        </a:xfrm>
+      </p:grpSpPr>
+      <p:sp>
+        <p:nvSpPr>
+          <p:cNvPr id="2" name="Header Placeholder 1"/>
+          <p:cNvSpPr>
+            <a:spLocks noGrp="1"/>
+          </p:cNvSpPr>
+          <p:nvPr>
+            <p:ph type="hdr" sz="quarter"/>
+          </p:nvPr>
+        </p:nvSpPr>
+        <p:spPr>
+          <a:xfrm>
+            <a:off x="0" y="0"/>
+            <a:ext cx="2971800" cy="458788"/>
+          </a:xfrm>
+          <a:prstGeom prst="rect">
+            <a:avLst/>
+          </a:prstGeom>
+        </p:spPr>
+        <p:txBody>
+          <a:bodyPr vert="horz" lIns="91440" tIns="45720" rIns="91440" bIns="45720" rtlCol="0"/>
+          <a:lstStyle>
+            <a:lvl1pPr algn="l">
+              <a:defRPr sz="1200"/>
+            </a:lvl1pPr>
+          </a:lstStyle>
+          <a:p>
+            <a:endParaRPr lang="en-US"/>
+          </a:p>
+        </p:txBody>
+      </p:sp>
+      <p:sp>
+        <p:nvSpPr>
+          <p:cNvPr id="3" name="Date Placeholder 2"/>
+          <p:cNvSpPr>
+            <a:spLocks noGrp="1"/>
+          </p:cNvSpPr>
+          <p:nvPr>
+            <p:ph type="dt" idx="1"/>
+          </p:nvPr>
+        </p:nvSpPr>
+        <p:spPr>
+          <a:xfrm>
+            <a:off x="3884613" y="0"/>
+            <a:ext cx="2971800" cy="458788"/>
+          </a:xfrm>
+          <a:prstGeom prst="rect">
+            <a:avLst/>
+          </a:prstGeom>
+        </p:spPr>
+        <p:txBody>
+          <a:bodyPr vert="horz" lIns="91440" tIns="45720" rIns="91440" bIns="45720" rtlCol="0"/>
+          <a:lstStyle>
+            <a:lvl1pPr algn="r">
+              <a:defRPr sz="1200"/>
+            </a:lvl1pPr>
+          </a:lstStyle>
+          <a:p>
+            <a:fld id="{3072D250-E13B-4C3B-804B-E929A9FC318A}" type="datetimeFigureOut">
+              <a:rPr lang="en-US" smtClean="0"/>
+              <a:t>3/20/2013</a:t>
+            </a:fld>
+            <a:endParaRPr lang="en-US"/>
+          </a:p>
+        </p:txBody>
+      </p:sp>
+      <p:sp>
+        <p:nvSpPr>
+          <p:cNvPr id="4" name="Slide Image Placeholder 3"/>
+          <p:cNvSpPr>
+            <a:spLocks noGrp="1" noRot="1" noChangeAspect="1"/>
+          </p:cNvSpPr>
+          <p:nvPr>
+            <p:ph type="sldImg" idx="2"/>
+          </p:nvPr>
+        </p:nvSpPr>
+        <p:spPr>
+          <a:xfrm>
+            <a:off x="685800" y="1143000"/>
+            <a:ext cx="5486400" cy="3086100"/>
+          </a:xfrm>
+          <a:prstGeom prst="rect">
+            <a:avLst/>
+          </a:prstGeom>
+          <a:noFill/>
+          <a:ln w="12700">
+            <a:solidFill>
+              <a:prstClr val="black"/>
+            </a:solidFill>
+          </a:ln>
+        </p:spPr>
+        <p:txBody>
+          <a:bodyPr vert="horz" lIns="91440" tIns="45720" rIns="91440" bIns="45720" rtlCol="0" anchor="ctr"/>
+          <a:lstStyle/>
+          <a:p>
+            <a:endParaRPr lang="en-US"/>
+          </a:p>
+        </p:txBody>
+      </p:sp>
+      <p:sp>
+        <p:nvSpPr>
+          <p:cNvPr id="5" name="Notes Placeholder 4"/>
+          <p:cNvSpPr>
+            <a:spLocks noGrp="1"/>
+          </p:cNvSpPr>
+          <p:nvPr>
+            <p:ph type="body" sz="quarter" idx="3"/>
+          </p:nvPr>
+        </p:nvSpPr>
+        <p:spPr>
+          <a:xfrm>
+            <a:off x="685800" y="4400550"/>
+            <a:ext cx="5486400" cy="3600450"/>
+          </a:xfrm>
+          <a:prstGeom prst="rect">
+            <a:avLst/>
+          </a:prstGeom>
+        </p:spPr>
+        <p:txBody>
+          <a:bodyPr vert="horz" lIns="91440" tIns="45720" rIns="91440" bIns="45720" rtlCol="0"/>
+          <a:lstStyle/>
+          <a:p>
+            <a:pPr lvl="0"/>
+            <a:r>
+              <a:rPr lang="en-US" smtClean="0"/>
+              <a:t>Click to edit Master text styles</a:t>
+            </a:r>
+          </a:p>
+          <a:p>
+            <a:pPr lvl="1"/>
+            <a:r>
+              <a:rPr lang="en-US" smtClean="0"/>
+              <a:t>Second level</a:t>
+            </a:r>
+          </a:p>
+          <a:p>
+            <a:pPr lvl="2"/>
+            <a:r>
+              <a:rPr lang="en-US" smtClean="0"/>
+              <a:t>Third level</a:t>
+            </a:r>
+          </a:p>
+          <a:p>
+            <a:pPr lvl="3"/>
+            <a:r>
+              <a:rPr lang="en-US" smtClean="0"/>
+              <a:t>Fourth level</a:t>
+            </a:r>
+          </a:p>
+          <a:p>
+            <a:pPr lvl="4"/>
+            <a:r>
+              <a:rPr lang="en-US" smtClean="0"/>
+              <a:t>Fifth level</a:t>
+            </a:r>
+            <a:endParaRPr lang="en-US"/>
+          </a:p>
+        </p:txBody>
+      </p:sp>
+      <p:sp>
+        <p:nvSpPr>
+          <p:cNvPr id="6" name="Footer Placeholder 5"/>
+          <p:cNvSpPr>
+            <a:spLocks noGrp="1"/>
+          </p:cNvSpPr>
+          <p:nvPr>
+            <p:ph type="ftr" sz="quarter" idx="4"/>
+          </p:nvPr>
+        </p:nvSpPr>
+        <p:spPr>
+          <a:xfrm>
+            <a:off x="0" y="8685213"/>
+            <a:ext cx="2971800" cy="458787"/>
+          </a:xfrm>
+          <a:prstGeom prst="rect">
+            <a:avLst/>
+          </a:prstGeom>
+        </p:spPr>
+        <p:txBody>
+          <a:bodyPr vert="horz" lIns="91440" tIns="45720" rIns="91440" bIns="45720" rtlCol="0" anchor="b"/>
+          <a:lstStyle>
+            <a:lvl1pPr algn="l">
+              <a:defRPr sz="1200"/>
+            </a:lvl1pPr>
+          </a:lstStyle>
+          <a:p>
+            <a:endParaRPr lang="en-US"/>
+          </a:p>
+        </p:txBody>
+      </p:sp>
+      <p:sp>
+        <p:nvSpPr>
+          <p:cNvPr id="7" name="Slide Number Placeholder 6"/>
+          <p:cNvSpPr>
+            <a:spLocks noGrp="1"/>
+          </p:cNvSpPr>
+          <p:nvPr>
+            <p:ph type="sldNum" sz="quarter" idx="5"/>
+          </p:nvPr>
+        </p:nvSpPr>
+        <p:spPr>
+          <a:xfrm>
+            <a:off x="3884613" y="8685213"/>
+            <a:ext cx="2971800" cy="458787"/>
+          </a:xfrm>
+          <a:prstGeom prst="rect">
+            <a:avLst/>
+          </a:prstGeom>
+        </p:spPr>
+        <p:txBody>
+          <a:bodyPr vert="horz" lIns="91440" tIns="45720" rIns="91440" bIns="45720" rtlCol="0" anchor="b"/>
+          <a:lstStyle>
+            <a:lvl1pPr algn="r">
+              <a:defRPr sz="1200"/>
+            </a:lvl1pPr>
+          </a:lstStyle>
+          <a:p>
+            <a:fld id="{9001A5A0-20F3-48C7-977D-10013C4C5EFA}" type="slidenum">
+              <a:rPr lang="en-US" smtClean="0"/>
+              <a:t>‹#›</a:t>
+            </a:fld>
+            <a:endParaRPr lang="en-US"/>
+          </a:p>
+        </p:txBody>
+      </p:sp>
+    </p:spTree>
+    <p:extLst>
+      <p:ext uri="{BB962C8B-B14F-4D97-AF65-F5344CB8AC3E}">
+        <p14:creationId xmlns:p14="http://schemas.microsoft.com/office/powerpoint/2010/main" val="597936775"/>
+      </p:ext>
+    </p:extLst>
+  </p:cSld>
+  <p:clrMap bg1="lt1" tx1="dk1" bg2="lt2" tx2="dk2" accent1="accent1" accent2="accent2" accent3="accent3" accent4="accent4" accent5="accent5" accent6="accent6" hlink="hlink" folHlink="folHlink"/>
+  <p:notesStyle>
+    <a:lvl1pPr marL="0" algn="l" defTabSz="914400" rtl="0" eaLnBrk="1" latinLnBrk="0" hangingPunct="1">
+      <a:defRPr sz="1200" kern="1200">
+        <a:solidFill>
+          <a:schemeClr val="tx1"/>
+        </a:solidFill>
+        <a:latin typeface="+mn-lt"/>
+        <a:ea typeface="+mn-ea"/>
+        <a:cs typeface="+mn-cs"/>
+      </a:defRPr>
+    </a:lvl1pPr>
+    <a:lvl2pPr marL="457200" algn="l" defTabSz="914400" rtl="0" eaLnBrk="1" latinLnBrk="0" hangingPunct="1">
+      <a:defRPr sz="1200" kern="1200">
+        <a:solidFill>
+          <a:schemeClr val="tx1"/>
+        </a:solidFill>
+        <a:latin typeface="+mn-lt"/>
+        <a:ea typeface="+mn-ea"/>
+        <a:cs typeface="+mn-cs"/>
+      </a:defRPr>
+    </a:lvl2pPr>
+    <a:lvl3pPr marL="914400" algn="l" defTabSz="914400" rtl="0" eaLnBrk="1" latinLnBrk="0" hangingPunct="1">
+      <a:defRPr sz="1200" kern="1200">
+        <a:solidFill>
+          <a:schemeClr val="tx1"/>
+        </a:solidFill>
+        <a:latin typeface="+mn-lt"/>
+        <a:ea typeface="+mn-ea"/>
+        <a:cs typeface="+mn-cs"/>
+      </a:defRPr>
+    </a:lvl3pPr>
+    <a:lvl4pPr marL="1371600" algn="l" defTabSz="914400" rtl="0" eaLnBrk="1" latinLnBrk="0" hangingPunct="1">
+      <a:defRPr sz="1200" kern="1200">
+        <a:solidFill>
+          <a:schemeClr val="tx1"/>
+        </a:solidFill>
+        <a:latin typeface="+mn-lt"/>
+        <a:ea typeface="+mn-ea"/>
+        <a:cs typeface="+mn-cs"/>
+      </a:defRPr>
+    </a:lvl4pPr>
+    <a:lvl5pPr marL="1828800" algn="l" defTabSz="914400" rtl="0" eaLnBrk="1" latinLnBrk="0" hangingPunct="1">
+      <a:defRPr sz="1200" kern="1200">
+        <a:solidFill>
+          <a:schemeClr val="tx1"/>
+        </a:solidFill>
+        <a:latin typeface="+mn-lt"/>
+        <a:ea typeface="+mn-ea"/>
+        <a:cs typeface="+mn-cs"/>
+      </a:defRPr>
+    </a:lvl5pPr>
+    <a:lvl6pPr marL="2286000" algn="l" defTabSz="914400" rtl="0" eaLnBrk="1" latinLnBrk="0" hangingPunct="1">
+      <a:defRPr sz="1200" kern="1200">
+        <a:solidFill>
+          <a:schemeClr val="tx1"/>
+        </a:solidFill>
+        <a:latin typeface="+mn-lt"/>
+        <a:ea typeface="+mn-ea"/>
+        <a:cs typeface="+mn-cs"/>
+      </a:defRPr>
+    </a:lvl6pPr>
+    <a:lvl7pPr marL="2743200" algn="l" defTabSz="914400" rtl="0" eaLnBrk="1" latinLnBrk="0" hangingPunct="1">
+      <a:defRPr sz="1200" kern="1200">
+        <a:solidFill>
+          <a:schemeClr val="tx1"/>
+        </a:solidFill>
+        <a:latin typeface="+mn-lt"/>
+        <a:ea typeface="+mn-ea"/>
+        <a:cs typeface="+mn-cs"/>
+      </a:defRPr>
+    </a:lvl7pPr>
+    <a:lvl8pPr marL="3200400" algn="l" defTabSz="914400" rtl="0" eaLnBrk="1" latinLnBrk="0" hangingPunct="1">
+      <a:defRPr sz="1200" kern="1200">
+        <a:solidFill>
+          <a:schemeClr val="tx1"/>
+        </a:solidFill>
+        <a:latin typeface="+mn-lt"/>
+        <a:ea typeface="+mn-ea"/>
+        <a:cs typeface="+mn-cs"/>
+      </a:defRPr>
+    </a:lvl8pPr>
+    <a:lvl9pPr marL="3657600" algn="l" defTabSz="914400" rtl="0" eaLnBrk="1" latinLnBrk="0" hangingPunct="1">
+      <a:defRPr sz="1200" kern="1200">
+        <a:solidFill>
+          <a:schemeClr val="tx1"/>
+        </a:solidFill>
+        <a:latin typeface="+mn-lt"/>
+        <a:ea typeface="+mn-ea"/>
+        <a:cs typeface="+mn-cs"/>
+      </a:defRPr>
+    </a:lvl9pPr>
+  </p:notesStyle>
+</p:notesMaster>
+</file>
+
+<file path=ppt/notesSlides/notesSlide1.xml><?xml version="1.0" encoding="utf-8"?>
+<p:notes xmlns:a="http://schemas.openxmlformats.org/drawingml/2006/main" xmlns:r="http://schemas.openxmlformats.org/officeDocument/2006/relationships" xmlns:p="http://schemas.openxmlformats.org/presentationml/2006/main">
+  <p:cSld>
+    <p:spTree>
+      <p:nvGrpSpPr>
+        <p:cNvPr id="1" name=""/>
+        <p:cNvGrpSpPr/>
+        <p:nvPr/>
+      </p:nvGrpSpPr>
+      <p:grpSpPr>
+        <a:xfrm>
+          <a:off x="0" y="0"/>
+          <a:ext cx="0" cy="0"/>
+          <a:chOff x="0" y="0"/>
+          <a:chExt cx="0" cy="0"/>
+        </a:xfrm>
+      </p:grpSpPr>
+      <p:sp>
+        <p:nvSpPr>
+          <p:cNvPr id="2" name="Slide Image Placeholder 1"/>
+          <p:cNvSpPr>
+            <a:spLocks noGrp="1" noRot="1" noChangeAspect="1"/>
+          </p:cNvSpPr>
+          <p:nvPr>
+            <p:ph type="sldImg"/>
+          </p:nvPr>
+        </p:nvSpPr>
+        <p:spPr/>
+      </p:sp>
+      <p:sp>
+        <p:nvSpPr>
+          <p:cNvPr id="3" name="Notes Placeholder 2"/>
+          <p:cNvSpPr>
+            <a:spLocks noGrp="1"/>
+          </p:cNvSpPr>
+          <p:nvPr>
+            <p:ph type="body" idx="1"/>
+          </p:nvPr>
+        </p:nvSpPr>
+        <p:spPr/>
+        <p:txBody>
+          <a:bodyPr/>
+          <a:lstStyle/>
+          <a:p>
+            <a:r>
+              <a:rPr lang="en-US" dirty="0" smtClean="0"/>
+              <a:t>* </a:t>
+            </a:r>
+            <a:r>
+              <a:rPr lang="en-US" dirty="0" smtClean="0"/>
+              <a:t>In</a:t>
+            </a:r>
+            <a:r>
+              <a:rPr lang="en-US" baseline="0" dirty="0" smtClean="0"/>
+              <a:t> lesson 1 we are going to explore windows 8 and visual studio 2012.</a:t>
+            </a:r>
+          </a:p>
+          <a:p>
+            <a:r>
+              <a:rPr lang="en-US" baseline="0" dirty="0" smtClean="0"/>
+              <a:t>* We will first start off by taking a lap around windows 8 and take a sneak peak at many of the items we are going to cover though out this live lesson such as contracts, </a:t>
+            </a:r>
+            <a:r>
+              <a:rPr lang="en-US" baseline="0" dirty="0" err="1" smtClean="0"/>
+              <a:t>ui</a:t>
+            </a:r>
+            <a:r>
+              <a:rPr lang="en-US" baseline="0" dirty="0" smtClean="0"/>
+              <a:t> controls, system charms, and live tiles.</a:t>
+            </a:r>
+          </a:p>
+          <a:p>
+            <a:r>
+              <a:rPr lang="en-US" baseline="0" dirty="0" smtClean="0"/>
+              <a:t>* </a:t>
+            </a:r>
+            <a:r>
+              <a:rPr lang="en-US" baseline="0" dirty="0" smtClean="0"/>
+              <a:t>Next we are going do a lap around visual studio 2012.  Here we are going to crack open visual studio and explore many of its new features which will allow us to build our windows 8 modern UI application.</a:t>
+            </a:r>
+          </a:p>
+        </p:txBody>
+      </p:sp>
+      <p:sp>
+        <p:nvSpPr>
+          <p:cNvPr id="4" name="Slide Number Placeholder 3"/>
+          <p:cNvSpPr>
+            <a:spLocks noGrp="1"/>
+          </p:cNvSpPr>
+          <p:nvPr>
+            <p:ph type="sldNum" sz="quarter" idx="10"/>
+          </p:nvPr>
+        </p:nvSpPr>
+        <p:spPr/>
+        <p:txBody>
+          <a:bodyPr/>
+          <a:lstStyle/>
+          <a:p>
+            <a:fld id="{9001A5A0-20F3-48C7-977D-10013C4C5EFA}" type="slidenum">
+              <a:rPr lang="en-US" smtClean="0"/>
+              <a:t>1</a:t>
+            </a:fld>
+            <a:endParaRPr lang="en-US"/>
+          </a:p>
+        </p:txBody>
+      </p:sp>
+    </p:spTree>
+    <p:extLst>
+      <p:ext uri="{BB962C8B-B14F-4D97-AF65-F5344CB8AC3E}">
+        <p14:creationId xmlns:p14="http://schemas.microsoft.com/office/powerpoint/2010/main" val="2411544311"/>
+      </p:ext>
+    </p:extLst>
+  </p:cSld>
+  <p:clrMapOvr>
+    <a:masterClrMapping/>
+  </p:clrMapOvr>
+</p:notes>
+</file>
+
+<file path=ppt/notesSlides/notesSlide10.xml><?xml version="1.0" encoding="utf-8"?>
+<p:notes xmlns:a="http://schemas.openxmlformats.org/drawingml/2006/main" xmlns:r="http://schemas.openxmlformats.org/officeDocument/2006/relationships" xmlns:p="http://schemas.openxmlformats.org/presentationml/2006/main">
+  <p:cSld>
+    <p:spTree>
+      <p:nvGrpSpPr>
+        <p:cNvPr id="1" name=""/>
+        <p:cNvGrpSpPr/>
+        <p:nvPr/>
+      </p:nvGrpSpPr>
+      <p:grpSpPr>
+        <a:xfrm>
+          <a:off x="0" y="0"/>
+          <a:ext cx="0" cy="0"/>
+          <a:chOff x="0" y="0"/>
+          <a:chExt cx="0" cy="0"/>
+        </a:xfrm>
+      </p:grpSpPr>
+      <p:sp>
+        <p:nvSpPr>
+          <p:cNvPr id="2" name="Slide Image Placeholder 1"/>
+          <p:cNvSpPr>
+            <a:spLocks noGrp="1" noRot="1" noChangeAspect="1"/>
+          </p:cNvSpPr>
+          <p:nvPr>
+            <p:ph type="sldImg"/>
+          </p:nvPr>
+        </p:nvSpPr>
+        <p:spPr/>
+      </p:sp>
+      <p:sp>
+        <p:nvSpPr>
+          <p:cNvPr id="3" name="Notes Placeholder 2"/>
+          <p:cNvSpPr>
+            <a:spLocks noGrp="1"/>
+          </p:cNvSpPr>
+          <p:nvPr>
+            <p:ph type="body" idx="1"/>
+          </p:nvPr>
+        </p:nvSpPr>
+        <p:spPr/>
+        <p:txBody>
+          <a:bodyPr/>
+          <a:lstStyle/>
+          <a:p>
+            <a:r>
+              <a:rPr lang="en-US" dirty="0" smtClean="0"/>
+              <a:t>In lesson 5 we are going to learn </a:t>
+            </a:r>
+            <a:r>
+              <a:rPr lang="en-US" baseline="0" dirty="0" smtClean="0"/>
+              <a:t>how to light up your application by using system contracts</a:t>
+            </a:r>
+          </a:p>
+          <a:p>
+            <a:pPr marL="171450" marR="0" indent="-171450" algn="l" defTabSz="914400" rtl="0" eaLnBrk="1" fontAlgn="auto" latinLnBrk="0" hangingPunct="1">
+              <a:lnSpc>
+                <a:spcPct val="100000"/>
+              </a:lnSpc>
+              <a:spcBef>
+                <a:spcPts val="0"/>
+              </a:spcBef>
+              <a:spcAft>
+                <a:spcPts val="0"/>
+              </a:spcAft>
+              <a:buClrTx/>
+              <a:buSzTx/>
+              <a:buFont typeface="Arial" panose="020B0604020202020204" pitchFamily="34" charset="0"/>
+              <a:buChar char="•"/>
+              <a:tabLst/>
+              <a:defRPr/>
+            </a:pPr>
+            <a:r>
+              <a:rPr lang="en-US" baseline="0" dirty="0" smtClean="0"/>
+              <a:t>We will start off by learning how to use the search contract to allow your application to be searched via the search charm.</a:t>
+            </a:r>
+          </a:p>
+          <a:p>
+            <a:pPr marL="171450" marR="0" indent="-171450" algn="l" defTabSz="914400" rtl="0" eaLnBrk="1" fontAlgn="auto" latinLnBrk="0" hangingPunct="1">
+              <a:lnSpc>
+                <a:spcPct val="100000"/>
+              </a:lnSpc>
+              <a:spcBef>
+                <a:spcPts val="0"/>
+              </a:spcBef>
+              <a:spcAft>
+                <a:spcPts val="0"/>
+              </a:spcAft>
+              <a:buClrTx/>
+              <a:buSzTx/>
+              <a:buFont typeface="Arial" panose="020B0604020202020204" pitchFamily="34" charset="0"/>
+              <a:buChar char="•"/>
+              <a:tabLst/>
+              <a:defRPr/>
+            </a:pPr>
+            <a:r>
+              <a:rPr lang="en-US" baseline="0" dirty="0" smtClean="0"/>
+              <a:t>Next we are going to learn how to use the share source contract to share application data with other applications.</a:t>
+            </a:r>
+          </a:p>
+          <a:p>
+            <a:pPr marL="171450" indent="-171450">
+              <a:buFont typeface="Arial" panose="020B0604020202020204" pitchFamily="34" charset="0"/>
+              <a:buChar char="•"/>
+            </a:pPr>
+            <a:r>
+              <a:rPr lang="en-US" baseline="0" dirty="0" smtClean="0"/>
+              <a:t>Following this will learn how to use the share target contract to allow you to consume data being shared by other applications.</a:t>
+            </a:r>
+          </a:p>
+          <a:p>
+            <a:pPr marL="171450" indent="-171450">
+              <a:buFont typeface="Arial" panose="020B0604020202020204" pitchFamily="34" charset="0"/>
+              <a:buChar char="•"/>
+            </a:pPr>
+            <a:r>
+              <a:rPr lang="en-US" baseline="0" dirty="0" smtClean="0"/>
+              <a:t>Finally we will end this lesson by learning how to use the settings contract to integrate your application settings with settings charm.</a:t>
+            </a:r>
+          </a:p>
+        </p:txBody>
+      </p:sp>
+      <p:sp>
+        <p:nvSpPr>
+          <p:cNvPr id="4" name="Slide Number Placeholder 3"/>
+          <p:cNvSpPr>
+            <a:spLocks noGrp="1"/>
+          </p:cNvSpPr>
+          <p:nvPr>
+            <p:ph type="sldNum" sz="quarter" idx="10"/>
+          </p:nvPr>
+        </p:nvSpPr>
+        <p:spPr/>
+        <p:txBody>
+          <a:bodyPr/>
+          <a:lstStyle/>
+          <a:p>
+            <a:fld id="{9001A5A0-20F3-48C7-977D-10013C4C5EFA}" type="slidenum">
+              <a:rPr lang="en-US" smtClean="0"/>
+              <a:t>10</a:t>
+            </a:fld>
+            <a:endParaRPr lang="en-US"/>
+          </a:p>
+        </p:txBody>
+      </p:sp>
+    </p:spTree>
+    <p:extLst>
+      <p:ext uri="{BB962C8B-B14F-4D97-AF65-F5344CB8AC3E}">
+        <p14:creationId xmlns:p14="http://schemas.microsoft.com/office/powerpoint/2010/main" val="1337098281"/>
+      </p:ext>
+    </p:extLst>
+  </p:cSld>
+  <p:clrMapOvr>
+    <a:masterClrMapping/>
+  </p:clrMapOvr>
+</p:notes>
+</file>
+
+<file path=ppt/notesSlides/notesSlide11.xml><?xml version="1.0" encoding="utf-8"?>
+<p:notes xmlns:a="http://schemas.openxmlformats.org/drawingml/2006/main" xmlns:r="http://schemas.openxmlformats.org/officeDocument/2006/relationships" xmlns:p="http://schemas.openxmlformats.org/presentationml/2006/main">
+  <p:cSld>
+    <p:spTree>
+      <p:nvGrpSpPr>
+        <p:cNvPr id="1" name=""/>
+        <p:cNvGrpSpPr/>
+        <p:nvPr/>
+      </p:nvGrpSpPr>
+      <p:grpSpPr>
+        <a:xfrm>
+          <a:off x="0" y="0"/>
+          <a:ext cx="0" cy="0"/>
+          <a:chOff x="0" y="0"/>
+          <a:chExt cx="0" cy="0"/>
+        </a:xfrm>
+      </p:grpSpPr>
+      <p:sp>
+        <p:nvSpPr>
+          <p:cNvPr id="2" name="Slide Image Placeholder 1"/>
+          <p:cNvSpPr>
+            <a:spLocks noGrp="1" noRot="1" noChangeAspect="1"/>
+          </p:cNvSpPr>
+          <p:nvPr>
+            <p:ph type="sldImg"/>
+          </p:nvPr>
+        </p:nvSpPr>
+        <p:spPr/>
+      </p:sp>
+      <p:sp>
+        <p:nvSpPr>
+          <p:cNvPr id="3" name="Notes Placeholder 2"/>
+          <p:cNvSpPr>
+            <a:spLocks noGrp="1"/>
+          </p:cNvSpPr>
+          <p:nvPr>
+            <p:ph type="body" idx="1"/>
+          </p:nvPr>
+        </p:nvSpPr>
+        <p:spPr/>
+        <p:txBody>
+          <a:bodyPr/>
+          <a:lstStyle/>
+          <a:p>
+            <a:r>
+              <a:rPr lang="en-US" dirty="0" smtClean="0"/>
+              <a:t>In lesson 6 we are going to learn </a:t>
+            </a:r>
+            <a:r>
+              <a:rPr lang="en-US" baseline="0" dirty="0" smtClean="0"/>
+              <a:t>how to create beautiful and engaging application tiles</a:t>
+            </a:r>
+          </a:p>
+          <a:p>
+            <a:pPr marL="171450" marR="0" indent="-171450" algn="l" defTabSz="914400" rtl="0" eaLnBrk="1" fontAlgn="auto" latinLnBrk="0" hangingPunct="1">
+              <a:lnSpc>
+                <a:spcPct val="100000"/>
+              </a:lnSpc>
+              <a:spcBef>
+                <a:spcPts val="0"/>
+              </a:spcBef>
+              <a:spcAft>
+                <a:spcPts val="0"/>
+              </a:spcAft>
+              <a:buClrTx/>
+              <a:buSzTx/>
+              <a:buFont typeface="Arial" panose="020B0604020202020204" pitchFamily="34" charset="0"/>
+              <a:buChar char="•"/>
+              <a:tabLst/>
+              <a:defRPr/>
+            </a:pPr>
+            <a:r>
+              <a:rPr lang="en-US" baseline="0" dirty="0" smtClean="0"/>
+              <a:t>We will start off by leaning the basics regarding application tiles.</a:t>
+            </a:r>
+          </a:p>
+          <a:p>
+            <a:pPr marL="171450" marR="0" indent="-171450" algn="l" defTabSz="914400" rtl="0" eaLnBrk="1" fontAlgn="auto" latinLnBrk="0" hangingPunct="1">
+              <a:lnSpc>
+                <a:spcPct val="100000"/>
+              </a:lnSpc>
+              <a:spcBef>
+                <a:spcPts val="0"/>
+              </a:spcBef>
+              <a:spcAft>
+                <a:spcPts val="0"/>
+              </a:spcAft>
+              <a:buClrTx/>
+              <a:buSzTx/>
+              <a:buFont typeface="Arial" panose="020B0604020202020204" pitchFamily="34" charset="0"/>
+              <a:buChar char="•"/>
+              <a:tabLst/>
+              <a:defRPr/>
+            </a:pPr>
+            <a:r>
+              <a:rPr lang="en-US" baseline="0" dirty="0" smtClean="0"/>
+              <a:t>Next we are going to learn how to create secondary tiles which allow deep linking into your application.</a:t>
+            </a:r>
+          </a:p>
+          <a:p>
+            <a:pPr marL="171450" marR="0" indent="-171450" algn="l" defTabSz="914400" rtl="0" eaLnBrk="1" fontAlgn="auto" latinLnBrk="0" hangingPunct="1">
+              <a:lnSpc>
+                <a:spcPct val="100000"/>
+              </a:lnSpc>
+              <a:spcBef>
+                <a:spcPts val="0"/>
+              </a:spcBef>
+              <a:spcAft>
+                <a:spcPts val="0"/>
+              </a:spcAft>
+              <a:buClrTx/>
+              <a:buSzTx/>
+              <a:buFont typeface="Arial" panose="020B0604020202020204" pitchFamily="34" charset="0"/>
+              <a:buChar char="•"/>
+              <a:tabLst/>
+              <a:defRPr/>
+            </a:pPr>
+            <a:r>
+              <a:rPr lang="en-US" baseline="0" dirty="0" smtClean="0"/>
+              <a:t>We will then learn how to make our tiles come to life by making them live in order to show relevant and contextual data.</a:t>
+            </a:r>
+          </a:p>
+          <a:p>
+            <a:pPr marL="171450" indent="-171450">
+              <a:buFont typeface="Arial" panose="020B0604020202020204" pitchFamily="34" charset="0"/>
+              <a:buChar char="•"/>
+            </a:pPr>
+            <a:r>
+              <a:rPr lang="en-US" baseline="0" dirty="0" smtClean="0"/>
+              <a:t>Following this will we will explore more advanced live tile scenarios such as the ability to update your tile with information at some point in the future.</a:t>
+            </a:r>
+          </a:p>
+          <a:p>
+            <a:pPr marL="171450" indent="-171450">
+              <a:buFont typeface="Arial" panose="020B0604020202020204" pitchFamily="34" charset="0"/>
+              <a:buChar char="•"/>
+            </a:pPr>
+            <a:r>
+              <a:rPr lang="en-US" baseline="0" dirty="0" smtClean="0"/>
+              <a:t>Finally we will end this lesson by learning how to send toast notifications from within your application</a:t>
+            </a:r>
+          </a:p>
+          <a:p>
+            <a:endParaRPr lang="en-US" dirty="0"/>
+          </a:p>
+        </p:txBody>
+      </p:sp>
+      <p:sp>
+        <p:nvSpPr>
+          <p:cNvPr id="4" name="Slide Number Placeholder 3"/>
+          <p:cNvSpPr>
+            <a:spLocks noGrp="1"/>
+          </p:cNvSpPr>
+          <p:nvPr>
+            <p:ph type="sldNum" sz="quarter" idx="10"/>
+          </p:nvPr>
+        </p:nvSpPr>
+        <p:spPr/>
+        <p:txBody>
+          <a:bodyPr/>
+          <a:lstStyle/>
+          <a:p>
+            <a:fld id="{9001A5A0-20F3-48C7-977D-10013C4C5EFA}" type="slidenum">
+              <a:rPr lang="en-US" smtClean="0"/>
+              <a:t>11</a:t>
+            </a:fld>
+            <a:endParaRPr lang="en-US"/>
+          </a:p>
+        </p:txBody>
+      </p:sp>
+    </p:spTree>
+    <p:extLst>
+      <p:ext uri="{BB962C8B-B14F-4D97-AF65-F5344CB8AC3E}">
+        <p14:creationId xmlns:p14="http://schemas.microsoft.com/office/powerpoint/2010/main" val="2410248609"/>
+      </p:ext>
+    </p:extLst>
+  </p:cSld>
+  <p:clrMapOvr>
+    <a:masterClrMapping/>
+  </p:clrMapOvr>
+</p:notes>
+</file>
+
+<file path=ppt/notesSlides/notesSlide12.xml><?xml version="1.0" encoding="utf-8"?>
+<p:notes xmlns:a="http://schemas.openxmlformats.org/drawingml/2006/main" xmlns:r="http://schemas.openxmlformats.org/officeDocument/2006/relationships" xmlns:p="http://schemas.openxmlformats.org/presentationml/2006/main">
+  <p:cSld>
+    <p:spTree>
+      <p:nvGrpSpPr>
+        <p:cNvPr id="1" name=""/>
+        <p:cNvGrpSpPr/>
+        <p:nvPr/>
+      </p:nvGrpSpPr>
+      <p:grpSpPr>
+        <a:xfrm>
+          <a:off x="0" y="0"/>
+          <a:ext cx="0" cy="0"/>
+          <a:chOff x="0" y="0"/>
+          <a:chExt cx="0" cy="0"/>
+        </a:xfrm>
+      </p:grpSpPr>
+      <p:sp>
+        <p:nvSpPr>
+          <p:cNvPr id="2" name="Slide Image Placeholder 1"/>
+          <p:cNvSpPr>
+            <a:spLocks noGrp="1" noRot="1" noChangeAspect="1"/>
+          </p:cNvSpPr>
+          <p:nvPr>
+            <p:ph type="sldImg"/>
+          </p:nvPr>
+        </p:nvSpPr>
+        <p:spPr/>
+      </p:sp>
+      <p:sp>
+        <p:nvSpPr>
+          <p:cNvPr id="3" name="Notes Placeholder 2"/>
+          <p:cNvSpPr>
+            <a:spLocks noGrp="1"/>
+          </p:cNvSpPr>
+          <p:nvPr>
+            <p:ph type="body" idx="1"/>
+          </p:nvPr>
+        </p:nvSpPr>
+        <p:spPr/>
+        <p:txBody>
+          <a:bodyPr/>
+          <a:lstStyle/>
+          <a:p>
+            <a:r>
+              <a:rPr lang="en-US" dirty="0" smtClean="0"/>
+              <a:t>In lesson 6 we are going to learn </a:t>
+            </a:r>
+            <a:r>
+              <a:rPr lang="en-US" baseline="0" dirty="0" smtClean="0"/>
+              <a:t>how to create beautiful and engaging application tiles</a:t>
+            </a:r>
+          </a:p>
+          <a:p>
+            <a:pPr marL="171450" marR="0" indent="-171450" algn="l" defTabSz="914400" rtl="0" eaLnBrk="1" fontAlgn="auto" latinLnBrk="0" hangingPunct="1">
+              <a:lnSpc>
+                <a:spcPct val="100000"/>
+              </a:lnSpc>
+              <a:spcBef>
+                <a:spcPts val="0"/>
+              </a:spcBef>
+              <a:spcAft>
+                <a:spcPts val="0"/>
+              </a:spcAft>
+              <a:buClrTx/>
+              <a:buSzTx/>
+              <a:buFont typeface="Arial" panose="020B0604020202020204" pitchFamily="34" charset="0"/>
+              <a:buChar char="•"/>
+              <a:tabLst/>
+              <a:defRPr/>
+            </a:pPr>
+            <a:r>
+              <a:rPr lang="en-US" baseline="0" dirty="0" smtClean="0"/>
+              <a:t>We will start off by leaning the basics regarding application tiles.</a:t>
+            </a:r>
+          </a:p>
+          <a:p>
+            <a:pPr marL="171450" marR="0" indent="-171450" algn="l" defTabSz="914400" rtl="0" eaLnBrk="1" fontAlgn="auto" latinLnBrk="0" hangingPunct="1">
+              <a:lnSpc>
+                <a:spcPct val="100000"/>
+              </a:lnSpc>
+              <a:spcBef>
+                <a:spcPts val="0"/>
+              </a:spcBef>
+              <a:spcAft>
+                <a:spcPts val="0"/>
+              </a:spcAft>
+              <a:buClrTx/>
+              <a:buSzTx/>
+              <a:buFont typeface="Arial" panose="020B0604020202020204" pitchFamily="34" charset="0"/>
+              <a:buChar char="•"/>
+              <a:tabLst/>
+              <a:defRPr/>
+            </a:pPr>
+            <a:r>
+              <a:rPr lang="en-US" baseline="0" dirty="0" smtClean="0"/>
+              <a:t>Next we are going to learn how to create secondary tiles which allow deep linking into your application.</a:t>
+            </a:r>
+          </a:p>
+          <a:p>
+            <a:pPr marL="171450" marR="0" indent="-171450" algn="l" defTabSz="914400" rtl="0" eaLnBrk="1" fontAlgn="auto" latinLnBrk="0" hangingPunct="1">
+              <a:lnSpc>
+                <a:spcPct val="100000"/>
+              </a:lnSpc>
+              <a:spcBef>
+                <a:spcPts val="0"/>
+              </a:spcBef>
+              <a:spcAft>
+                <a:spcPts val="0"/>
+              </a:spcAft>
+              <a:buClrTx/>
+              <a:buSzTx/>
+              <a:buFont typeface="Arial" panose="020B0604020202020204" pitchFamily="34" charset="0"/>
+              <a:buChar char="•"/>
+              <a:tabLst/>
+              <a:defRPr/>
+            </a:pPr>
+            <a:r>
+              <a:rPr lang="en-US" baseline="0" dirty="0" smtClean="0"/>
+              <a:t>We will then learn how to make our tiles come to life by making them live in order to show relevant and contextual data.</a:t>
+            </a:r>
+          </a:p>
+          <a:p>
+            <a:pPr marL="171450" indent="-171450">
+              <a:buFont typeface="Arial" panose="020B0604020202020204" pitchFamily="34" charset="0"/>
+              <a:buChar char="•"/>
+            </a:pPr>
+            <a:r>
+              <a:rPr lang="en-US" baseline="0" dirty="0" smtClean="0"/>
+              <a:t>Following this will we will explore more advanced live tile scenarios such as the ability to update your tile with information at some point in the future.</a:t>
+            </a:r>
+          </a:p>
+          <a:p>
+            <a:pPr marL="171450" indent="-171450">
+              <a:buFont typeface="Arial" panose="020B0604020202020204" pitchFamily="34" charset="0"/>
+              <a:buChar char="•"/>
+            </a:pPr>
+            <a:r>
+              <a:rPr lang="en-US" baseline="0" dirty="0" smtClean="0"/>
+              <a:t>Finally we will end this lesson by learning how to send toast notifications from within your application</a:t>
+            </a:r>
+          </a:p>
+          <a:p>
+            <a:endParaRPr lang="en-US" dirty="0"/>
+          </a:p>
+        </p:txBody>
+      </p:sp>
+      <p:sp>
+        <p:nvSpPr>
+          <p:cNvPr id="4" name="Slide Number Placeholder 3"/>
+          <p:cNvSpPr>
+            <a:spLocks noGrp="1"/>
+          </p:cNvSpPr>
+          <p:nvPr>
+            <p:ph type="sldNum" sz="quarter" idx="10"/>
+          </p:nvPr>
+        </p:nvSpPr>
+        <p:spPr/>
+        <p:txBody>
+          <a:bodyPr/>
+          <a:lstStyle/>
+          <a:p>
+            <a:fld id="{9001A5A0-20F3-48C7-977D-10013C4C5EFA}" type="slidenum">
+              <a:rPr lang="en-US" smtClean="0"/>
+              <a:t>12</a:t>
+            </a:fld>
+            <a:endParaRPr lang="en-US"/>
+          </a:p>
+        </p:txBody>
+      </p:sp>
+    </p:spTree>
+    <p:extLst>
+      <p:ext uri="{BB962C8B-B14F-4D97-AF65-F5344CB8AC3E}">
+        <p14:creationId xmlns:p14="http://schemas.microsoft.com/office/powerpoint/2010/main" val="1083944596"/>
+      </p:ext>
+    </p:extLst>
+  </p:cSld>
+  <p:clrMapOvr>
+    <a:masterClrMapping/>
+  </p:clrMapOvr>
+</p:notes>
+</file>
+
+<file path=ppt/notesSlides/notesSlide13.xml><?xml version="1.0" encoding="utf-8"?>
+<p:notes xmlns:a="http://schemas.openxmlformats.org/drawingml/2006/main" xmlns:r="http://schemas.openxmlformats.org/officeDocument/2006/relationships" xmlns:p="http://schemas.openxmlformats.org/presentationml/2006/main">
+  <p:cSld>
+    <p:spTree>
+      <p:nvGrpSpPr>
+        <p:cNvPr id="1" name=""/>
+        <p:cNvGrpSpPr/>
+        <p:nvPr/>
+      </p:nvGrpSpPr>
+      <p:grpSpPr>
+        <a:xfrm>
+          <a:off x="0" y="0"/>
+          <a:ext cx="0" cy="0"/>
+          <a:chOff x="0" y="0"/>
+          <a:chExt cx="0" cy="0"/>
+        </a:xfrm>
+      </p:grpSpPr>
+      <p:sp>
+        <p:nvSpPr>
+          <p:cNvPr id="2" name="Slide Image Placeholder 1"/>
+          <p:cNvSpPr>
+            <a:spLocks noGrp="1" noRot="1" noChangeAspect="1"/>
+          </p:cNvSpPr>
+          <p:nvPr>
+            <p:ph type="sldImg"/>
+          </p:nvPr>
+        </p:nvSpPr>
+        <p:spPr/>
+      </p:sp>
+      <p:sp>
+        <p:nvSpPr>
+          <p:cNvPr id="3" name="Notes Placeholder 2"/>
+          <p:cNvSpPr>
+            <a:spLocks noGrp="1"/>
+          </p:cNvSpPr>
+          <p:nvPr>
+            <p:ph type="body" idx="1"/>
+          </p:nvPr>
+        </p:nvSpPr>
+        <p:spPr/>
+        <p:txBody>
+          <a:bodyPr/>
+          <a:lstStyle/>
+          <a:p>
+            <a:r>
+              <a:rPr lang="en-US" dirty="0" smtClean="0"/>
+              <a:t>In lesson 7 we are going to learn </a:t>
+            </a:r>
+            <a:r>
+              <a:rPr lang="en-US" baseline="0" dirty="0" smtClean="0"/>
+              <a:t>how use transitions and animations to enhance the user experience of your modern UI application.</a:t>
+            </a:r>
+          </a:p>
+          <a:p>
+            <a:pPr marL="171450" marR="0" indent="-171450" algn="l" defTabSz="914400" rtl="0" eaLnBrk="1" fontAlgn="auto" latinLnBrk="0" hangingPunct="1">
+              <a:lnSpc>
+                <a:spcPct val="100000"/>
+              </a:lnSpc>
+              <a:spcBef>
+                <a:spcPts val="0"/>
+              </a:spcBef>
+              <a:spcAft>
+                <a:spcPts val="0"/>
+              </a:spcAft>
+              <a:buClrTx/>
+              <a:buSzTx/>
+              <a:buFont typeface="Arial" panose="020B0604020202020204" pitchFamily="34" charset="0"/>
+              <a:buChar char="•"/>
+              <a:tabLst/>
+              <a:defRPr/>
+            </a:pPr>
+            <a:r>
+              <a:rPr lang="en-US" baseline="0" dirty="0" smtClean="0"/>
+              <a:t>We will start off by leaning how to use the Visual State Manager in order to make creating transitions dead simple.</a:t>
+            </a:r>
+          </a:p>
+          <a:p>
+            <a:pPr marL="171450" marR="0" indent="-171450" algn="l" defTabSz="914400" rtl="0" eaLnBrk="1" fontAlgn="auto" latinLnBrk="0" hangingPunct="1">
+              <a:lnSpc>
+                <a:spcPct val="100000"/>
+              </a:lnSpc>
+              <a:spcBef>
+                <a:spcPts val="0"/>
+              </a:spcBef>
+              <a:spcAft>
+                <a:spcPts val="0"/>
+              </a:spcAft>
+              <a:buClrTx/>
+              <a:buSzTx/>
+              <a:buFont typeface="Arial" panose="020B0604020202020204" pitchFamily="34" charset="0"/>
+              <a:buChar char="•"/>
+              <a:tabLst/>
+              <a:defRPr/>
+            </a:pPr>
+            <a:r>
+              <a:rPr lang="en-US" baseline="0" dirty="0" smtClean="0"/>
+              <a:t>Finally we will end this lesson by learning how to use animations and story boards to animate your UI elements.</a:t>
+            </a:r>
+          </a:p>
+          <a:p>
+            <a:endParaRPr lang="en-US" dirty="0" smtClean="0"/>
+          </a:p>
+          <a:p>
+            <a:endParaRPr lang="en-US" dirty="0"/>
+          </a:p>
+        </p:txBody>
+      </p:sp>
+      <p:sp>
+        <p:nvSpPr>
+          <p:cNvPr id="4" name="Slide Number Placeholder 3"/>
+          <p:cNvSpPr>
+            <a:spLocks noGrp="1"/>
+          </p:cNvSpPr>
+          <p:nvPr>
+            <p:ph type="sldNum" sz="quarter" idx="10"/>
+          </p:nvPr>
+        </p:nvSpPr>
+        <p:spPr/>
+        <p:txBody>
+          <a:bodyPr/>
+          <a:lstStyle/>
+          <a:p>
+            <a:fld id="{9001A5A0-20F3-48C7-977D-10013C4C5EFA}" type="slidenum">
+              <a:rPr lang="en-US" smtClean="0"/>
+              <a:t>13</a:t>
+            </a:fld>
+            <a:endParaRPr lang="en-US"/>
+          </a:p>
+        </p:txBody>
+      </p:sp>
+    </p:spTree>
+    <p:extLst>
+      <p:ext uri="{BB962C8B-B14F-4D97-AF65-F5344CB8AC3E}">
+        <p14:creationId xmlns:p14="http://schemas.microsoft.com/office/powerpoint/2010/main" val="3082005804"/>
+      </p:ext>
+    </p:extLst>
+  </p:cSld>
+  <p:clrMapOvr>
+    <a:masterClrMapping/>
+  </p:clrMapOvr>
+</p:notes>
+</file>
+
+<file path=ppt/notesSlides/notesSlide14.xml><?xml version="1.0" encoding="utf-8"?>
+<p:notes xmlns:a="http://schemas.openxmlformats.org/drawingml/2006/main" xmlns:r="http://schemas.openxmlformats.org/officeDocument/2006/relationships" xmlns:p="http://schemas.openxmlformats.org/presentationml/2006/main">
+  <p:cSld>
+    <p:spTree>
+      <p:nvGrpSpPr>
+        <p:cNvPr id="1" name=""/>
+        <p:cNvGrpSpPr/>
+        <p:nvPr/>
+      </p:nvGrpSpPr>
+      <p:grpSpPr>
+        <a:xfrm>
+          <a:off x="0" y="0"/>
+          <a:ext cx="0" cy="0"/>
+          <a:chOff x="0" y="0"/>
+          <a:chExt cx="0" cy="0"/>
+        </a:xfrm>
+      </p:grpSpPr>
+      <p:sp>
+        <p:nvSpPr>
+          <p:cNvPr id="2" name="Slide Image Placeholder 1"/>
+          <p:cNvSpPr>
+            <a:spLocks noGrp="1" noRot="1" noChangeAspect="1"/>
+          </p:cNvSpPr>
+          <p:nvPr>
+            <p:ph type="sldImg"/>
+          </p:nvPr>
+        </p:nvSpPr>
+        <p:spPr/>
+      </p:sp>
+      <p:sp>
+        <p:nvSpPr>
+          <p:cNvPr id="3" name="Notes Placeholder 2"/>
+          <p:cNvSpPr>
+            <a:spLocks noGrp="1"/>
+          </p:cNvSpPr>
+          <p:nvPr>
+            <p:ph type="body" idx="1"/>
+          </p:nvPr>
+        </p:nvSpPr>
+        <p:spPr/>
+        <p:txBody>
+          <a:bodyPr/>
+          <a:lstStyle/>
+          <a:p>
+            <a:r>
+              <a:rPr lang="en-US" dirty="0" smtClean="0"/>
+              <a:t>In lesson 7 we are going to learn </a:t>
+            </a:r>
+            <a:r>
+              <a:rPr lang="en-US" baseline="0" dirty="0" smtClean="0"/>
+              <a:t>how use transitions and animations to enhance the user experience of your modern UI application.</a:t>
+            </a:r>
+          </a:p>
+          <a:p>
+            <a:pPr marL="171450" marR="0" indent="-171450" algn="l" defTabSz="914400" rtl="0" eaLnBrk="1" fontAlgn="auto" latinLnBrk="0" hangingPunct="1">
+              <a:lnSpc>
+                <a:spcPct val="100000"/>
+              </a:lnSpc>
+              <a:spcBef>
+                <a:spcPts val="0"/>
+              </a:spcBef>
+              <a:spcAft>
+                <a:spcPts val="0"/>
+              </a:spcAft>
+              <a:buClrTx/>
+              <a:buSzTx/>
+              <a:buFont typeface="Arial" panose="020B0604020202020204" pitchFamily="34" charset="0"/>
+              <a:buChar char="•"/>
+              <a:tabLst/>
+              <a:defRPr/>
+            </a:pPr>
+            <a:r>
+              <a:rPr lang="en-US" baseline="0" dirty="0" smtClean="0"/>
+              <a:t>We will start off by leaning how to use the Visual State Manager in order to make creating transitions dead simple.</a:t>
+            </a:r>
+          </a:p>
+          <a:p>
+            <a:pPr marL="171450" marR="0" indent="-171450" algn="l" defTabSz="914400" rtl="0" eaLnBrk="1" fontAlgn="auto" latinLnBrk="0" hangingPunct="1">
+              <a:lnSpc>
+                <a:spcPct val="100000"/>
+              </a:lnSpc>
+              <a:spcBef>
+                <a:spcPts val="0"/>
+              </a:spcBef>
+              <a:spcAft>
+                <a:spcPts val="0"/>
+              </a:spcAft>
+              <a:buClrTx/>
+              <a:buSzTx/>
+              <a:buFont typeface="Arial" panose="020B0604020202020204" pitchFamily="34" charset="0"/>
+              <a:buChar char="•"/>
+              <a:tabLst/>
+              <a:defRPr/>
+            </a:pPr>
+            <a:r>
+              <a:rPr lang="en-US" baseline="0" dirty="0" smtClean="0"/>
+              <a:t>Finally we will end this lesson by learning how to use animations and story boards to animate your UI elements.</a:t>
+            </a:r>
+          </a:p>
+          <a:p>
+            <a:endParaRPr lang="en-US" dirty="0" smtClean="0"/>
+          </a:p>
+          <a:p>
+            <a:endParaRPr lang="en-US" dirty="0"/>
+          </a:p>
+        </p:txBody>
+      </p:sp>
+      <p:sp>
+        <p:nvSpPr>
+          <p:cNvPr id="4" name="Slide Number Placeholder 3"/>
+          <p:cNvSpPr>
+            <a:spLocks noGrp="1"/>
+          </p:cNvSpPr>
+          <p:nvPr>
+            <p:ph type="sldNum" sz="quarter" idx="10"/>
+          </p:nvPr>
+        </p:nvSpPr>
+        <p:spPr/>
+        <p:txBody>
+          <a:bodyPr/>
+          <a:lstStyle/>
+          <a:p>
+            <a:fld id="{9001A5A0-20F3-48C7-977D-10013C4C5EFA}" type="slidenum">
+              <a:rPr lang="en-US" smtClean="0"/>
+              <a:t>14</a:t>
+            </a:fld>
+            <a:endParaRPr lang="en-US"/>
+          </a:p>
+        </p:txBody>
+      </p:sp>
+    </p:spTree>
+    <p:extLst>
+      <p:ext uri="{BB962C8B-B14F-4D97-AF65-F5344CB8AC3E}">
+        <p14:creationId xmlns:p14="http://schemas.microsoft.com/office/powerpoint/2010/main" val="1370074881"/>
+      </p:ext>
+    </p:extLst>
+  </p:cSld>
+  <p:clrMapOvr>
+    <a:masterClrMapping/>
+  </p:clrMapOvr>
+</p:notes>
+</file>
+
+<file path=ppt/notesSlides/notesSlide15.xml><?xml version="1.0" encoding="utf-8"?>
+<p:notes xmlns:a="http://schemas.openxmlformats.org/drawingml/2006/main" xmlns:r="http://schemas.openxmlformats.org/officeDocument/2006/relationships" xmlns:p="http://schemas.openxmlformats.org/presentationml/2006/main">
+  <p:cSld>
+    <p:spTree>
+      <p:nvGrpSpPr>
+        <p:cNvPr id="1" name=""/>
+        <p:cNvGrpSpPr/>
+        <p:nvPr/>
+      </p:nvGrpSpPr>
+      <p:grpSpPr>
+        <a:xfrm>
+          <a:off x="0" y="0"/>
+          <a:ext cx="0" cy="0"/>
+          <a:chOff x="0" y="0"/>
+          <a:chExt cx="0" cy="0"/>
+        </a:xfrm>
+      </p:grpSpPr>
+      <p:sp>
+        <p:nvSpPr>
+          <p:cNvPr id="2" name="Slide Image Placeholder 1"/>
+          <p:cNvSpPr>
+            <a:spLocks noGrp="1" noRot="1" noChangeAspect="1"/>
+          </p:cNvSpPr>
+          <p:nvPr>
+            <p:ph type="sldImg"/>
+          </p:nvPr>
+        </p:nvSpPr>
+        <p:spPr/>
+      </p:sp>
+      <p:sp>
+        <p:nvSpPr>
+          <p:cNvPr id="3" name="Notes Placeholder 2"/>
+          <p:cNvSpPr>
+            <a:spLocks noGrp="1"/>
+          </p:cNvSpPr>
+          <p:nvPr>
+            <p:ph type="body" idx="1"/>
+          </p:nvPr>
+        </p:nvSpPr>
+        <p:spPr/>
+        <p:txBody>
+          <a:bodyPr/>
+          <a:lstStyle/>
+          <a:p>
+            <a:r>
+              <a:rPr lang="en-US" dirty="0" smtClean="0"/>
+              <a:t>In lesson 8 we are going to learn</a:t>
+            </a:r>
+            <a:r>
+              <a:rPr lang="en-US" baseline="0" dirty="0" smtClean="0"/>
+              <a:t> how to access and use many of the sensors which are going to be available to many Windows 8 devices.</a:t>
+            </a:r>
+          </a:p>
+          <a:p>
+            <a:pPr marL="171450" marR="0" indent="-171450" algn="l" defTabSz="914400" rtl="0" eaLnBrk="1" fontAlgn="auto" latinLnBrk="0" hangingPunct="1">
+              <a:lnSpc>
+                <a:spcPct val="100000"/>
+              </a:lnSpc>
+              <a:spcBef>
+                <a:spcPts val="0"/>
+              </a:spcBef>
+              <a:spcAft>
+                <a:spcPts val="0"/>
+              </a:spcAft>
+              <a:buClrTx/>
+              <a:buSzTx/>
+              <a:buFont typeface="Arial" panose="020B0604020202020204" pitchFamily="34" charset="0"/>
+              <a:buChar char="•"/>
+              <a:tabLst/>
+              <a:defRPr/>
+            </a:pPr>
+            <a:r>
+              <a:rPr lang="en-US" baseline="0" dirty="0" smtClean="0"/>
+              <a:t>We will start off by leaning how to use the camera to take pictures and videos.</a:t>
+            </a:r>
+          </a:p>
+          <a:p>
+            <a:pPr marL="171450" marR="0" indent="-171450" algn="l" defTabSz="914400" rtl="0" eaLnBrk="1" fontAlgn="auto" latinLnBrk="0" hangingPunct="1">
+              <a:lnSpc>
+                <a:spcPct val="100000"/>
+              </a:lnSpc>
+              <a:spcBef>
+                <a:spcPts val="0"/>
+              </a:spcBef>
+              <a:spcAft>
+                <a:spcPts val="0"/>
+              </a:spcAft>
+              <a:buClrTx/>
+              <a:buSzTx/>
+              <a:buFont typeface="Arial" panose="020B0604020202020204" pitchFamily="34" charset="0"/>
+              <a:buChar char="•"/>
+              <a:tabLst/>
+              <a:defRPr/>
+            </a:pPr>
+            <a:r>
+              <a:rPr lang="en-US" baseline="0" dirty="0" smtClean="0"/>
+              <a:t>Next we are going to learn how to use the inclinometer in order to measure movement in terms of pitch, roll and yaw</a:t>
+            </a:r>
+          </a:p>
+          <a:p>
+            <a:pPr marL="171450" marR="0" indent="-171450" algn="l" defTabSz="914400" rtl="0" eaLnBrk="1" fontAlgn="auto" latinLnBrk="0" hangingPunct="1">
+              <a:lnSpc>
+                <a:spcPct val="100000"/>
+              </a:lnSpc>
+              <a:spcBef>
+                <a:spcPts val="0"/>
+              </a:spcBef>
+              <a:spcAft>
+                <a:spcPts val="0"/>
+              </a:spcAft>
+              <a:buClrTx/>
+              <a:buSzTx/>
+              <a:buFont typeface="Arial" panose="020B0604020202020204" pitchFamily="34" charset="0"/>
+              <a:buChar char="•"/>
+              <a:tabLst/>
+              <a:defRPr/>
+            </a:pPr>
+            <a:r>
+              <a:rPr lang="en-US" baseline="0" dirty="0" smtClean="0"/>
+              <a:t>We will then learn how to use the light sensor in order to measure the ambient light around your device.</a:t>
+            </a:r>
+          </a:p>
+          <a:p>
+            <a:pPr marL="171450" indent="-171450">
+              <a:buFont typeface="Arial" panose="020B0604020202020204" pitchFamily="34" charset="0"/>
+              <a:buChar char="•"/>
+            </a:pPr>
+            <a:r>
+              <a:rPr lang="en-US" baseline="0" dirty="0" smtClean="0"/>
+              <a:t>Following this will we will explore how to use the </a:t>
+            </a:r>
+            <a:r>
+              <a:rPr lang="en-US" baseline="0" dirty="0" err="1" smtClean="0"/>
+              <a:t>gynometer</a:t>
+            </a:r>
+            <a:r>
+              <a:rPr lang="en-US" baseline="0" dirty="0" smtClean="0"/>
+              <a:t> in order to measure the angularly velocity of the device on its x, y and z axis</a:t>
+            </a:r>
+          </a:p>
+          <a:p>
+            <a:pPr marL="171450" indent="-171450">
+              <a:buFont typeface="Arial" panose="020B0604020202020204" pitchFamily="34" charset="0"/>
+              <a:buChar char="•"/>
+            </a:pPr>
+            <a:r>
+              <a:rPr lang="en-US" baseline="0" dirty="0" smtClean="0"/>
+              <a:t>Finally we will end this lesson by leaning how to measure acceleration forces on our device by using the accelerometer</a:t>
+            </a:r>
+          </a:p>
+          <a:p>
+            <a:endParaRPr lang="en-US" dirty="0" smtClean="0"/>
+          </a:p>
+          <a:p>
+            <a:endParaRPr lang="en-US" dirty="0"/>
+          </a:p>
+        </p:txBody>
+      </p:sp>
+      <p:sp>
+        <p:nvSpPr>
+          <p:cNvPr id="4" name="Slide Number Placeholder 3"/>
+          <p:cNvSpPr>
+            <a:spLocks noGrp="1"/>
+          </p:cNvSpPr>
+          <p:nvPr>
+            <p:ph type="sldNum" sz="quarter" idx="10"/>
+          </p:nvPr>
+        </p:nvSpPr>
+        <p:spPr/>
+        <p:txBody>
+          <a:bodyPr/>
+          <a:lstStyle/>
+          <a:p>
+            <a:fld id="{9001A5A0-20F3-48C7-977D-10013C4C5EFA}" type="slidenum">
+              <a:rPr lang="en-US" smtClean="0"/>
+              <a:t>15</a:t>
+            </a:fld>
+            <a:endParaRPr lang="en-US"/>
+          </a:p>
+        </p:txBody>
+      </p:sp>
+    </p:spTree>
+    <p:extLst>
+      <p:ext uri="{BB962C8B-B14F-4D97-AF65-F5344CB8AC3E}">
+        <p14:creationId xmlns:p14="http://schemas.microsoft.com/office/powerpoint/2010/main" val="1239591956"/>
+      </p:ext>
+    </p:extLst>
+  </p:cSld>
+  <p:clrMapOvr>
+    <a:masterClrMapping/>
+  </p:clrMapOvr>
+</p:notes>
+</file>
+
+<file path=ppt/notesSlides/notesSlide16.xml><?xml version="1.0" encoding="utf-8"?>
+<p:notes xmlns:a="http://schemas.openxmlformats.org/drawingml/2006/main" xmlns:r="http://schemas.openxmlformats.org/officeDocument/2006/relationships" xmlns:p="http://schemas.openxmlformats.org/presentationml/2006/main">
+  <p:cSld>
+    <p:spTree>
+      <p:nvGrpSpPr>
+        <p:cNvPr id="1" name=""/>
+        <p:cNvGrpSpPr/>
+        <p:nvPr/>
+      </p:nvGrpSpPr>
+      <p:grpSpPr>
+        <a:xfrm>
+          <a:off x="0" y="0"/>
+          <a:ext cx="0" cy="0"/>
+          <a:chOff x="0" y="0"/>
+          <a:chExt cx="0" cy="0"/>
+        </a:xfrm>
+      </p:grpSpPr>
+      <p:sp>
+        <p:nvSpPr>
+          <p:cNvPr id="2" name="Slide Image Placeholder 1"/>
+          <p:cNvSpPr>
+            <a:spLocks noGrp="1" noRot="1" noChangeAspect="1"/>
+          </p:cNvSpPr>
+          <p:nvPr>
+            <p:ph type="sldImg"/>
+          </p:nvPr>
+        </p:nvSpPr>
+        <p:spPr/>
+      </p:sp>
+      <p:sp>
+        <p:nvSpPr>
+          <p:cNvPr id="3" name="Notes Placeholder 2"/>
+          <p:cNvSpPr>
+            <a:spLocks noGrp="1"/>
+          </p:cNvSpPr>
+          <p:nvPr>
+            <p:ph type="body" idx="1"/>
+          </p:nvPr>
+        </p:nvSpPr>
+        <p:spPr/>
+        <p:txBody>
+          <a:bodyPr/>
+          <a:lstStyle/>
+          <a:p>
+            <a:r>
+              <a:rPr lang="en-US" dirty="0" smtClean="0"/>
+              <a:t>In lesson 8 we are going to learn</a:t>
+            </a:r>
+            <a:r>
+              <a:rPr lang="en-US" baseline="0" dirty="0" smtClean="0"/>
+              <a:t> how to access and use many of the sensors which are going to be available to many Windows 8 devices.</a:t>
+            </a:r>
+          </a:p>
+          <a:p>
+            <a:pPr marL="171450" marR="0" indent="-171450" algn="l" defTabSz="914400" rtl="0" eaLnBrk="1" fontAlgn="auto" latinLnBrk="0" hangingPunct="1">
+              <a:lnSpc>
+                <a:spcPct val="100000"/>
+              </a:lnSpc>
+              <a:spcBef>
+                <a:spcPts val="0"/>
+              </a:spcBef>
+              <a:spcAft>
+                <a:spcPts val="0"/>
+              </a:spcAft>
+              <a:buClrTx/>
+              <a:buSzTx/>
+              <a:buFont typeface="Arial" panose="020B0604020202020204" pitchFamily="34" charset="0"/>
+              <a:buChar char="•"/>
+              <a:tabLst/>
+              <a:defRPr/>
+            </a:pPr>
+            <a:r>
+              <a:rPr lang="en-US" baseline="0" dirty="0" smtClean="0"/>
+              <a:t>We will start off by leaning how to use the camera to take pictures and videos.</a:t>
+            </a:r>
+          </a:p>
+          <a:p>
+            <a:pPr marL="171450" marR="0" indent="-171450" algn="l" defTabSz="914400" rtl="0" eaLnBrk="1" fontAlgn="auto" latinLnBrk="0" hangingPunct="1">
+              <a:lnSpc>
+                <a:spcPct val="100000"/>
+              </a:lnSpc>
+              <a:spcBef>
+                <a:spcPts val="0"/>
+              </a:spcBef>
+              <a:spcAft>
+                <a:spcPts val="0"/>
+              </a:spcAft>
+              <a:buClrTx/>
+              <a:buSzTx/>
+              <a:buFont typeface="Arial" panose="020B0604020202020204" pitchFamily="34" charset="0"/>
+              <a:buChar char="•"/>
+              <a:tabLst/>
+              <a:defRPr/>
+            </a:pPr>
+            <a:r>
+              <a:rPr lang="en-US" baseline="0" dirty="0" smtClean="0"/>
+              <a:t>Next we are going to learn how to use the inclinometer in order to measure movement in terms of pitch, roll and yaw</a:t>
+            </a:r>
+          </a:p>
+          <a:p>
+            <a:pPr marL="171450" marR="0" indent="-171450" algn="l" defTabSz="914400" rtl="0" eaLnBrk="1" fontAlgn="auto" latinLnBrk="0" hangingPunct="1">
+              <a:lnSpc>
+                <a:spcPct val="100000"/>
+              </a:lnSpc>
+              <a:spcBef>
+                <a:spcPts val="0"/>
+              </a:spcBef>
+              <a:spcAft>
+                <a:spcPts val="0"/>
+              </a:spcAft>
+              <a:buClrTx/>
+              <a:buSzTx/>
+              <a:buFont typeface="Arial" panose="020B0604020202020204" pitchFamily="34" charset="0"/>
+              <a:buChar char="•"/>
+              <a:tabLst/>
+              <a:defRPr/>
+            </a:pPr>
+            <a:r>
+              <a:rPr lang="en-US" baseline="0" dirty="0" smtClean="0"/>
+              <a:t>We will then learn how to use the light sensor in order to measure the ambient light around your device.</a:t>
+            </a:r>
+          </a:p>
+          <a:p>
+            <a:pPr marL="171450" indent="-171450">
+              <a:buFont typeface="Arial" panose="020B0604020202020204" pitchFamily="34" charset="0"/>
+              <a:buChar char="•"/>
+            </a:pPr>
+            <a:r>
+              <a:rPr lang="en-US" baseline="0" dirty="0" smtClean="0"/>
+              <a:t>Following this will we will explore how to use the </a:t>
+            </a:r>
+            <a:r>
+              <a:rPr lang="en-US" baseline="0" dirty="0" err="1" smtClean="0"/>
+              <a:t>gynometer</a:t>
+            </a:r>
+            <a:r>
+              <a:rPr lang="en-US" baseline="0" dirty="0" smtClean="0"/>
+              <a:t> in order to measure the angularly velocity of the device on its x, y and z axis</a:t>
+            </a:r>
+          </a:p>
+          <a:p>
+            <a:pPr marL="171450" indent="-171450">
+              <a:buFont typeface="Arial" panose="020B0604020202020204" pitchFamily="34" charset="0"/>
+              <a:buChar char="•"/>
+            </a:pPr>
+            <a:r>
+              <a:rPr lang="en-US" baseline="0" dirty="0" smtClean="0"/>
+              <a:t>Finally we will end this lesson by leaning how to measure acceleration forces on our device by using the accelerometer</a:t>
+            </a:r>
+          </a:p>
+          <a:p>
+            <a:endParaRPr lang="en-US" dirty="0" smtClean="0"/>
+          </a:p>
+          <a:p>
+            <a:endParaRPr lang="en-US" dirty="0"/>
+          </a:p>
+        </p:txBody>
+      </p:sp>
+      <p:sp>
+        <p:nvSpPr>
+          <p:cNvPr id="4" name="Slide Number Placeholder 3"/>
+          <p:cNvSpPr>
+            <a:spLocks noGrp="1"/>
+          </p:cNvSpPr>
+          <p:nvPr>
+            <p:ph type="sldNum" sz="quarter" idx="10"/>
+          </p:nvPr>
+        </p:nvSpPr>
+        <p:spPr/>
+        <p:txBody>
+          <a:bodyPr/>
+          <a:lstStyle/>
+          <a:p>
+            <a:fld id="{9001A5A0-20F3-48C7-977D-10013C4C5EFA}" type="slidenum">
+              <a:rPr lang="en-US" smtClean="0"/>
+              <a:t>16</a:t>
+            </a:fld>
+            <a:endParaRPr lang="en-US"/>
+          </a:p>
+        </p:txBody>
+      </p:sp>
+    </p:spTree>
+    <p:extLst>
+      <p:ext uri="{BB962C8B-B14F-4D97-AF65-F5344CB8AC3E}">
+        <p14:creationId xmlns:p14="http://schemas.microsoft.com/office/powerpoint/2010/main" val="4210751194"/>
+      </p:ext>
+    </p:extLst>
+  </p:cSld>
+  <p:clrMapOvr>
+    <a:masterClrMapping/>
+  </p:clrMapOvr>
+</p:notes>
+</file>
+
+<file path=ppt/notesSlides/notesSlide17.xml><?xml version="1.0" encoding="utf-8"?>
+<p:notes xmlns:a="http://schemas.openxmlformats.org/drawingml/2006/main" xmlns:r="http://schemas.openxmlformats.org/officeDocument/2006/relationships" xmlns:p="http://schemas.openxmlformats.org/presentationml/2006/main">
+  <p:cSld>
+    <p:spTree>
+      <p:nvGrpSpPr>
+        <p:cNvPr id="1" name=""/>
+        <p:cNvGrpSpPr/>
+        <p:nvPr/>
+      </p:nvGrpSpPr>
+      <p:grpSpPr>
+        <a:xfrm>
+          <a:off x="0" y="0"/>
+          <a:ext cx="0" cy="0"/>
+          <a:chOff x="0" y="0"/>
+          <a:chExt cx="0" cy="0"/>
+        </a:xfrm>
+      </p:grpSpPr>
+      <p:sp>
+        <p:nvSpPr>
+          <p:cNvPr id="2" name="Slide Image Placeholder 1"/>
+          <p:cNvSpPr>
+            <a:spLocks noGrp="1" noRot="1" noChangeAspect="1"/>
+          </p:cNvSpPr>
+          <p:nvPr>
+            <p:ph type="sldImg"/>
+          </p:nvPr>
+        </p:nvSpPr>
+        <p:spPr/>
+      </p:sp>
+      <p:sp>
+        <p:nvSpPr>
+          <p:cNvPr id="3" name="Notes Placeholder 2"/>
+          <p:cNvSpPr>
+            <a:spLocks noGrp="1"/>
+          </p:cNvSpPr>
+          <p:nvPr>
+            <p:ph type="body" idx="1"/>
+          </p:nvPr>
+        </p:nvSpPr>
+        <p:spPr/>
+        <p:txBody>
+          <a:bodyPr/>
+          <a:lstStyle/>
+          <a:p>
+            <a:endParaRPr lang="en-US" dirty="0"/>
+          </a:p>
+        </p:txBody>
+      </p:sp>
+      <p:sp>
+        <p:nvSpPr>
+          <p:cNvPr id="4" name="Slide Number Placeholder 3"/>
+          <p:cNvSpPr>
+            <a:spLocks noGrp="1"/>
+          </p:cNvSpPr>
+          <p:nvPr>
+            <p:ph type="sldNum" sz="quarter" idx="10"/>
+          </p:nvPr>
+        </p:nvSpPr>
+        <p:spPr/>
+        <p:txBody>
+          <a:bodyPr/>
+          <a:lstStyle/>
+          <a:p>
+            <a:fld id="{9001A5A0-20F3-48C7-977D-10013C4C5EFA}" type="slidenum">
+              <a:rPr lang="en-US" smtClean="0"/>
+              <a:t>17</a:t>
+            </a:fld>
+            <a:endParaRPr lang="en-US"/>
+          </a:p>
+        </p:txBody>
+      </p:sp>
+    </p:spTree>
+    <p:extLst>
+      <p:ext uri="{BB962C8B-B14F-4D97-AF65-F5344CB8AC3E}">
+        <p14:creationId xmlns:p14="http://schemas.microsoft.com/office/powerpoint/2010/main" val="3386280780"/>
+      </p:ext>
+    </p:extLst>
+  </p:cSld>
+  <p:clrMapOvr>
+    <a:masterClrMapping/>
+  </p:clrMapOvr>
+</p:notes>
+</file>
+
+<file path=ppt/notesSlides/notesSlide18.xml><?xml version="1.0" encoding="utf-8"?>
+<p:notes xmlns:a="http://schemas.openxmlformats.org/drawingml/2006/main" xmlns:r="http://schemas.openxmlformats.org/officeDocument/2006/relationships" xmlns:p="http://schemas.openxmlformats.org/presentationml/2006/main">
+  <p:cSld>
+    <p:spTree>
+      <p:nvGrpSpPr>
+        <p:cNvPr id="1" name=""/>
+        <p:cNvGrpSpPr/>
+        <p:nvPr/>
+      </p:nvGrpSpPr>
+      <p:grpSpPr>
+        <a:xfrm>
+          <a:off x="0" y="0"/>
+          <a:ext cx="0" cy="0"/>
+          <a:chOff x="0" y="0"/>
+          <a:chExt cx="0" cy="0"/>
+        </a:xfrm>
+      </p:grpSpPr>
+      <p:sp>
+        <p:nvSpPr>
+          <p:cNvPr id="2" name="Slide Image Placeholder 1"/>
+          <p:cNvSpPr>
+            <a:spLocks noGrp="1" noRot="1" noChangeAspect="1"/>
+          </p:cNvSpPr>
+          <p:nvPr>
+            <p:ph type="sldImg"/>
+          </p:nvPr>
+        </p:nvSpPr>
+        <p:spPr/>
+      </p:sp>
+      <p:sp>
+        <p:nvSpPr>
+          <p:cNvPr id="3" name="Notes Placeholder 2"/>
+          <p:cNvSpPr>
+            <a:spLocks noGrp="1"/>
+          </p:cNvSpPr>
+          <p:nvPr>
+            <p:ph type="body" idx="1"/>
+          </p:nvPr>
+        </p:nvSpPr>
+        <p:spPr/>
+        <p:txBody>
+          <a:bodyPr/>
+          <a:lstStyle/>
+          <a:p>
+            <a:endParaRPr lang="en-US" dirty="0"/>
+          </a:p>
+        </p:txBody>
+      </p:sp>
+      <p:sp>
+        <p:nvSpPr>
+          <p:cNvPr id="4" name="Slide Number Placeholder 3"/>
+          <p:cNvSpPr>
+            <a:spLocks noGrp="1"/>
+          </p:cNvSpPr>
+          <p:nvPr>
+            <p:ph type="sldNum" sz="quarter" idx="10"/>
+          </p:nvPr>
+        </p:nvSpPr>
+        <p:spPr/>
+        <p:txBody>
+          <a:bodyPr/>
+          <a:lstStyle/>
+          <a:p>
+            <a:fld id="{9001A5A0-20F3-48C7-977D-10013C4C5EFA}" type="slidenum">
+              <a:rPr lang="en-US" smtClean="0"/>
+              <a:t>18</a:t>
+            </a:fld>
+            <a:endParaRPr lang="en-US"/>
+          </a:p>
+        </p:txBody>
+      </p:sp>
+    </p:spTree>
+    <p:extLst>
+      <p:ext uri="{BB962C8B-B14F-4D97-AF65-F5344CB8AC3E}">
+        <p14:creationId xmlns:p14="http://schemas.microsoft.com/office/powerpoint/2010/main" val="2668921469"/>
+      </p:ext>
+    </p:extLst>
+  </p:cSld>
+  <p:clrMapOvr>
+    <a:masterClrMapping/>
+  </p:clrMapOvr>
+</p:notes>
+</file>
+
+<file path=ppt/notesSlides/notesSlide2.xml><?xml version="1.0" encoding="utf-8"?>
+<p:notes xmlns:a="http://schemas.openxmlformats.org/drawingml/2006/main" xmlns:r="http://schemas.openxmlformats.org/officeDocument/2006/relationships" xmlns:p="http://schemas.openxmlformats.org/presentationml/2006/main">
+  <p:cSld>
+    <p:spTree>
+      <p:nvGrpSpPr>
+        <p:cNvPr id="1" name=""/>
+        <p:cNvGrpSpPr/>
+        <p:nvPr/>
+      </p:nvGrpSpPr>
+      <p:grpSpPr>
+        <a:xfrm>
+          <a:off x="0" y="0"/>
+          <a:ext cx="0" cy="0"/>
+          <a:chOff x="0" y="0"/>
+          <a:chExt cx="0" cy="0"/>
+        </a:xfrm>
+      </p:grpSpPr>
+      <p:sp>
+        <p:nvSpPr>
+          <p:cNvPr id="2" name="Slide Image Placeholder 1"/>
+          <p:cNvSpPr>
+            <a:spLocks noGrp="1" noRot="1" noChangeAspect="1"/>
+          </p:cNvSpPr>
+          <p:nvPr>
+            <p:ph type="sldImg"/>
+          </p:nvPr>
+        </p:nvSpPr>
+        <p:spPr/>
+      </p:sp>
+      <p:sp>
+        <p:nvSpPr>
+          <p:cNvPr id="3" name="Notes Placeholder 2"/>
+          <p:cNvSpPr>
+            <a:spLocks noGrp="1"/>
+          </p:cNvSpPr>
+          <p:nvPr>
+            <p:ph type="body" idx="1"/>
+          </p:nvPr>
+        </p:nvSpPr>
+        <p:spPr/>
+        <p:txBody>
+          <a:bodyPr/>
+          <a:lstStyle/>
+          <a:p>
+            <a:r>
+              <a:rPr lang="en-US" dirty="0" smtClean="0"/>
+              <a:t>* </a:t>
+            </a:r>
+            <a:r>
+              <a:rPr lang="en-US" dirty="0" smtClean="0"/>
+              <a:t>In lesson 1 we are going to explore windows 8 and visual studio 2012.</a:t>
+            </a:r>
+          </a:p>
+          <a:p>
+            <a:r>
+              <a:rPr lang="en-US" baseline="0" dirty="0" smtClean="0"/>
+              <a:t>* We will first start off by taking a lap around windows 8 and take a sneak peak at many of the items we are going to cover though out this live lesson such as contracts, </a:t>
+            </a:r>
+            <a:r>
+              <a:rPr lang="en-US" baseline="0" dirty="0" err="1" smtClean="0"/>
+              <a:t>ui</a:t>
+            </a:r>
+            <a:r>
+              <a:rPr lang="en-US" baseline="0" dirty="0" smtClean="0"/>
+              <a:t> controls, system charms, and live tiles.</a:t>
+            </a:r>
+          </a:p>
+          <a:p>
+            <a:r>
+              <a:rPr lang="en-US" baseline="0" dirty="0" smtClean="0"/>
+              <a:t>* </a:t>
+            </a:r>
+            <a:r>
+              <a:rPr lang="en-US" baseline="0" dirty="0" smtClean="0"/>
+              <a:t>Next we are going do a lap around visual studio 2012.  Here we are going to crack open visual studio and explore many of its new features which will allow us to build our windows 8 modern UI application.</a:t>
+            </a:r>
+          </a:p>
+        </p:txBody>
+      </p:sp>
+      <p:sp>
+        <p:nvSpPr>
+          <p:cNvPr id="4" name="Slide Number Placeholder 3"/>
+          <p:cNvSpPr>
+            <a:spLocks noGrp="1"/>
+          </p:cNvSpPr>
+          <p:nvPr>
+            <p:ph type="sldNum" sz="quarter" idx="10"/>
+          </p:nvPr>
+        </p:nvSpPr>
+        <p:spPr/>
+        <p:txBody>
+          <a:bodyPr/>
+          <a:lstStyle/>
+          <a:p>
+            <a:fld id="{9001A5A0-20F3-48C7-977D-10013C4C5EFA}" type="slidenum">
+              <a:rPr lang="en-US" smtClean="0"/>
+              <a:t>2</a:t>
+            </a:fld>
+            <a:endParaRPr lang="en-US"/>
+          </a:p>
+        </p:txBody>
+      </p:sp>
+    </p:spTree>
+    <p:extLst>
+      <p:ext uri="{BB962C8B-B14F-4D97-AF65-F5344CB8AC3E}">
+        <p14:creationId xmlns:p14="http://schemas.microsoft.com/office/powerpoint/2010/main" val="2254503509"/>
+      </p:ext>
+    </p:extLst>
+  </p:cSld>
+  <p:clrMapOvr>
+    <a:masterClrMapping/>
+  </p:clrMapOvr>
+</p:notes>
+</file>
+
+<file path=ppt/notesSlides/notesSlide3.xml><?xml version="1.0" encoding="utf-8"?>
+<p:notes xmlns:a="http://schemas.openxmlformats.org/drawingml/2006/main" xmlns:r="http://schemas.openxmlformats.org/officeDocument/2006/relationships" xmlns:p="http://schemas.openxmlformats.org/presentationml/2006/main">
+  <p:cSld>
+    <p:spTree>
+      <p:nvGrpSpPr>
+        <p:cNvPr id="1" name=""/>
+        <p:cNvGrpSpPr/>
+        <p:nvPr/>
+      </p:nvGrpSpPr>
+      <p:grpSpPr>
+        <a:xfrm>
+          <a:off x="0" y="0"/>
+          <a:ext cx="0" cy="0"/>
+          <a:chOff x="0" y="0"/>
+          <a:chExt cx="0" cy="0"/>
+        </a:xfrm>
+      </p:grpSpPr>
+      <p:sp>
+        <p:nvSpPr>
+          <p:cNvPr id="2" name="Slide Image Placeholder 1"/>
+          <p:cNvSpPr>
+            <a:spLocks noGrp="1" noRot="1" noChangeAspect="1"/>
+          </p:cNvSpPr>
+          <p:nvPr>
+            <p:ph type="sldImg"/>
+          </p:nvPr>
+        </p:nvSpPr>
+        <p:spPr/>
+      </p:sp>
+      <p:sp>
+        <p:nvSpPr>
+          <p:cNvPr id="3" name="Notes Placeholder 2"/>
+          <p:cNvSpPr>
+            <a:spLocks noGrp="1"/>
+          </p:cNvSpPr>
+          <p:nvPr>
+            <p:ph type="body" idx="1"/>
+          </p:nvPr>
+        </p:nvSpPr>
+        <p:spPr/>
+        <p:txBody>
+          <a:bodyPr/>
+          <a:lstStyle/>
+          <a:p>
+            <a:r>
+              <a:rPr lang="en-US" dirty="0" smtClean="0"/>
+              <a:t>In lesson 2 we are going to learn about</a:t>
+            </a:r>
+            <a:r>
+              <a:rPr lang="en-US" baseline="0" dirty="0" smtClean="0"/>
+              <a:t> the MVVM pattern and how it can be used to build Modern UI applications.</a:t>
+            </a:r>
+          </a:p>
+          <a:p>
+            <a:pPr marL="171450" marR="0" indent="-171450" algn="l" defTabSz="914400" rtl="0" eaLnBrk="1" fontAlgn="auto" latinLnBrk="0" hangingPunct="1">
+              <a:lnSpc>
+                <a:spcPct val="100000"/>
+              </a:lnSpc>
+              <a:spcBef>
+                <a:spcPts val="0"/>
+              </a:spcBef>
+              <a:spcAft>
+                <a:spcPts val="0"/>
+              </a:spcAft>
+              <a:buClrTx/>
+              <a:buSzTx/>
+              <a:buFont typeface="Arial" panose="020B0604020202020204" pitchFamily="34" charset="0"/>
+              <a:buChar char="•"/>
+              <a:tabLst/>
+              <a:defRPr/>
+            </a:pPr>
+            <a:r>
+              <a:rPr lang="en-US" baseline="0" dirty="0" smtClean="0"/>
+              <a:t>We will start off by do an introduction to MVVM in order ensure we all have the same level of understanding in regards to this design pattern.</a:t>
+            </a:r>
+          </a:p>
+          <a:p>
+            <a:pPr marL="171450" indent="-171450">
+              <a:buFont typeface="Arial" panose="020B0604020202020204" pitchFamily="34" charset="0"/>
+              <a:buChar char="•"/>
+            </a:pPr>
+            <a:r>
+              <a:rPr lang="en-US" baseline="0" dirty="0" smtClean="0"/>
+              <a:t>We will then move on to learn how we can use the </a:t>
+            </a:r>
+            <a:r>
+              <a:rPr lang="en-US" baseline="0" dirty="0" err="1" smtClean="0"/>
+              <a:t>xaml</a:t>
+            </a:r>
+            <a:r>
+              <a:rPr lang="en-US" baseline="0" dirty="0" smtClean="0"/>
+              <a:t> binding engine in order to bind our View Model to our view in order to display and manipulate data</a:t>
+            </a:r>
+          </a:p>
+          <a:p>
+            <a:pPr marL="171450" indent="-171450">
+              <a:buFont typeface="Arial" panose="020B0604020202020204" pitchFamily="34" charset="0"/>
+              <a:buChar char="•"/>
+            </a:pPr>
+            <a:r>
+              <a:rPr lang="en-US" baseline="0" dirty="0" smtClean="0"/>
+              <a:t>Finally we will end this lesson by leaning how to leverage the commanding infrastructure to handle user input such as button clicks inside our view model.</a:t>
+            </a:r>
+            <a:endParaRPr lang="en-US" dirty="0"/>
+          </a:p>
+        </p:txBody>
+      </p:sp>
+      <p:sp>
+        <p:nvSpPr>
+          <p:cNvPr id="4" name="Slide Number Placeholder 3"/>
+          <p:cNvSpPr>
+            <a:spLocks noGrp="1"/>
+          </p:cNvSpPr>
+          <p:nvPr>
+            <p:ph type="sldNum" sz="quarter" idx="10"/>
+          </p:nvPr>
+        </p:nvSpPr>
+        <p:spPr/>
+        <p:txBody>
+          <a:bodyPr/>
+          <a:lstStyle/>
+          <a:p>
+            <a:fld id="{9001A5A0-20F3-48C7-977D-10013C4C5EFA}" type="slidenum">
+              <a:rPr lang="en-US" smtClean="0"/>
+              <a:t>3</a:t>
+            </a:fld>
+            <a:endParaRPr lang="en-US"/>
+          </a:p>
+        </p:txBody>
+      </p:sp>
+    </p:spTree>
+    <p:extLst>
+      <p:ext uri="{BB962C8B-B14F-4D97-AF65-F5344CB8AC3E}">
+        <p14:creationId xmlns:p14="http://schemas.microsoft.com/office/powerpoint/2010/main" val="3505499786"/>
+      </p:ext>
+    </p:extLst>
+  </p:cSld>
+  <p:clrMapOvr>
+    <a:masterClrMapping/>
+  </p:clrMapOvr>
+</p:notes>
+</file>
+
+<file path=ppt/notesSlides/notesSlide4.xml><?xml version="1.0" encoding="utf-8"?>
+<p:notes xmlns:a="http://schemas.openxmlformats.org/drawingml/2006/main" xmlns:r="http://schemas.openxmlformats.org/officeDocument/2006/relationships" xmlns:p="http://schemas.openxmlformats.org/presentationml/2006/main">
+  <p:cSld>
+    <p:spTree>
+      <p:nvGrpSpPr>
+        <p:cNvPr id="1" name=""/>
+        <p:cNvGrpSpPr/>
+        <p:nvPr/>
+      </p:nvGrpSpPr>
+      <p:grpSpPr>
+        <a:xfrm>
+          <a:off x="0" y="0"/>
+          <a:ext cx="0" cy="0"/>
+          <a:chOff x="0" y="0"/>
+          <a:chExt cx="0" cy="0"/>
+        </a:xfrm>
+      </p:grpSpPr>
+      <p:sp>
+        <p:nvSpPr>
+          <p:cNvPr id="2" name="Slide Image Placeholder 1"/>
+          <p:cNvSpPr>
+            <a:spLocks noGrp="1" noRot="1" noChangeAspect="1"/>
+          </p:cNvSpPr>
+          <p:nvPr>
+            <p:ph type="sldImg"/>
+          </p:nvPr>
+        </p:nvSpPr>
+        <p:spPr/>
+      </p:sp>
+      <p:sp>
+        <p:nvSpPr>
+          <p:cNvPr id="3" name="Notes Placeholder 2"/>
+          <p:cNvSpPr>
+            <a:spLocks noGrp="1"/>
+          </p:cNvSpPr>
+          <p:nvPr>
+            <p:ph type="body" idx="1"/>
+          </p:nvPr>
+        </p:nvSpPr>
+        <p:spPr/>
+        <p:txBody>
+          <a:bodyPr/>
+          <a:lstStyle/>
+          <a:p>
+            <a:r>
+              <a:rPr lang="en-US" dirty="0" smtClean="0"/>
+              <a:t>In lesson 2 we are going to learn about</a:t>
+            </a:r>
+            <a:r>
+              <a:rPr lang="en-US" baseline="0" dirty="0" smtClean="0"/>
+              <a:t> the MVVM pattern and how it can be used to build Modern UI applications.</a:t>
+            </a:r>
+          </a:p>
+          <a:p>
+            <a:pPr marL="171450" marR="0" indent="-171450" algn="l" defTabSz="914400" rtl="0" eaLnBrk="1" fontAlgn="auto" latinLnBrk="0" hangingPunct="1">
+              <a:lnSpc>
+                <a:spcPct val="100000"/>
+              </a:lnSpc>
+              <a:spcBef>
+                <a:spcPts val="0"/>
+              </a:spcBef>
+              <a:spcAft>
+                <a:spcPts val="0"/>
+              </a:spcAft>
+              <a:buClrTx/>
+              <a:buSzTx/>
+              <a:buFont typeface="Arial" panose="020B0604020202020204" pitchFamily="34" charset="0"/>
+              <a:buChar char="•"/>
+              <a:tabLst/>
+              <a:defRPr/>
+            </a:pPr>
+            <a:r>
+              <a:rPr lang="en-US" baseline="0" dirty="0" smtClean="0"/>
+              <a:t>We will start off by do an introduction to MVVM in order ensure we all have the same level of understanding in regards to this design pattern.</a:t>
+            </a:r>
+          </a:p>
+          <a:p>
+            <a:pPr marL="171450" indent="-171450">
+              <a:buFont typeface="Arial" panose="020B0604020202020204" pitchFamily="34" charset="0"/>
+              <a:buChar char="•"/>
+            </a:pPr>
+            <a:r>
+              <a:rPr lang="en-US" baseline="0" dirty="0" smtClean="0"/>
+              <a:t>We will then move on to learn how we can use the </a:t>
+            </a:r>
+            <a:r>
+              <a:rPr lang="en-US" baseline="0" dirty="0" err="1" smtClean="0"/>
+              <a:t>xaml</a:t>
+            </a:r>
+            <a:r>
+              <a:rPr lang="en-US" baseline="0" dirty="0" smtClean="0"/>
+              <a:t> binding engine in order to bind our View Model to our view in order to display and manipulate data</a:t>
+            </a:r>
+          </a:p>
+          <a:p>
+            <a:pPr marL="171450" indent="-171450">
+              <a:buFont typeface="Arial" panose="020B0604020202020204" pitchFamily="34" charset="0"/>
+              <a:buChar char="•"/>
+            </a:pPr>
+            <a:r>
+              <a:rPr lang="en-US" baseline="0" dirty="0" smtClean="0"/>
+              <a:t>Finally we will end this lesson by leaning how to leverage the commanding infrastructure to handle user input such as button clicks inside our view model.</a:t>
+            </a:r>
+            <a:endParaRPr lang="en-US" dirty="0"/>
+          </a:p>
+        </p:txBody>
+      </p:sp>
+      <p:sp>
+        <p:nvSpPr>
+          <p:cNvPr id="4" name="Slide Number Placeholder 3"/>
+          <p:cNvSpPr>
+            <a:spLocks noGrp="1"/>
+          </p:cNvSpPr>
+          <p:nvPr>
+            <p:ph type="sldNum" sz="quarter" idx="10"/>
+          </p:nvPr>
+        </p:nvSpPr>
+        <p:spPr/>
+        <p:txBody>
+          <a:bodyPr/>
+          <a:lstStyle/>
+          <a:p>
+            <a:fld id="{9001A5A0-20F3-48C7-977D-10013C4C5EFA}" type="slidenum">
+              <a:rPr lang="en-US" smtClean="0"/>
+              <a:t>4</a:t>
+            </a:fld>
+            <a:endParaRPr lang="en-US"/>
+          </a:p>
+        </p:txBody>
+      </p:sp>
+    </p:spTree>
+    <p:extLst>
+      <p:ext uri="{BB962C8B-B14F-4D97-AF65-F5344CB8AC3E}">
+        <p14:creationId xmlns:p14="http://schemas.microsoft.com/office/powerpoint/2010/main" val="2284713846"/>
+      </p:ext>
+    </p:extLst>
+  </p:cSld>
+  <p:clrMapOvr>
+    <a:masterClrMapping/>
+  </p:clrMapOvr>
+</p:notes>
+</file>
+
+<file path=ppt/notesSlides/notesSlide5.xml><?xml version="1.0" encoding="utf-8"?>
+<p:notes xmlns:a="http://schemas.openxmlformats.org/drawingml/2006/main" xmlns:r="http://schemas.openxmlformats.org/officeDocument/2006/relationships" xmlns:p="http://schemas.openxmlformats.org/presentationml/2006/main">
+  <p:cSld>
+    <p:spTree>
+      <p:nvGrpSpPr>
+        <p:cNvPr id="1" name=""/>
+        <p:cNvGrpSpPr/>
+        <p:nvPr/>
+      </p:nvGrpSpPr>
+      <p:grpSpPr>
+        <a:xfrm>
+          <a:off x="0" y="0"/>
+          <a:ext cx="0" cy="0"/>
+          <a:chOff x="0" y="0"/>
+          <a:chExt cx="0" cy="0"/>
+        </a:xfrm>
+      </p:grpSpPr>
+      <p:sp>
+        <p:nvSpPr>
+          <p:cNvPr id="2" name="Slide Image Placeholder 1"/>
+          <p:cNvSpPr>
+            <a:spLocks noGrp="1" noRot="1" noChangeAspect="1"/>
+          </p:cNvSpPr>
+          <p:nvPr>
+            <p:ph type="sldImg"/>
+          </p:nvPr>
+        </p:nvSpPr>
+        <p:spPr/>
+      </p:sp>
+      <p:sp>
+        <p:nvSpPr>
+          <p:cNvPr id="3" name="Notes Placeholder 2"/>
+          <p:cNvSpPr>
+            <a:spLocks noGrp="1"/>
+          </p:cNvSpPr>
+          <p:nvPr>
+            <p:ph type="body" idx="1"/>
+          </p:nvPr>
+        </p:nvSpPr>
+        <p:spPr/>
+        <p:txBody>
+          <a:bodyPr/>
+          <a:lstStyle/>
+          <a:p>
+            <a:r>
+              <a:rPr lang="en-US" dirty="0" smtClean="0"/>
+              <a:t>In lesson 3 we are going to explore</a:t>
+            </a:r>
+            <a:r>
+              <a:rPr lang="en-US" baseline="0" dirty="0" smtClean="0"/>
+              <a:t> 4 general features all Modern UI applications will typically support</a:t>
+            </a:r>
+          </a:p>
+          <a:p>
+            <a:pPr marL="171450" marR="0" indent="-171450" algn="l" defTabSz="914400" rtl="0" eaLnBrk="1" fontAlgn="auto" latinLnBrk="0" hangingPunct="1">
+              <a:lnSpc>
+                <a:spcPct val="100000"/>
+              </a:lnSpc>
+              <a:spcBef>
+                <a:spcPts val="0"/>
+              </a:spcBef>
+              <a:spcAft>
+                <a:spcPts val="0"/>
+              </a:spcAft>
+              <a:buClrTx/>
+              <a:buSzTx/>
+              <a:buFont typeface="Arial" panose="020B0604020202020204" pitchFamily="34" charset="0"/>
+              <a:buChar char="•"/>
+              <a:tabLst/>
+              <a:defRPr/>
+            </a:pPr>
+            <a:r>
+              <a:rPr lang="en-US" baseline="0" dirty="0" smtClean="0"/>
+              <a:t>We will start off by leaning how to handle navigation between the views in our application</a:t>
+            </a:r>
+          </a:p>
+          <a:p>
+            <a:pPr marL="171450" marR="0" indent="-171450" algn="l" defTabSz="914400" rtl="0" eaLnBrk="1" fontAlgn="auto" latinLnBrk="0" hangingPunct="1">
+              <a:lnSpc>
+                <a:spcPct val="100000"/>
+              </a:lnSpc>
+              <a:spcBef>
+                <a:spcPts val="0"/>
+              </a:spcBef>
+              <a:spcAft>
+                <a:spcPts val="0"/>
+              </a:spcAft>
+              <a:buClrTx/>
+              <a:buSzTx/>
+              <a:buFont typeface="Arial" panose="020B0604020202020204" pitchFamily="34" charset="0"/>
+              <a:buChar char="•"/>
+              <a:tabLst/>
+              <a:defRPr/>
+            </a:pPr>
+            <a:r>
+              <a:rPr lang="en-US" baseline="0" dirty="0" smtClean="0"/>
+              <a:t>Next we will learn how to implement and utilize the application bar in order to provide our users added functionality within our application.</a:t>
+            </a:r>
+          </a:p>
+          <a:p>
+            <a:pPr marL="171450" indent="-171450">
+              <a:buFont typeface="Arial" panose="020B0604020202020204" pitchFamily="34" charset="0"/>
+              <a:buChar char="•"/>
+            </a:pPr>
+            <a:r>
+              <a:rPr lang="en-US" baseline="0" dirty="0" smtClean="0"/>
+              <a:t>Following this we will learn about the various life cycle states all applications will be expected to support, such as launching suspending, resuming</a:t>
+            </a:r>
+          </a:p>
+          <a:p>
+            <a:pPr marL="171450" indent="-171450">
+              <a:buFont typeface="Arial" panose="020B0604020202020204" pitchFamily="34" charset="0"/>
+              <a:buChar char="•"/>
+            </a:pPr>
+            <a:r>
+              <a:rPr lang="en-US" baseline="0" dirty="0" smtClean="0"/>
+              <a:t>Finally we will end this lesson by learning how to handle the 3 application view states which must be supported.  These view states are snapped, full and filled.</a:t>
+            </a:r>
+          </a:p>
+          <a:p>
+            <a:pPr marL="171450" indent="-171450">
+              <a:buFont typeface="Arial" panose="020B0604020202020204" pitchFamily="34" charset="0"/>
+              <a:buChar char="•"/>
+            </a:pPr>
+            <a:endParaRPr lang="en-US" dirty="0" smtClean="0"/>
+          </a:p>
+          <a:p>
+            <a:endParaRPr lang="en-US" dirty="0"/>
+          </a:p>
+        </p:txBody>
+      </p:sp>
+      <p:sp>
+        <p:nvSpPr>
+          <p:cNvPr id="4" name="Slide Number Placeholder 3"/>
+          <p:cNvSpPr>
+            <a:spLocks noGrp="1"/>
+          </p:cNvSpPr>
+          <p:nvPr>
+            <p:ph type="sldNum" sz="quarter" idx="10"/>
+          </p:nvPr>
+        </p:nvSpPr>
+        <p:spPr/>
+        <p:txBody>
+          <a:bodyPr/>
+          <a:lstStyle/>
+          <a:p>
+            <a:fld id="{9001A5A0-20F3-48C7-977D-10013C4C5EFA}" type="slidenum">
+              <a:rPr lang="en-US" smtClean="0"/>
+              <a:t>5</a:t>
+            </a:fld>
+            <a:endParaRPr lang="en-US"/>
+          </a:p>
+        </p:txBody>
+      </p:sp>
+    </p:spTree>
+    <p:extLst>
+      <p:ext uri="{BB962C8B-B14F-4D97-AF65-F5344CB8AC3E}">
+        <p14:creationId xmlns:p14="http://schemas.microsoft.com/office/powerpoint/2010/main" val="2600728291"/>
+      </p:ext>
+    </p:extLst>
+  </p:cSld>
+  <p:clrMapOvr>
+    <a:masterClrMapping/>
+  </p:clrMapOvr>
+</p:notes>
+</file>
+
+<file path=ppt/notesSlides/notesSlide6.xml><?xml version="1.0" encoding="utf-8"?>
+<p:notes xmlns:a="http://schemas.openxmlformats.org/drawingml/2006/main" xmlns:r="http://schemas.openxmlformats.org/officeDocument/2006/relationships" xmlns:p="http://schemas.openxmlformats.org/presentationml/2006/main">
+  <p:cSld>
+    <p:spTree>
+      <p:nvGrpSpPr>
+        <p:cNvPr id="1" name=""/>
+        <p:cNvGrpSpPr/>
+        <p:nvPr/>
+      </p:nvGrpSpPr>
+      <p:grpSpPr>
+        <a:xfrm>
+          <a:off x="0" y="0"/>
+          <a:ext cx="0" cy="0"/>
+          <a:chOff x="0" y="0"/>
+          <a:chExt cx="0" cy="0"/>
+        </a:xfrm>
+      </p:grpSpPr>
+      <p:sp>
+        <p:nvSpPr>
+          <p:cNvPr id="2" name="Slide Image Placeholder 1"/>
+          <p:cNvSpPr>
+            <a:spLocks noGrp="1" noRot="1" noChangeAspect="1"/>
+          </p:cNvSpPr>
+          <p:nvPr>
+            <p:ph type="sldImg"/>
+          </p:nvPr>
+        </p:nvSpPr>
+        <p:spPr/>
+      </p:sp>
+      <p:sp>
+        <p:nvSpPr>
+          <p:cNvPr id="3" name="Notes Placeholder 2"/>
+          <p:cNvSpPr>
+            <a:spLocks noGrp="1"/>
+          </p:cNvSpPr>
+          <p:nvPr>
+            <p:ph type="body" idx="1"/>
+          </p:nvPr>
+        </p:nvSpPr>
+        <p:spPr/>
+        <p:txBody>
+          <a:bodyPr/>
+          <a:lstStyle/>
+          <a:p>
+            <a:r>
+              <a:rPr lang="en-US" dirty="0" smtClean="0"/>
+              <a:t>In lesson 3 we are going to explore</a:t>
+            </a:r>
+            <a:r>
+              <a:rPr lang="en-US" baseline="0" dirty="0" smtClean="0"/>
+              <a:t> 4 general features all Modern UI applications will typically support</a:t>
+            </a:r>
+          </a:p>
+          <a:p>
+            <a:pPr marL="171450" marR="0" indent="-171450" algn="l" defTabSz="914400" rtl="0" eaLnBrk="1" fontAlgn="auto" latinLnBrk="0" hangingPunct="1">
+              <a:lnSpc>
+                <a:spcPct val="100000"/>
+              </a:lnSpc>
+              <a:spcBef>
+                <a:spcPts val="0"/>
+              </a:spcBef>
+              <a:spcAft>
+                <a:spcPts val="0"/>
+              </a:spcAft>
+              <a:buClrTx/>
+              <a:buSzTx/>
+              <a:buFont typeface="Arial" panose="020B0604020202020204" pitchFamily="34" charset="0"/>
+              <a:buChar char="•"/>
+              <a:tabLst/>
+              <a:defRPr/>
+            </a:pPr>
+            <a:r>
+              <a:rPr lang="en-US" baseline="0" dirty="0" smtClean="0"/>
+              <a:t>We will start off by leaning how to handle navigation between the views in our application</a:t>
+            </a:r>
+          </a:p>
+          <a:p>
+            <a:pPr marL="171450" marR="0" indent="-171450" algn="l" defTabSz="914400" rtl="0" eaLnBrk="1" fontAlgn="auto" latinLnBrk="0" hangingPunct="1">
+              <a:lnSpc>
+                <a:spcPct val="100000"/>
+              </a:lnSpc>
+              <a:spcBef>
+                <a:spcPts val="0"/>
+              </a:spcBef>
+              <a:spcAft>
+                <a:spcPts val="0"/>
+              </a:spcAft>
+              <a:buClrTx/>
+              <a:buSzTx/>
+              <a:buFont typeface="Arial" panose="020B0604020202020204" pitchFamily="34" charset="0"/>
+              <a:buChar char="•"/>
+              <a:tabLst/>
+              <a:defRPr/>
+            </a:pPr>
+            <a:r>
+              <a:rPr lang="en-US" baseline="0" dirty="0" smtClean="0"/>
+              <a:t>Next we will learn how to implement and utilize the application bar in order to provide our users added functionality within our application.</a:t>
+            </a:r>
+          </a:p>
+          <a:p>
+            <a:pPr marL="171450" indent="-171450">
+              <a:buFont typeface="Arial" panose="020B0604020202020204" pitchFamily="34" charset="0"/>
+              <a:buChar char="•"/>
+            </a:pPr>
+            <a:r>
+              <a:rPr lang="en-US" baseline="0" dirty="0" smtClean="0"/>
+              <a:t>Following this we will learn about the various life cycle states all applications will be expected to support, such as launching suspending, resuming</a:t>
+            </a:r>
+          </a:p>
+          <a:p>
+            <a:pPr marL="171450" indent="-171450">
+              <a:buFont typeface="Arial" panose="020B0604020202020204" pitchFamily="34" charset="0"/>
+              <a:buChar char="•"/>
+            </a:pPr>
+            <a:r>
+              <a:rPr lang="en-US" baseline="0" dirty="0" smtClean="0"/>
+              <a:t>Finally we will end this lesson by learning how to handle the 3 application view states which must be supported.  These view states are snapped, full and filled.</a:t>
+            </a:r>
+          </a:p>
+          <a:p>
+            <a:pPr marL="171450" indent="-171450">
+              <a:buFont typeface="Arial" panose="020B0604020202020204" pitchFamily="34" charset="0"/>
+              <a:buChar char="•"/>
+            </a:pPr>
+            <a:endParaRPr lang="en-US" dirty="0" smtClean="0"/>
+          </a:p>
+          <a:p>
+            <a:endParaRPr lang="en-US" dirty="0"/>
+          </a:p>
+        </p:txBody>
+      </p:sp>
+      <p:sp>
+        <p:nvSpPr>
+          <p:cNvPr id="4" name="Slide Number Placeholder 3"/>
+          <p:cNvSpPr>
+            <a:spLocks noGrp="1"/>
+          </p:cNvSpPr>
+          <p:nvPr>
+            <p:ph type="sldNum" sz="quarter" idx="10"/>
+          </p:nvPr>
+        </p:nvSpPr>
+        <p:spPr/>
+        <p:txBody>
+          <a:bodyPr/>
+          <a:lstStyle/>
+          <a:p>
+            <a:fld id="{9001A5A0-20F3-48C7-977D-10013C4C5EFA}" type="slidenum">
+              <a:rPr lang="en-US" smtClean="0"/>
+              <a:t>6</a:t>
+            </a:fld>
+            <a:endParaRPr lang="en-US"/>
+          </a:p>
+        </p:txBody>
+      </p:sp>
+    </p:spTree>
+    <p:extLst>
+      <p:ext uri="{BB962C8B-B14F-4D97-AF65-F5344CB8AC3E}">
+        <p14:creationId xmlns:p14="http://schemas.microsoft.com/office/powerpoint/2010/main" val="1903019961"/>
+      </p:ext>
+    </p:extLst>
+  </p:cSld>
+  <p:clrMapOvr>
+    <a:masterClrMapping/>
+  </p:clrMapOvr>
+</p:notes>
+</file>
+
+<file path=ppt/notesSlides/notesSlide7.xml><?xml version="1.0" encoding="utf-8"?>
+<p:notes xmlns:a="http://schemas.openxmlformats.org/drawingml/2006/main" xmlns:r="http://schemas.openxmlformats.org/officeDocument/2006/relationships" xmlns:p="http://schemas.openxmlformats.org/presentationml/2006/main">
+  <p:cSld>
+    <p:spTree>
+      <p:nvGrpSpPr>
+        <p:cNvPr id="1" name=""/>
+        <p:cNvGrpSpPr/>
+        <p:nvPr/>
+      </p:nvGrpSpPr>
+      <p:grpSpPr>
+        <a:xfrm>
+          <a:off x="0" y="0"/>
+          <a:ext cx="0" cy="0"/>
+          <a:chOff x="0" y="0"/>
+          <a:chExt cx="0" cy="0"/>
+        </a:xfrm>
+      </p:grpSpPr>
+      <p:sp>
+        <p:nvSpPr>
+          <p:cNvPr id="2" name="Slide Image Placeholder 1"/>
+          <p:cNvSpPr>
+            <a:spLocks noGrp="1" noRot="1" noChangeAspect="1"/>
+          </p:cNvSpPr>
+          <p:nvPr>
+            <p:ph type="sldImg"/>
+          </p:nvPr>
+        </p:nvSpPr>
+        <p:spPr/>
+      </p:sp>
+      <p:sp>
+        <p:nvSpPr>
+          <p:cNvPr id="3" name="Notes Placeholder 2"/>
+          <p:cNvSpPr>
+            <a:spLocks noGrp="1"/>
+          </p:cNvSpPr>
+          <p:nvPr>
+            <p:ph type="body" idx="1"/>
+          </p:nvPr>
+        </p:nvSpPr>
+        <p:spPr/>
+        <p:txBody>
+          <a:bodyPr/>
+          <a:lstStyle/>
+          <a:p>
+            <a:r>
+              <a:rPr lang="en-US" dirty="0" smtClean="0"/>
+              <a:t>In lesson 4 we are going to learn </a:t>
+            </a:r>
+            <a:r>
+              <a:rPr lang="en-US" baseline="0" dirty="0" smtClean="0"/>
+              <a:t>about prominent UI controls used to build modern UI applications</a:t>
+            </a:r>
+          </a:p>
+          <a:p>
+            <a:pPr marL="171450" marR="0" indent="-171450" algn="l" defTabSz="914400" rtl="0" eaLnBrk="1" fontAlgn="auto" latinLnBrk="0" hangingPunct="1">
+              <a:lnSpc>
+                <a:spcPct val="100000"/>
+              </a:lnSpc>
+              <a:spcBef>
+                <a:spcPts val="0"/>
+              </a:spcBef>
+              <a:spcAft>
+                <a:spcPts val="0"/>
+              </a:spcAft>
+              <a:buClrTx/>
+              <a:buSzTx/>
+              <a:buFont typeface="Arial" panose="020B0604020202020204" pitchFamily="34" charset="0"/>
+              <a:buChar char="•"/>
+              <a:tabLst/>
+              <a:defRPr/>
+            </a:pPr>
+            <a:r>
+              <a:rPr lang="en-US" baseline="0" dirty="0" smtClean="0"/>
+              <a:t>We will start off by taking a look at how to utilize the grid view control in order to elegantly display and group collections of data</a:t>
+            </a:r>
+          </a:p>
+          <a:p>
+            <a:pPr marL="171450" marR="0" indent="-171450" algn="l" defTabSz="914400" rtl="0" eaLnBrk="1" fontAlgn="auto" latinLnBrk="0" hangingPunct="1">
+              <a:lnSpc>
+                <a:spcPct val="100000"/>
+              </a:lnSpc>
+              <a:spcBef>
+                <a:spcPts val="0"/>
+              </a:spcBef>
+              <a:spcAft>
+                <a:spcPts val="0"/>
+              </a:spcAft>
+              <a:buClrTx/>
+              <a:buSzTx/>
+              <a:buFont typeface="Arial" panose="020B0604020202020204" pitchFamily="34" charset="0"/>
+              <a:buChar char="•"/>
+              <a:tabLst/>
+              <a:defRPr/>
+            </a:pPr>
+            <a:r>
+              <a:rPr lang="en-US" baseline="0" dirty="0" smtClean="0"/>
+              <a:t>Next we will learn how to use the list view control in order to display collections of data in list format</a:t>
+            </a:r>
+          </a:p>
+          <a:p>
+            <a:pPr marL="171450" indent="-171450">
+              <a:buFont typeface="Arial" panose="020B0604020202020204" pitchFamily="34" charset="0"/>
+              <a:buChar char="•"/>
+            </a:pPr>
+            <a:r>
+              <a:rPr lang="en-US" baseline="0" dirty="0" smtClean="0"/>
+              <a:t>Following this we will learn how to use the flip view to give your users a unique way to view their information by allowing them to swipe or flip through data.</a:t>
+            </a:r>
+          </a:p>
+          <a:p>
+            <a:pPr marL="171450" indent="-171450">
+              <a:buFont typeface="Arial" panose="020B0604020202020204" pitchFamily="34" charset="0"/>
+              <a:buChar char="•"/>
+            </a:pPr>
+            <a:r>
+              <a:rPr lang="en-US" baseline="0" dirty="0" smtClean="0"/>
+              <a:t>Finally we will end this lesson by learning how to utilize styles and resources when working with UI controls</a:t>
+            </a:r>
+          </a:p>
+          <a:p>
+            <a:pPr marL="171450" indent="-171450">
+              <a:buFont typeface="Arial" panose="020B0604020202020204" pitchFamily="34" charset="0"/>
+              <a:buChar char="•"/>
+            </a:pPr>
+            <a:endParaRPr lang="en-US" dirty="0" smtClean="0"/>
+          </a:p>
+          <a:p>
+            <a:endParaRPr lang="en-US" dirty="0" smtClean="0"/>
+          </a:p>
+          <a:p>
+            <a:endParaRPr lang="en-US" dirty="0"/>
+          </a:p>
+        </p:txBody>
+      </p:sp>
+      <p:sp>
+        <p:nvSpPr>
+          <p:cNvPr id="4" name="Slide Number Placeholder 3"/>
+          <p:cNvSpPr>
+            <a:spLocks noGrp="1"/>
+          </p:cNvSpPr>
+          <p:nvPr>
+            <p:ph type="sldNum" sz="quarter" idx="10"/>
+          </p:nvPr>
+        </p:nvSpPr>
+        <p:spPr/>
+        <p:txBody>
+          <a:bodyPr/>
+          <a:lstStyle/>
+          <a:p>
+            <a:fld id="{9001A5A0-20F3-48C7-977D-10013C4C5EFA}" type="slidenum">
+              <a:rPr lang="en-US" smtClean="0"/>
+              <a:t>7</a:t>
+            </a:fld>
+            <a:endParaRPr lang="en-US"/>
+          </a:p>
+        </p:txBody>
+      </p:sp>
+    </p:spTree>
+    <p:extLst>
+      <p:ext uri="{BB962C8B-B14F-4D97-AF65-F5344CB8AC3E}">
+        <p14:creationId xmlns:p14="http://schemas.microsoft.com/office/powerpoint/2010/main" val="4130467898"/>
+      </p:ext>
+    </p:extLst>
+  </p:cSld>
+  <p:clrMapOvr>
+    <a:masterClrMapping/>
+  </p:clrMapOvr>
+</p:notes>
+</file>
+
+<file path=ppt/notesSlides/notesSlide8.xml><?xml version="1.0" encoding="utf-8"?>
+<p:notes xmlns:a="http://schemas.openxmlformats.org/drawingml/2006/main" xmlns:r="http://schemas.openxmlformats.org/officeDocument/2006/relationships" xmlns:p="http://schemas.openxmlformats.org/presentationml/2006/main">
+  <p:cSld>
+    <p:spTree>
+      <p:nvGrpSpPr>
+        <p:cNvPr id="1" name=""/>
+        <p:cNvGrpSpPr/>
+        <p:nvPr/>
+      </p:nvGrpSpPr>
+      <p:grpSpPr>
+        <a:xfrm>
+          <a:off x="0" y="0"/>
+          <a:ext cx="0" cy="0"/>
+          <a:chOff x="0" y="0"/>
+          <a:chExt cx="0" cy="0"/>
+        </a:xfrm>
+      </p:grpSpPr>
+      <p:sp>
+        <p:nvSpPr>
+          <p:cNvPr id="2" name="Slide Image Placeholder 1"/>
+          <p:cNvSpPr>
+            <a:spLocks noGrp="1" noRot="1" noChangeAspect="1"/>
+          </p:cNvSpPr>
+          <p:nvPr>
+            <p:ph type="sldImg"/>
+          </p:nvPr>
+        </p:nvSpPr>
+        <p:spPr/>
+      </p:sp>
+      <p:sp>
+        <p:nvSpPr>
+          <p:cNvPr id="3" name="Notes Placeholder 2"/>
+          <p:cNvSpPr>
+            <a:spLocks noGrp="1"/>
+          </p:cNvSpPr>
+          <p:nvPr>
+            <p:ph type="body" idx="1"/>
+          </p:nvPr>
+        </p:nvSpPr>
+        <p:spPr/>
+        <p:txBody>
+          <a:bodyPr/>
+          <a:lstStyle/>
+          <a:p>
+            <a:r>
+              <a:rPr lang="en-US" dirty="0" smtClean="0"/>
+              <a:t>In lesson 4 we are going to learn </a:t>
+            </a:r>
+            <a:r>
+              <a:rPr lang="en-US" baseline="0" dirty="0" smtClean="0"/>
+              <a:t>about prominent UI controls used to build modern UI applications</a:t>
+            </a:r>
+          </a:p>
+          <a:p>
+            <a:pPr marL="171450" marR="0" indent="-171450" algn="l" defTabSz="914400" rtl="0" eaLnBrk="1" fontAlgn="auto" latinLnBrk="0" hangingPunct="1">
+              <a:lnSpc>
+                <a:spcPct val="100000"/>
+              </a:lnSpc>
+              <a:spcBef>
+                <a:spcPts val="0"/>
+              </a:spcBef>
+              <a:spcAft>
+                <a:spcPts val="0"/>
+              </a:spcAft>
+              <a:buClrTx/>
+              <a:buSzTx/>
+              <a:buFont typeface="Arial" panose="020B0604020202020204" pitchFamily="34" charset="0"/>
+              <a:buChar char="•"/>
+              <a:tabLst/>
+              <a:defRPr/>
+            </a:pPr>
+            <a:r>
+              <a:rPr lang="en-US" baseline="0" dirty="0" smtClean="0"/>
+              <a:t>We will start off by taking a look at how to utilize the grid view control in order to elegantly display and group collections of data</a:t>
+            </a:r>
+          </a:p>
+          <a:p>
+            <a:pPr marL="171450" marR="0" indent="-171450" algn="l" defTabSz="914400" rtl="0" eaLnBrk="1" fontAlgn="auto" latinLnBrk="0" hangingPunct="1">
+              <a:lnSpc>
+                <a:spcPct val="100000"/>
+              </a:lnSpc>
+              <a:spcBef>
+                <a:spcPts val="0"/>
+              </a:spcBef>
+              <a:spcAft>
+                <a:spcPts val="0"/>
+              </a:spcAft>
+              <a:buClrTx/>
+              <a:buSzTx/>
+              <a:buFont typeface="Arial" panose="020B0604020202020204" pitchFamily="34" charset="0"/>
+              <a:buChar char="•"/>
+              <a:tabLst/>
+              <a:defRPr/>
+            </a:pPr>
+            <a:r>
+              <a:rPr lang="en-US" baseline="0" dirty="0" smtClean="0"/>
+              <a:t>Next we will learn how to use the list view control in order to display collections of data in list format</a:t>
+            </a:r>
+          </a:p>
+          <a:p>
+            <a:pPr marL="171450" indent="-171450">
+              <a:buFont typeface="Arial" panose="020B0604020202020204" pitchFamily="34" charset="0"/>
+              <a:buChar char="•"/>
+            </a:pPr>
+            <a:r>
+              <a:rPr lang="en-US" baseline="0" dirty="0" smtClean="0"/>
+              <a:t>Following this we will learn how to use the flip view to give your users a unique way to view their information by allowing them to swipe or flip through data.</a:t>
+            </a:r>
+          </a:p>
+          <a:p>
+            <a:pPr marL="171450" indent="-171450">
+              <a:buFont typeface="Arial" panose="020B0604020202020204" pitchFamily="34" charset="0"/>
+              <a:buChar char="•"/>
+            </a:pPr>
+            <a:r>
+              <a:rPr lang="en-US" baseline="0" dirty="0" smtClean="0"/>
+              <a:t>Finally we will end this lesson by learning how to utilize styles and resources when working with UI controls</a:t>
+            </a:r>
+          </a:p>
+          <a:p>
+            <a:pPr marL="171450" indent="-171450">
+              <a:buFont typeface="Arial" panose="020B0604020202020204" pitchFamily="34" charset="0"/>
+              <a:buChar char="•"/>
+            </a:pPr>
+            <a:endParaRPr lang="en-US" dirty="0" smtClean="0"/>
+          </a:p>
+          <a:p>
+            <a:endParaRPr lang="en-US" dirty="0" smtClean="0"/>
+          </a:p>
+          <a:p>
+            <a:endParaRPr lang="en-US" dirty="0"/>
+          </a:p>
+        </p:txBody>
+      </p:sp>
+      <p:sp>
+        <p:nvSpPr>
+          <p:cNvPr id="4" name="Slide Number Placeholder 3"/>
+          <p:cNvSpPr>
+            <a:spLocks noGrp="1"/>
+          </p:cNvSpPr>
+          <p:nvPr>
+            <p:ph type="sldNum" sz="quarter" idx="10"/>
+          </p:nvPr>
+        </p:nvSpPr>
+        <p:spPr/>
+        <p:txBody>
+          <a:bodyPr/>
+          <a:lstStyle/>
+          <a:p>
+            <a:fld id="{9001A5A0-20F3-48C7-977D-10013C4C5EFA}" type="slidenum">
+              <a:rPr lang="en-US" smtClean="0"/>
+              <a:t>8</a:t>
+            </a:fld>
+            <a:endParaRPr lang="en-US"/>
+          </a:p>
+        </p:txBody>
+      </p:sp>
+    </p:spTree>
+    <p:extLst>
+      <p:ext uri="{BB962C8B-B14F-4D97-AF65-F5344CB8AC3E}">
+        <p14:creationId xmlns:p14="http://schemas.microsoft.com/office/powerpoint/2010/main" val="868190655"/>
+      </p:ext>
+    </p:extLst>
+  </p:cSld>
+  <p:clrMapOvr>
+    <a:masterClrMapping/>
+  </p:clrMapOvr>
+</p:notes>
+</file>
+
+<file path=ppt/notesSlides/notesSlide9.xml><?xml version="1.0" encoding="utf-8"?>
+<p:notes xmlns:a="http://schemas.openxmlformats.org/drawingml/2006/main" xmlns:r="http://schemas.openxmlformats.org/officeDocument/2006/relationships" xmlns:p="http://schemas.openxmlformats.org/presentationml/2006/main">
+  <p:cSld>
+    <p:spTree>
+      <p:nvGrpSpPr>
+        <p:cNvPr id="1" name=""/>
+        <p:cNvGrpSpPr/>
+        <p:nvPr/>
+      </p:nvGrpSpPr>
+      <p:grpSpPr>
+        <a:xfrm>
+          <a:off x="0" y="0"/>
+          <a:ext cx="0" cy="0"/>
+          <a:chOff x="0" y="0"/>
+          <a:chExt cx="0" cy="0"/>
+        </a:xfrm>
+      </p:grpSpPr>
+      <p:sp>
+        <p:nvSpPr>
+          <p:cNvPr id="2" name="Slide Image Placeholder 1"/>
+          <p:cNvSpPr>
+            <a:spLocks noGrp="1" noRot="1" noChangeAspect="1"/>
+          </p:cNvSpPr>
+          <p:nvPr>
+            <p:ph type="sldImg"/>
+          </p:nvPr>
+        </p:nvSpPr>
+        <p:spPr/>
+      </p:sp>
+      <p:sp>
+        <p:nvSpPr>
+          <p:cNvPr id="3" name="Notes Placeholder 2"/>
+          <p:cNvSpPr>
+            <a:spLocks noGrp="1"/>
+          </p:cNvSpPr>
+          <p:nvPr>
+            <p:ph type="body" idx="1"/>
+          </p:nvPr>
+        </p:nvSpPr>
+        <p:spPr/>
+        <p:txBody>
+          <a:bodyPr/>
+          <a:lstStyle/>
+          <a:p>
+            <a:r>
+              <a:rPr lang="en-US" dirty="0" smtClean="0"/>
+              <a:t>In lesson 5 we are going to learn </a:t>
+            </a:r>
+            <a:r>
+              <a:rPr lang="en-US" baseline="0" dirty="0" smtClean="0"/>
+              <a:t>how to light up your application by using system contracts</a:t>
+            </a:r>
+          </a:p>
+          <a:p>
+            <a:pPr marL="171450" marR="0" indent="-171450" algn="l" defTabSz="914400" rtl="0" eaLnBrk="1" fontAlgn="auto" latinLnBrk="0" hangingPunct="1">
+              <a:lnSpc>
+                <a:spcPct val="100000"/>
+              </a:lnSpc>
+              <a:spcBef>
+                <a:spcPts val="0"/>
+              </a:spcBef>
+              <a:spcAft>
+                <a:spcPts val="0"/>
+              </a:spcAft>
+              <a:buClrTx/>
+              <a:buSzTx/>
+              <a:buFont typeface="Arial" panose="020B0604020202020204" pitchFamily="34" charset="0"/>
+              <a:buChar char="•"/>
+              <a:tabLst/>
+              <a:defRPr/>
+            </a:pPr>
+            <a:r>
+              <a:rPr lang="en-US" baseline="0" dirty="0" smtClean="0"/>
+              <a:t>We will start off by learning how to use the search contract to allow your application to be searched via the search charm.</a:t>
+            </a:r>
+          </a:p>
+          <a:p>
+            <a:pPr marL="171450" marR="0" indent="-171450" algn="l" defTabSz="914400" rtl="0" eaLnBrk="1" fontAlgn="auto" latinLnBrk="0" hangingPunct="1">
+              <a:lnSpc>
+                <a:spcPct val="100000"/>
+              </a:lnSpc>
+              <a:spcBef>
+                <a:spcPts val="0"/>
+              </a:spcBef>
+              <a:spcAft>
+                <a:spcPts val="0"/>
+              </a:spcAft>
+              <a:buClrTx/>
+              <a:buSzTx/>
+              <a:buFont typeface="Arial" panose="020B0604020202020204" pitchFamily="34" charset="0"/>
+              <a:buChar char="•"/>
+              <a:tabLst/>
+              <a:defRPr/>
+            </a:pPr>
+            <a:r>
+              <a:rPr lang="en-US" baseline="0" dirty="0" smtClean="0"/>
+              <a:t>Next we are going to learn how to use the share source contract to share application data with other applications.</a:t>
+            </a:r>
+          </a:p>
+          <a:p>
+            <a:pPr marL="171450" indent="-171450">
+              <a:buFont typeface="Arial" panose="020B0604020202020204" pitchFamily="34" charset="0"/>
+              <a:buChar char="•"/>
+            </a:pPr>
+            <a:r>
+              <a:rPr lang="en-US" baseline="0" dirty="0" smtClean="0"/>
+              <a:t>Following this will learn how to use the share target contract to allow you to consume data being shared by other applications.</a:t>
+            </a:r>
+          </a:p>
+          <a:p>
+            <a:pPr marL="171450" indent="-171450">
+              <a:buFont typeface="Arial" panose="020B0604020202020204" pitchFamily="34" charset="0"/>
+              <a:buChar char="•"/>
+            </a:pPr>
+            <a:r>
+              <a:rPr lang="en-US" baseline="0" dirty="0" smtClean="0"/>
+              <a:t>Finally we will end this lesson by learning how to use the settings contract to integrate your application settings with settings charm.</a:t>
+            </a:r>
+          </a:p>
+          <a:p>
+            <a:pPr marL="171450" indent="-171450">
+              <a:buFont typeface="Arial" panose="020B0604020202020204" pitchFamily="34" charset="0"/>
+              <a:buChar char="•"/>
+            </a:pPr>
+            <a:endParaRPr lang="en-US" dirty="0" smtClean="0"/>
+          </a:p>
+          <a:p>
+            <a:endParaRPr lang="en-US" dirty="0" smtClean="0"/>
+          </a:p>
+          <a:p>
+            <a:endParaRPr lang="en-US" dirty="0" smtClean="0"/>
+          </a:p>
+          <a:p>
+            <a:endParaRPr lang="en-US" dirty="0"/>
+          </a:p>
+        </p:txBody>
+      </p:sp>
+      <p:sp>
+        <p:nvSpPr>
+          <p:cNvPr id="4" name="Slide Number Placeholder 3"/>
+          <p:cNvSpPr>
+            <a:spLocks noGrp="1"/>
+          </p:cNvSpPr>
+          <p:nvPr>
+            <p:ph type="sldNum" sz="quarter" idx="10"/>
+          </p:nvPr>
+        </p:nvSpPr>
+        <p:spPr/>
+        <p:txBody>
+          <a:bodyPr/>
+          <a:lstStyle/>
+          <a:p>
+            <a:fld id="{9001A5A0-20F3-48C7-977D-10013C4C5EFA}" type="slidenum">
+              <a:rPr lang="en-US" smtClean="0"/>
+              <a:t>9</a:t>
+            </a:fld>
+            <a:endParaRPr lang="en-US"/>
+          </a:p>
+        </p:txBody>
+      </p:sp>
+    </p:spTree>
+    <p:extLst>
+      <p:ext uri="{BB962C8B-B14F-4D97-AF65-F5344CB8AC3E}">
+        <p14:creationId xmlns:p14="http://schemas.microsoft.com/office/powerpoint/2010/main" val="3923326852"/>
+      </p:ext>
+    </p:extLst>
+  </p:cSld>
+  <p:clrMapOvr>
+    <a:masterClrMapping/>
+  </p:clrMapOvr>
+</p:notes>
 </file>
 
 <file path=ppt/slideLayouts/slideLayout1.xml><?xml version="1.0" encoding="utf-8"?>
@@ -2961,6 +6067,115 @@
 </file>
 
 <file path=ppt/slides/slide1.xml><?xml version="1.0" encoding="utf-8"?>
+<p:sld xmlns:a="http://schemas.openxmlformats.org/drawingml/2006/main" xmlns:r="http://schemas.openxmlformats.org/officeDocument/2006/relationships" xmlns:p="http://schemas.openxmlformats.org/presentationml/2006/main" show="0">
+  <p:cSld>
+    <p:spTree>
+      <p:nvGrpSpPr>
+        <p:cNvPr id="1" name=""/>
+        <p:cNvGrpSpPr/>
+        <p:nvPr/>
+      </p:nvGrpSpPr>
+      <p:grpSpPr>
+        <a:xfrm>
+          <a:off x="0" y="0"/>
+          <a:ext cx="0" cy="0"/>
+          <a:chOff x="0" y="0"/>
+          <a:chExt cx="0" cy="0"/>
+        </a:xfrm>
+      </p:grpSpPr>
+      <p:sp>
+        <p:nvSpPr>
+          <p:cNvPr id="2" name="Title 1"/>
+          <p:cNvSpPr>
+            <a:spLocks noGrp="1"/>
+          </p:cNvSpPr>
+          <p:nvPr>
+            <p:ph type="title"/>
+          </p:nvPr>
+        </p:nvSpPr>
+        <p:spPr>
+          <a:xfrm>
+            <a:off x="838200" y="120197"/>
+            <a:ext cx="10515600" cy="1325563"/>
+          </a:xfrm>
+        </p:spPr>
+        <p:txBody>
+          <a:bodyPr/>
+          <a:lstStyle/>
+          <a:p>
+            <a:r>
+              <a:rPr lang="en-US" dirty="0" smtClean="0"/>
+              <a:t>L1 - Intro to Win 8 &amp; Visual Studio 2012</a:t>
+            </a:r>
+            <a:endParaRPr lang="en-US" dirty="0"/>
+          </a:p>
+        </p:txBody>
+      </p:sp>
+      <p:sp>
+        <p:nvSpPr>
+          <p:cNvPr id="3" name="Content Placeholder 2"/>
+          <p:cNvSpPr>
+            <a:spLocks noGrp="1"/>
+          </p:cNvSpPr>
+          <p:nvPr>
+            <p:ph idx="1"/>
+          </p:nvPr>
+        </p:nvSpPr>
+        <p:spPr>
+          <a:xfrm>
+            <a:off x="838200" y="1183820"/>
+            <a:ext cx="10515600" cy="5502729"/>
+          </a:xfrm>
+        </p:spPr>
+        <p:txBody>
+          <a:bodyPr>
+            <a:normAutofit/>
+          </a:bodyPr>
+          <a:lstStyle/>
+          <a:p>
+            <a:r>
+              <a:rPr lang="en-US" sz="4200" dirty="0" smtClean="0"/>
+              <a:t>Lap around Windows 8</a:t>
+            </a:r>
+          </a:p>
+          <a:p>
+            <a:r>
+              <a:rPr lang="en-US" sz="4200" dirty="0" smtClean="0"/>
+              <a:t>Lap around Visual Studio</a:t>
+            </a:r>
+            <a:endParaRPr lang="en-US" sz="4200" dirty="0"/>
+          </a:p>
+        </p:txBody>
+      </p:sp>
+    </p:spTree>
+    <p:extLst>
+      <p:ext uri="{BB962C8B-B14F-4D97-AF65-F5344CB8AC3E}">
+        <p14:creationId xmlns:p14="http://schemas.microsoft.com/office/powerpoint/2010/main" val="1845164332"/>
+      </p:ext>
+    </p:extLst>
+  </p:cSld>
+  <p:clrMapOvr>
+    <a:masterClrMapping/>
+  </p:clrMapOvr>
+  <mc:AlternateContent xmlns:mc="http://schemas.openxmlformats.org/markup-compatibility/2006">
+    <mc:Choice xmlns:p14="http://schemas.microsoft.com/office/powerpoint/2010/main" Requires="p14">
+      <p:transition spd="slow" p14:dur="2000"/>
+    </mc:Choice>
+    <mc:Fallback>
+      <p:transition spd="slow"/>
+    </mc:Fallback>
+  </mc:AlternateContent>
+  <p:timing>
+    <p:tnLst>
+      <p:par>
+        <p:cTn id="1" dur="indefinite" restart="never" nodeType="tmRoot"/>
+      </p:par>
+    </p:tnLst>
+  </p:timing>
+</p:sld>
+</file>
+
+<file path=ppt/slides/slide10.xml><?xml version="1.0" encoding="utf-8"?>
 <p:sld xmlns:a="http://schemas.openxmlformats.org/drawingml/2006/main" xmlns:r="http://schemas.openxmlformats.org/officeDocument/2006/relationships" xmlns:p="http://schemas.openxmlformats.org/presentationml/2006/main">
   <p:cSld>
     <p:spTree>
@@ -2979,72 +6194,138 @@
       </p:grpSpPr>
       <p:sp>
         <p:nvSpPr>
-          <p:cNvPr id="2" name="Title 1"/>
-          <p:cNvSpPr>
-            <a:spLocks noGrp="1"/>
-          </p:cNvSpPr>
-          <p:nvPr>
-            <p:ph type="title"/>
+          <p:cNvPr id="3" name="Content Placeholder 2"/>
+          <p:cNvSpPr>
+            <a:spLocks noGrp="1"/>
+          </p:cNvSpPr>
+          <p:nvPr>
+            <p:ph idx="1"/>
           </p:nvPr>
         </p:nvSpPr>
         <p:spPr>
           <a:xfrm>
-            <a:off x="838200" y="120197"/>
-            <a:ext cx="10515600" cy="1325563"/>
+            <a:off x="0" y="0"/>
+            <a:ext cx="12191999" cy="6858000"/>
           </a:xfrm>
+          <a:solidFill>
+            <a:schemeClr val="tx1"/>
+          </a:solidFill>
         </p:spPr>
         <p:txBody>
-          <a:bodyPr/>
-          <a:lstStyle/>
-          <a:p>
-            <a:r>
-              <a:rPr lang="en-US" dirty="0" smtClean="0"/>
-              <a:t>L1 - Intro to Win 8 &amp; Metro UI</a:t>
-            </a:r>
-            <a:endParaRPr lang="en-US" dirty="0"/>
-          </a:p>
-        </p:txBody>
-      </p:sp>
-      <p:sp>
-        <p:nvSpPr>
-          <p:cNvPr id="3" name="Content Placeholder 2"/>
-          <p:cNvSpPr>
-            <a:spLocks noGrp="1"/>
-          </p:cNvSpPr>
-          <p:nvPr>
-            <p:ph idx="1"/>
-          </p:nvPr>
-        </p:nvSpPr>
-        <p:spPr>
-          <a:xfrm>
-            <a:off x="838200" y="1183820"/>
-            <a:ext cx="10515600" cy="5502729"/>
-          </a:xfrm>
-        </p:spPr>
-        <p:txBody>
           <a:bodyPr>
-            <a:normAutofit/>
+            <a:normAutofit fontScale="92500" lnSpcReduction="20000"/>
           </a:bodyPr>
           <a:lstStyle/>
           <a:p>
-            <a:r>
-              <a:rPr lang="en-US" sz="4200" dirty="0" smtClean="0"/>
-              <a:t>Lap around Windows 8</a:t>
-            </a:r>
-          </a:p>
-          <a:p>
-            <a:r>
-              <a:rPr lang="en-US" sz="4200" dirty="0" smtClean="0"/>
-              <a:t>Lap around Visual Studio</a:t>
-            </a:r>
-            <a:endParaRPr lang="en-US" sz="4200" dirty="0"/>
+            <a:pPr marL="0" indent="0">
+              <a:buNone/>
+            </a:pPr>
+            <a:r>
+              <a:rPr lang="en-US" sz="4400" dirty="0">
+                <a:solidFill>
+                  <a:schemeClr val="bg1"/>
+                </a:solidFill>
+              </a:rPr>
+              <a:t>In lesson 5 we are going to learn how to light up your application by using system </a:t>
+            </a:r>
+            <a:r>
+              <a:rPr lang="en-US" sz="4400" dirty="0" smtClean="0">
+                <a:solidFill>
+                  <a:schemeClr val="bg1"/>
+                </a:solidFill>
+              </a:rPr>
+              <a:t>contracts</a:t>
+            </a:r>
+          </a:p>
+          <a:p>
+            <a:pPr marL="0" indent="0">
+              <a:buNone/>
+            </a:pPr>
+            <a:endParaRPr lang="en-US" sz="4200" dirty="0">
+              <a:solidFill>
+                <a:schemeClr val="bg1"/>
+              </a:solidFill>
+            </a:endParaRPr>
+          </a:p>
+          <a:p>
+            <a:pPr marL="171450" indent="-171450">
+              <a:lnSpc>
+                <a:spcPct val="100000"/>
+              </a:lnSpc>
+              <a:spcBef>
+                <a:spcPts val="0"/>
+              </a:spcBef>
+              <a:defRPr/>
+            </a:pPr>
+            <a:r>
+              <a:rPr lang="en-US" sz="4200" dirty="0">
+                <a:solidFill>
+                  <a:schemeClr val="bg1"/>
+                </a:solidFill>
+              </a:rPr>
+              <a:t>We will start off by learning how to use the search contract to allow your application to be searched via the search charm.</a:t>
+            </a:r>
+          </a:p>
+          <a:p>
+            <a:pPr marL="171450" indent="-171450">
+              <a:lnSpc>
+                <a:spcPct val="100000"/>
+              </a:lnSpc>
+              <a:spcBef>
+                <a:spcPts val="0"/>
+              </a:spcBef>
+              <a:defRPr/>
+            </a:pPr>
+            <a:r>
+              <a:rPr lang="en-US" sz="4200" dirty="0">
+                <a:solidFill>
+                  <a:schemeClr val="bg1"/>
+                </a:solidFill>
+              </a:rPr>
+              <a:t>Next we are going to learn how to use the share source contract to share application data with other applications.</a:t>
+            </a:r>
+          </a:p>
+          <a:p>
+            <a:pPr marL="171450" indent="-171450"/>
+            <a:r>
+              <a:rPr lang="en-US" sz="4200" dirty="0">
+                <a:solidFill>
+                  <a:schemeClr val="bg1"/>
+                </a:solidFill>
+              </a:rPr>
+              <a:t>Following this will learn how to use the share target contract to allow you to consume data being shared by other applications.</a:t>
+            </a:r>
+          </a:p>
+          <a:p>
+            <a:pPr marL="171450" indent="-171450"/>
+            <a:r>
+              <a:rPr lang="en-US" sz="4200" dirty="0">
+                <a:solidFill>
+                  <a:schemeClr val="bg1"/>
+                </a:solidFill>
+              </a:rPr>
+              <a:t>Finally we will end this lesson by learning how to use the settings contract to integrate your application settings with settings charm</a:t>
+            </a:r>
+            <a:r>
+              <a:rPr lang="en-US" sz="4200" dirty="0" smtClean="0">
+                <a:solidFill>
+                  <a:schemeClr val="bg1"/>
+                </a:solidFill>
+              </a:rPr>
+              <a:t>.</a:t>
+            </a:r>
+            <a:endParaRPr lang="en-US" sz="4200" dirty="0">
+              <a:solidFill>
+                <a:schemeClr val="bg1"/>
+              </a:solidFill>
+            </a:endParaRPr>
           </a:p>
         </p:txBody>
       </p:sp>
     </p:spTree>
     <p:extLst>
       <p:ext uri="{BB962C8B-B14F-4D97-AF65-F5344CB8AC3E}">
-        <p14:creationId xmlns:p14="http://schemas.microsoft.com/office/powerpoint/2010/main" val="1845164332"/>
+        <p14:creationId xmlns:p14="http://schemas.microsoft.com/office/powerpoint/2010/main" val="3273643769"/>
       </p:ext>
     </p:extLst>
   </p:cSld>
@@ -3061,7 +6342,134 @@
 </p:sld>
 </file>
 
-<file path=ppt/slides/slide2.xml><?xml version="1.0" encoding="utf-8"?>
+<file path=ppt/slides/slide11.xml><?xml version="1.0" encoding="utf-8"?>
+<p:sld xmlns:a="http://schemas.openxmlformats.org/drawingml/2006/main" xmlns:r="http://schemas.openxmlformats.org/officeDocument/2006/relationships" xmlns:p="http://schemas.openxmlformats.org/presentationml/2006/main" show="0">
+  <p:cSld>
+    <p:spTree>
+      <p:nvGrpSpPr>
+        <p:cNvPr id="1" name=""/>
+        <p:cNvGrpSpPr/>
+        <p:nvPr/>
+      </p:nvGrpSpPr>
+      <p:grpSpPr>
+        <a:xfrm>
+          <a:off x="0" y="0"/>
+          <a:ext cx="0" cy="0"/>
+          <a:chOff x="0" y="0"/>
+          <a:chExt cx="0" cy="0"/>
+        </a:xfrm>
+      </p:grpSpPr>
+      <p:sp>
+        <p:nvSpPr>
+          <p:cNvPr id="2" name="Title 1"/>
+          <p:cNvSpPr>
+            <a:spLocks noGrp="1"/>
+          </p:cNvSpPr>
+          <p:nvPr>
+            <p:ph type="title"/>
+          </p:nvPr>
+        </p:nvSpPr>
+        <p:spPr>
+          <a:xfrm>
+            <a:off x="838200" y="120197"/>
+            <a:ext cx="10515600" cy="1325563"/>
+          </a:xfrm>
+        </p:spPr>
+        <p:txBody>
+          <a:bodyPr/>
+          <a:lstStyle/>
+          <a:p>
+            <a:r>
+              <a:rPr lang="en-US" dirty="0" smtClean="0"/>
+              <a:t>L6 – Live tiles and notifications</a:t>
+            </a:r>
+            <a:endParaRPr lang="en-US" dirty="0"/>
+          </a:p>
+        </p:txBody>
+      </p:sp>
+      <p:sp>
+        <p:nvSpPr>
+          <p:cNvPr id="3" name="Content Placeholder 2"/>
+          <p:cNvSpPr>
+            <a:spLocks noGrp="1"/>
+          </p:cNvSpPr>
+          <p:nvPr>
+            <p:ph idx="1"/>
+          </p:nvPr>
+        </p:nvSpPr>
+        <p:spPr>
+          <a:xfrm>
+            <a:off x="838200" y="1183820"/>
+            <a:ext cx="10515600" cy="5502729"/>
+          </a:xfrm>
+        </p:spPr>
+        <p:txBody>
+          <a:bodyPr>
+            <a:normAutofit/>
+          </a:bodyPr>
+          <a:lstStyle/>
+          <a:p>
+            <a:r>
+              <a:rPr lang="en-US" sz="4200" dirty="0" smtClean="0"/>
+              <a:t>Learn about basic tiles</a:t>
+            </a:r>
+          </a:p>
+          <a:p>
+            <a:r>
+              <a:rPr lang="en-US" sz="4200" dirty="0" smtClean="0"/>
+              <a:t>Learn about Secondary tiles</a:t>
+            </a:r>
+          </a:p>
+          <a:p>
+            <a:r>
+              <a:rPr lang="en-US" sz="4200" dirty="0" smtClean="0"/>
+              <a:t>Learn about live tiles</a:t>
+            </a:r>
+          </a:p>
+          <a:p>
+            <a:r>
+              <a:rPr lang="en-US" sz="4200" dirty="0" smtClean="0"/>
+              <a:t>Learn advance live tile scenarios</a:t>
+            </a:r>
+          </a:p>
+          <a:p>
+            <a:r>
+              <a:rPr lang="en-US" sz="4200" dirty="0" smtClean="0"/>
+              <a:t>Learn about toast notifications</a:t>
+            </a:r>
+            <a:endParaRPr lang="en-US" sz="4200" dirty="0"/>
+          </a:p>
+        </p:txBody>
+      </p:sp>
+    </p:spTree>
+    <p:extLst>
+      <p:ext uri="{BB962C8B-B14F-4D97-AF65-F5344CB8AC3E}">
+        <p14:creationId xmlns:p14="http://schemas.microsoft.com/office/powerpoint/2010/main" val="3106191885"/>
+      </p:ext>
+    </p:extLst>
+  </p:cSld>
+  <p:clrMapOvr>
+    <a:masterClrMapping/>
+  </p:clrMapOvr>
+  <mc:AlternateContent xmlns:mc="http://schemas.openxmlformats.org/markup-compatibility/2006">
+    <mc:Choice xmlns:p14="http://schemas.microsoft.com/office/powerpoint/2010/main" Requires="p14">
+      <p:transition spd="slow" p14:dur="2000"/>
+    </mc:Choice>
+    <mc:Fallback>
+      <p:transition spd="slow"/>
+    </mc:Fallback>
+  </mc:AlternateContent>
+  <p:timing>
+    <p:tnLst>
+      <p:par>
+        <p:cTn id="1" dur="indefinite" restart="never" nodeType="tmRoot"/>
+      </p:par>
+    </p:tnLst>
+  </p:timing>
+</p:sld>
+</file>
+
+<file path=ppt/slides/slide12.xml><?xml version="1.0" encoding="utf-8"?>
 <p:sld xmlns:a="http://schemas.openxmlformats.org/drawingml/2006/main" xmlns:r="http://schemas.openxmlformats.org/officeDocument/2006/relationships" xmlns:p="http://schemas.openxmlformats.org/presentationml/2006/main">
   <p:cSld>
     <p:spTree>
@@ -3080,78 +6488,177 @@
       </p:grpSpPr>
       <p:sp>
         <p:nvSpPr>
-          <p:cNvPr id="2" name="Title 1"/>
-          <p:cNvSpPr>
-            <a:spLocks noGrp="1"/>
-          </p:cNvSpPr>
-          <p:nvPr>
-            <p:ph type="title"/>
+          <p:cNvPr id="3" name="Content Placeholder 2"/>
+          <p:cNvSpPr>
+            <a:spLocks noGrp="1"/>
+          </p:cNvSpPr>
+          <p:nvPr>
+            <p:ph idx="1"/>
           </p:nvPr>
         </p:nvSpPr>
         <p:spPr>
           <a:xfrm>
-            <a:off x="838200" y="120197"/>
-            <a:ext cx="10515600" cy="1325563"/>
+            <a:off x="0" y="0"/>
+            <a:ext cx="12191999" cy="6858000"/>
           </a:xfrm>
+          <a:solidFill>
+            <a:schemeClr val="tx1"/>
+          </a:solidFill>
         </p:spPr>
         <p:txBody>
-          <a:bodyPr/>
-          <a:lstStyle/>
-          <a:p>
-            <a:r>
-              <a:rPr lang="en-US" dirty="0" smtClean="0"/>
-              <a:t>L2 – Using MVVM to build Modern UI apps</a:t>
-            </a:r>
-            <a:endParaRPr lang="en-US" dirty="0"/>
-          </a:p>
-        </p:txBody>
-      </p:sp>
-      <p:sp>
-        <p:nvSpPr>
-          <p:cNvPr id="3" name="Content Placeholder 2"/>
-          <p:cNvSpPr>
-            <a:spLocks noGrp="1"/>
-          </p:cNvSpPr>
-          <p:nvPr>
-            <p:ph idx="1"/>
-          </p:nvPr>
-        </p:nvSpPr>
-        <p:spPr>
-          <a:xfrm>
-            <a:off x="838200" y="1183820"/>
-            <a:ext cx="10515600" cy="5502729"/>
-          </a:xfrm>
-        </p:spPr>
-        <p:txBody>
           <a:bodyPr>
-            <a:normAutofit/>
+            <a:normAutofit fontScale="85000" lnSpcReduction="20000"/>
           </a:bodyPr>
           <a:lstStyle/>
           <a:p>
-            <a:r>
-              <a:rPr lang="en-US" sz="4200" dirty="0" smtClean="0"/>
-              <a:t>Introduction to the MVVM pattern</a:t>
-            </a:r>
-          </a:p>
-          <a:p>
-            <a:r>
-              <a:rPr lang="en-US" sz="4200" dirty="0" smtClean="0"/>
-              <a:t>Using Binding to display data</a:t>
-            </a:r>
-          </a:p>
-          <a:p>
-            <a:r>
-              <a:rPr lang="en-US" sz="4200" dirty="0" smtClean="0"/>
-              <a:t>Handling user input w/ commanding</a:t>
-            </a:r>
-            <a:endParaRPr lang="en-US" sz="4200" dirty="0"/>
+            <a:pPr marL="0" indent="0">
+              <a:buNone/>
+            </a:pPr>
+            <a:r>
+              <a:rPr lang="en-US" sz="5200" dirty="0">
+                <a:solidFill>
+                  <a:schemeClr val="bg1"/>
+                </a:solidFill>
+              </a:rPr>
+              <a:t>In lesson 6 we are going to learn how to create beautiful and engaging application </a:t>
+            </a:r>
+            <a:r>
+              <a:rPr lang="en-US" sz="5200" dirty="0" smtClean="0">
+                <a:solidFill>
+                  <a:schemeClr val="bg1"/>
+                </a:solidFill>
+              </a:rPr>
+              <a:t>tiles</a:t>
+            </a:r>
+          </a:p>
+          <a:p>
+            <a:endParaRPr lang="en-US" sz="4200" dirty="0">
+              <a:solidFill>
+                <a:schemeClr val="bg1"/>
+              </a:solidFill>
+            </a:endParaRPr>
+          </a:p>
+          <a:p>
+            <a:pPr marL="171450" indent="-171450">
+              <a:lnSpc>
+                <a:spcPct val="100000"/>
+              </a:lnSpc>
+              <a:spcBef>
+                <a:spcPts val="0"/>
+              </a:spcBef>
+              <a:defRPr/>
+            </a:pPr>
+            <a:r>
+              <a:rPr lang="en-US" sz="4200" dirty="0">
+                <a:solidFill>
+                  <a:schemeClr val="bg1"/>
+                </a:solidFill>
+              </a:rPr>
+              <a:t>We will start off by leaning the basics regarding application tiles.</a:t>
+            </a:r>
+          </a:p>
+          <a:p>
+            <a:pPr marL="171450" indent="-171450">
+              <a:lnSpc>
+                <a:spcPct val="100000"/>
+              </a:lnSpc>
+              <a:spcBef>
+                <a:spcPts val="0"/>
+              </a:spcBef>
+              <a:defRPr/>
+            </a:pPr>
+            <a:r>
+              <a:rPr lang="en-US" sz="4200" dirty="0">
+                <a:solidFill>
+                  <a:schemeClr val="bg1"/>
+                </a:solidFill>
+              </a:rPr>
+              <a:t>Next we are going to learn how to create secondary tiles which allow deep </a:t>
+            </a:r>
+            <a:r>
+              <a:rPr lang="en-US" sz="4200" dirty="0" smtClean="0">
+                <a:solidFill>
+                  <a:schemeClr val="bg1"/>
+                </a:solidFill>
+              </a:rPr>
+              <a:t>linking to a specified page in </a:t>
+            </a:r>
+            <a:r>
+              <a:rPr lang="en-US" sz="4200" dirty="0">
+                <a:solidFill>
+                  <a:schemeClr val="bg1"/>
+                </a:solidFill>
+              </a:rPr>
+              <a:t>your application.</a:t>
+            </a:r>
+          </a:p>
+          <a:p>
+            <a:pPr marL="171450" indent="-171450">
+              <a:lnSpc>
+                <a:spcPct val="100000"/>
+              </a:lnSpc>
+              <a:spcBef>
+                <a:spcPts val="0"/>
+              </a:spcBef>
+              <a:defRPr/>
+            </a:pPr>
+            <a:r>
+              <a:rPr lang="en-US" sz="4200" dirty="0">
+                <a:solidFill>
+                  <a:schemeClr val="bg1"/>
+                </a:solidFill>
+              </a:rPr>
+              <a:t>We will then learn how to make our tiles come to life by making them live in order to show relevant and contextual </a:t>
+            </a:r>
+            <a:r>
+              <a:rPr lang="en-US" sz="4200" dirty="0" smtClean="0">
+                <a:solidFill>
+                  <a:schemeClr val="bg1"/>
+                </a:solidFill>
+              </a:rPr>
+              <a:t>data on our start screen.</a:t>
+            </a:r>
+            <a:endParaRPr lang="en-US" sz="4200" dirty="0">
+              <a:solidFill>
+                <a:schemeClr val="bg1"/>
+              </a:solidFill>
+            </a:endParaRPr>
+          </a:p>
+          <a:p>
+            <a:pPr marL="171450" indent="-171450"/>
+            <a:r>
+              <a:rPr lang="en-US" sz="4200" dirty="0">
+                <a:solidFill>
+                  <a:schemeClr val="bg1"/>
+                </a:solidFill>
+              </a:rPr>
+              <a:t>Following this will we will explore more advanced live tile scenarios such as the ability to update your tile with information at some point in the future.</a:t>
+            </a:r>
+          </a:p>
+          <a:p>
+            <a:pPr marL="171450" indent="-171450"/>
+            <a:r>
+              <a:rPr lang="en-US" sz="4200" dirty="0">
+                <a:solidFill>
+                  <a:schemeClr val="bg1"/>
+                </a:solidFill>
+              </a:rPr>
+              <a:t>Finally we will end this lesson by learning how to send toast notifications from within your application</a:t>
+            </a:r>
+          </a:p>
+          <a:p>
+            <a:endParaRPr lang="en-US" sz="4400" dirty="0">
+              <a:solidFill>
+                <a:schemeClr val="bg1"/>
+              </a:solidFill>
+            </a:endParaRPr>
           </a:p>
         </p:txBody>
       </p:sp>
     </p:spTree>
     <p:extLst>
       <p:ext uri="{BB962C8B-B14F-4D97-AF65-F5344CB8AC3E}">
-        <p14:creationId xmlns:p14="http://schemas.microsoft.com/office/powerpoint/2010/main" val="2217278700"/>
+        <p14:creationId xmlns:p14="http://schemas.microsoft.com/office/powerpoint/2010/main" val="3633709033"/>
       </p:ext>
     </p:extLst>
   </p:cSld>
@@ -3168,7 +6675,116 @@
 </p:sld>
 </file>
 
-<file path=ppt/slides/slide3.xml><?xml version="1.0" encoding="utf-8"?>
+<file path=ppt/slides/slide13.xml><?xml version="1.0" encoding="utf-8"?>
+<p:sld xmlns:a="http://schemas.openxmlformats.org/drawingml/2006/main" xmlns:r="http://schemas.openxmlformats.org/officeDocument/2006/relationships" xmlns:p="http://schemas.openxmlformats.org/presentationml/2006/main" show="0">
+  <p:cSld>
+    <p:spTree>
+      <p:nvGrpSpPr>
+        <p:cNvPr id="1" name=""/>
+        <p:cNvGrpSpPr/>
+        <p:nvPr/>
+      </p:nvGrpSpPr>
+      <p:grpSpPr>
+        <a:xfrm>
+          <a:off x="0" y="0"/>
+          <a:ext cx="0" cy="0"/>
+          <a:chOff x="0" y="0"/>
+          <a:chExt cx="0" cy="0"/>
+        </a:xfrm>
+      </p:grpSpPr>
+      <p:sp>
+        <p:nvSpPr>
+          <p:cNvPr id="2" name="Title 1"/>
+          <p:cNvSpPr>
+            <a:spLocks noGrp="1"/>
+          </p:cNvSpPr>
+          <p:nvPr>
+            <p:ph type="title"/>
+          </p:nvPr>
+        </p:nvSpPr>
+        <p:spPr>
+          <a:xfrm>
+            <a:off x="838200" y="120197"/>
+            <a:ext cx="10515600" cy="1325563"/>
+          </a:xfrm>
+        </p:spPr>
+        <p:txBody>
+          <a:bodyPr/>
+          <a:lstStyle/>
+          <a:p>
+            <a:r>
+              <a:rPr lang="en-US" dirty="0" smtClean="0"/>
+              <a:t>L7 – Transitions and animations</a:t>
+            </a:r>
+            <a:endParaRPr lang="en-US" dirty="0"/>
+          </a:p>
+        </p:txBody>
+      </p:sp>
+      <p:sp>
+        <p:nvSpPr>
+          <p:cNvPr id="3" name="Content Placeholder 2"/>
+          <p:cNvSpPr>
+            <a:spLocks noGrp="1"/>
+          </p:cNvSpPr>
+          <p:nvPr>
+            <p:ph idx="1"/>
+          </p:nvPr>
+        </p:nvSpPr>
+        <p:spPr>
+          <a:xfrm>
+            <a:off x="838200" y="1183820"/>
+            <a:ext cx="10515600" cy="5502729"/>
+          </a:xfrm>
+        </p:spPr>
+        <p:txBody>
+          <a:bodyPr>
+            <a:normAutofit/>
+          </a:bodyPr>
+          <a:lstStyle/>
+          <a:p>
+            <a:r>
+              <a:rPr lang="en-US" sz="4200" dirty="0" smtClean="0"/>
+              <a:t>How to use Visual State Manager</a:t>
+            </a:r>
+          </a:p>
+          <a:p>
+            <a:r>
+              <a:rPr lang="en-US" sz="4200" dirty="0" smtClean="0"/>
+              <a:t>How to use animations</a:t>
+            </a:r>
+            <a:endParaRPr lang="en-US" sz="4200" dirty="0"/>
+          </a:p>
+        </p:txBody>
+      </p:sp>
+    </p:spTree>
+    <p:extLst>
+      <p:ext uri="{BB962C8B-B14F-4D97-AF65-F5344CB8AC3E}">
+        <p14:creationId xmlns:p14="http://schemas.microsoft.com/office/powerpoint/2010/main" val="2908366007"/>
+      </p:ext>
+    </p:extLst>
+  </p:cSld>
+  <p:clrMapOvr>
+    <a:masterClrMapping/>
+  </p:clrMapOvr>
+  <mc:AlternateContent xmlns:mc="http://schemas.openxmlformats.org/markup-compatibility/2006">
+    <mc:Choice xmlns:p14="http://schemas.microsoft.com/office/powerpoint/2010/main" Requires="p14">
+      <p:transition spd="slow" p14:dur="2000"/>
+    </mc:Choice>
+    <mc:Fallback>
+      <p:transition spd="slow"/>
+    </mc:Fallback>
+  </mc:AlternateContent>
+  <p:timing>
+    <p:tnLst>
+      <p:par>
+        <p:cTn id="1" dur="indefinite" restart="never" nodeType="tmRoot"/>
+      </p:par>
+    </p:tnLst>
+  </p:timing>
+</p:sld>
+</file>
+
+<file path=ppt/slides/slide14.xml><?xml version="1.0" encoding="utf-8"?>
 <p:sld xmlns:a="http://schemas.openxmlformats.org/drawingml/2006/main" xmlns:r="http://schemas.openxmlformats.org/officeDocument/2006/relationships" xmlns:p="http://schemas.openxmlformats.org/presentationml/2006/main">
   <p:cSld>
     <p:spTree>
@@ -3187,47 +6803,22 @@
       </p:grpSpPr>
       <p:sp>
         <p:nvSpPr>
-          <p:cNvPr id="2" name="Title 1"/>
-          <p:cNvSpPr>
-            <a:spLocks noGrp="1"/>
-          </p:cNvSpPr>
-          <p:nvPr>
-            <p:ph type="title"/>
+          <p:cNvPr id="3" name="Content Placeholder 2"/>
+          <p:cNvSpPr>
+            <a:spLocks noGrp="1"/>
+          </p:cNvSpPr>
+          <p:nvPr>
+            <p:ph idx="1"/>
           </p:nvPr>
         </p:nvSpPr>
         <p:spPr>
           <a:xfrm>
-            <a:off x="838200" y="120197"/>
-            <a:ext cx="10515600" cy="1325563"/>
+            <a:off x="0" y="0"/>
+            <a:ext cx="12191999" cy="6858000"/>
           </a:xfrm>
-        </p:spPr>
-        <p:txBody>
-          <a:bodyPr/>
-          <a:lstStyle/>
-          <a:p>
-            <a:r>
-              <a:rPr lang="en-US" dirty="0" smtClean="0"/>
-              <a:t>L3 – General Application Features	</a:t>
-            </a:r>
-            <a:endParaRPr lang="en-US" dirty="0"/>
-          </a:p>
-        </p:txBody>
-      </p:sp>
-      <p:sp>
-        <p:nvSpPr>
-          <p:cNvPr id="3" name="Content Placeholder 2"/>
-          <p:cNvSpPr>
-            <a:spLocks noGrp="1"/>
-          </p:cNvSpPr>
-          <p:nvPr>
-            <p:ph idx="1"/>
-          </p:nvPr>
-        </p:nvSpPr>
-        <p:spPr>
-          <a:xfrm>
-            <a:off x="838200" y="1183820"/>
-            <a:ext cx="10515600" cy="5502729"/>
-          </a:xfrm>
+          <a:solidFill>
+            <a:schemeClr val="tx1"/>
+          </a:solidFill>
         </p:spPr>
         <p:txBody>
           <a:bodyPr>
@@ -3235,57 +6826,102 @@
           </a:bodyPr>
           <a:lstStyle/>
           <a:p>
-            <a:r>
-              <a:rPr lang="en-US" sz="4200" dirty="0" smtClean="0"/>
-              <a:t>How to handle Navigation in your Application</a:t>
-            </a:r>
-          </a:p>
-          <a:p>
-            <a:r>
-              <a:rPr lang="en-US" sz="4200" dirty="0" smtClean="0"/>
-              <a:t>How to use the Application Bar</a:t>
-            </a:r>
-          </a:p>
-          <a:p>
-            <a:r>
-              <a:rPr lang="en-US" sz="4200" dirty="0" smtClean="0"/>
-              <a:t>How to handle Application Life cycle events</a:t>
-            </a:r>
-          </a:p>
-          <a:p>
-            <a:r>
-              <a:rPr lang="en-US" sz="4200" dirty="0" smtClean="0"/>
-              <a:t>How to handle Application States</a:t>
-            </a:r>
-          </a:p>
-          <a:p>
-            <a:pPr lvl="1"/>
-            <a:r>
-              <a:rPr lang="en-US" sz="3800" dirty="0" smtClean="0"/>
-              <a:t>Snapped</a:t>
-            </a:r>
-          </a:p>
-          <a:p>
-            <a:pPr lvl="1"/>
-            <a:r>
-              <a:rPr lang="en-US" sz="3800" dirty="0" smtClean="0"/>
-              <a:t>Full</a:t>
-            </a:r>
-          </a:p>
-          <a:p>
-            <a:pPr lvl="1"/>
-            <a:r>
-              <a:rPr lang="en-US" sz="3800" dirty="0" smtClean="0"/>
-              <a:t>Filled</a:t>
-            </a:r>
-            <a:endParaRPr lang="en-US" sz="3800" dirty="0"/>
+            <a:pPr marL="0" indent="0">
+              <a:buNone/>
+            </a:pPr>
+            <a:r>
+              <a:rPr lang="en-US" sz="4400" dirty="0" smtClean="0">
+                <a:solidFill>
+                  <a:schemeClr val="bg1"/>
+                </a:solidFill>
+              </a:rPr>
+              <a:t>In </a:t>
+            </a:r>
+            <a:r>
+              <a:rPr lang="en-US" sz="4400" dirty="0">
+                <a:solidFill>
+                  <a:schemeClr val="bg1"/>
+                </a:solidFill>
+              </a:rPr>
+              <a:t>lesson 7 we are going to learn how use transitions and animations to enhance the user experience of your modern UI application</a:t>
+            </a:r>
+            <a:r>
+              <a:rPr lang="en-US" sz="4400" dirty="0" smtClean="0">
+                <a:solidFill>
+                  <a:schemeClr val="bg1"/>
+                </a:solidFill>
+              </a:rPr>
+              <a:t>.</a:t>
+            </a:r>
+          </a:p>
+          <a:p>
+            <a:pPr marL="0" indent="0">
+              <a:buNone/>
+            </a:pPr>
+            <a:endParaRPr lang="en-US" sz="3600" dirty="0">
+              <a:solidFill>
+                <a:schemeClr val="bg1"/>
+              </a:solidFill>
+            </a:endParaRPr>
+          </a:p>
+          <a:p>
+            <a:pPr marL="171450" indent="-171450">
+              <a:lnSpc>
+                <a:spcPct val="100000"/>
+              </a:lnSpc>
+              <a:spcBef>
+                <a:spcPts val="0"/>
+              </a:spcBef>
+              <a:defRPr/>
+            </a:pPr>
+            <a:r>
+              <a:rPr lang="en-US" sz="3600" dirty="0">
+                <a:solidFill>
+                  <a:schemeClr val="bg1"/>
+                </a:solidFill>
+              </a:rPr>
+              <a:t>We will start off by leaning how to use the Visual State Manager in order to make creating transitions dead simple.</a:t>
+            </a:r>
+          </a:p>
+          <a:p>
+            <a:pPr marL="171450" indent="-171450">
+              <a:lnSpc>
+                <a:spcPct val="100000"/>
+              </a:lnSpc>
+              <a:spcBef>
+                <a:spcPts val="0"/>
+              </a:spcBef>
+              <a:defRPr/>
+            </a:pPr>
+            <a:r>
+              <a:rPr lang="en-US" sz="3600" dirty="0">
+                <a:solidFill>
+                  <a:schemeClr val="bg1"/>
+                </a:solidFill>
+              </a:rPr>
+              <a:t>Finally we will end this lesson by learning how to use animations and story boards to animate your UI elements.</a:t>
+            </a:r>
+          </a:p>
+          <a:p>
+            <a:endParaRPr lang="en-US" sz="4800" dirty="0">
+              <a:solidFill>
+                <a:schemeClr val="bg1"/>
+              </a:solidFill>
+            </a:endParaRPr>
+          </a:p>
+          <a:p>
+            <a:endParaRPr lang="en-US" sz="4800" dirty="0">
+              <a:solidFill>
+                <a:schemeClr val="bg1"/>
+              </a:solidFill>
+            </a:endParaRPr>
           </a:p>
         </p:txBody>
       </p:sp>
     </p:spTree>
     <p:extLst>
       <p:ext uri="{BB962C8B-B14F-4D97-AF65-F5344CB8AC3E}">
-        <p14:creationId xmlns:p14="http://schemas.microsoft.com/office/powerpoint/2010/main" val="3895870820"/>
+        <p14:creationId xmlns:p14="http://schemas.microsoft.com/office/powerpoint/2010/main" val="985786393"/>
       </p:ext>
     </p:extLst>
   </p:cSld>
@@ -3302,7 +6938,139 @@
 </p:sld>
 </file>
 
-<file path=ppt/slides/slide4.xml><?xml version="1.0" encoding="utf-8"?>
+<file path=ppt/slides/slide15.xml><?xml version="1.0" encoding="utf-8"?>
+<p:sld xmlns:a="http://schemas.openxmlformats.org/drawingml/2006/main" xmlns:r="http://schemas.openxmlformats.org/officeDocument/2006/relationships" xmlns:p="http://schemas.openxmlformats.org/presentationml/2006/main" show="0">
+  <p:cSld>
+    <p:spTree>
+      <p:nvGrpSpPr>
+        <p:cNvPr id="1" name=""/>
+        <p:cNvGrpSpPr/>
+        <p:nvPr/>
+      </p:nvGrpSpPr>
+      <p:grpSpPr>
+        <a:xfrm>
+          <a:off x="0" y="0"/>
+          <a:ext cx="0" cy="0"/>
+          <a:chOff x="0" y="0"/>
+          <a:chExt cx="0" cy="0"/>
+        </a:xfrm>
+      </p:grpSpPr>
+      <p:sp>
+        <p:nvSpPr>
+          <p:cNvPr id="2" name="Title 1"/>
+          <p:cNvSpPr>
+            <a:spLocks noGrp="1"/>
+          </p:cNvSpPr>
+          <p:nvPr>
+            <p:ph type="title"/>
+          </p:nvPr>
+        </p:nvSpPr>
+        <p:spPr>
+          <a:xfrm>
+            <a:off x="838200" y="120197"/>
+            <a:ext cx="10515600" cy="1325563"/>
+          </a:xfrm>
+        </p:spPr>
+        <p:txBody>
+          <a:bodyPr/>
+          <a:lstStyle/>
+          <a:p>
+            <a:r>
+              <a:rPr lang="en-US" dirty="0" smtClean="0"/>
+              <a:t>L8 – Working with device sensors</a:t>
+            </a:r>
+            <a:endParaRPr lang="en-US" dirty="0"/>
+          </a:p>
+        </p:txBody>
+      </p:sp>
+      <p:sp>
+        <p:nvSpPr>
+          <p:cNvPr id="3" name="Content Placeholder 2"/>
+          <p:cNvSpPr>
+            <a:spLocks noGrp="1"/>
+          </p:cNvSpPr>
+          <p:nvPr>
+            <p:ph idx="1"/>
+          </p:nvPr>
+        </p:nvSpPr>
+        <p:spPr>
+          <a:xfrm>
+            <a:off x="838200" y="1183820"/>
+            <a:ext cx="10515600" cy="5502729"/>
+          </a:xfrm>
+        </p:spPr>
+        <p:txBody>
+          <a:bodyPr>
+            <a:normAutofit/>
+          </a:bodyPr>
+          <a:lstStyle/>
+          <a:p>
+            <a:r>
+              <a:rPr lang="en-US" sz="4200" dirty="0" smtClean="0"/>
+              <a:t>Learn how to use the camera</a:t>
+            </a:r>
+          </a:p>
+          <a:p>
+            <a:r>
+              <a:rPr lang="en-US" sz="4200" dirty="0" smtClean="0"/>
+              <a:t>Learn how to use the Inclinometer</a:t>
+            </a:r>
+          </a:p>
+          <a:p>
+            <a:r>
+              <a:rPr lang="en-US" sz="4200" dirty="0" smtClean="0"/>
+              <a:t>Learn how to use the light sensor</a:t>
+            </a:r>
+          </a:p>
+          <a:p>
+            <a:r>
+              <a:rPr lang="en-US" sz="4200" dirty="0" smtClean="0"/>
+              <a:t>Learn how to use the </a:t>
+            </a:r>
+            <a:r>
+              <a:rPr lang="en-US" sz="4200" dirty="0" err="1" smtClean="0"/>
+              <a:t>gynometer</a:t>
+            </a:r>
+            <a:endParaRPr lang="en-US" sz="4200" dirty="0" smtClean="0"/>
+          </a:p>
+          <a:p>
+            <a:r>
+              <a:rPr lang="en-US" sz="4200" dirty="0" smtClean="0"/>
+              <a:t>Learn how to use the accelerometer</a:t>
+            </a:r>
+            <a:endParaRPr lang="en-US" sz="4200" dirty="0"/>
+          </a:p>
+        </p:txBody>
+      </p:sp>
+    </p:spTree>
+    <p:extLst>
+      <p:ext uri="{BB962C8B-B14F-4D97-AF65-F5344CB8AC3E}">
+        <p14:creationId xmlns:p14="http://schemas.microsoft.com/office/powerpoint/2010/main" val="2213920270"/>
+      </p:ext>
+    </p:extLst>
+  </p:cSld>
+  <p:clrMapOvr>
+    <a:masterClrMapping/>
+  </p:clrMapOvr>
+  <mc:AlternateContent xmlns:mc="http://schemas.openxmlformats.org/markup-compatibility/2006">
+    <mc:Choice xmlns:p14="http://schemas.microsoft.com/office/powerpoint/2010/main" Requires="p14">
+      <p:transition spd="slow" p14:dur="2000"/>
+    </mc:Choice>
+    <mc:Fallback>
+      <p:transition spd="slow"/>
+    </mc:Fallback>
+  </mc:AlternateContent>
+  <p:timing>
+    <p:tnLst>
+      <p:par>
+        <p:cTn id="1" dur="indefinite" restart="never" nodeType="tmRoot"/>
+      </p:par>
+    </p:tnLst>
+  </p:timing>
+</p:sld>
+</file>
+
+<file path=ppt/slides/slide16.xml><?xml version="1.0" encoding="utf-8"?>
 <p:sld xmlns:a="http://schemas.openxmlformats.org/drawingml/2006/main" xmlns:r="http://schemas.openxmlformats.org/officeDocument/2006/relationships" xmlns:p="http://schemas.openxmlformats.org/presentationml/2006/main">
   <p:cSld>
     <p:spTree>
@@ -3321,84 +7089,174 @@
       </p:grpSpPr>
       <p:sp>
         <p:nvSpPr>
-          <p:cNvPr id="2" name="Title 1"/>
-          <p:cNvSpPr>
-            <a:spLocks noGrp="1"/>
-          </p:cNvSpPr>
-          <p:nvPr>
-            <p:ph type="title"/>
+          <p:cNvPr id="3" name="Content Placeholder 2"/>
+          <p:cNvSpPr>
+            <a:spLocks noGrp="1"/>
+          </p:cNvSpPr>
+          <p:nvPr>
+            <p:ph idx="1"/>
           </p:nvPr>
         </p:nvSpPr>
         <p:spPr>
           <a:xfrm>
-            <a:off x="838200" y="120197"/>
-            <a:ext cx="10515600" cy="1325563"/>
+            <a:off x="0" y="0"/>
+            <a:ext cx="12191999" cy="6858000"/>
           </a:xfrm>
+          <a:solidFill>
+            <a:schemeClr val="tx1"/>
+          </a:solidFill>
         </p:spPr>
         <p:txBody>
-          <a:bodyPr/>
-          <a:lstStyle/>
-          <a:p>
-            <a:r>
-              <a:rPr lang="en-US" dirty="0" smtClean="0"/>
-              <a:t>L4– Working with User Controls</a:t>
-            </a:r>
-            <a:endParaRPr lang="en-US" dirty="0"/>
-          </a:p>
-        </p:txBody>
-      </p:sp>
-      <p:sp>
-        <p:nvSpPr>
-          <p:cNvPr id="3" name="Content Placeholder 2"/>
-          <p:cNvSpPr>
-            <a:spLocks noGrp="1"/>
-          </p:cNvSpPr>
-          <p:nvPr>
-            <p:ph idx="1"/>
-          </p:nvPr>
-        </p:nvSpPr>
-        <p:spPr>
-          <a:xfrm>
-            <a:off x="838200" y="1183820"/>
-            <a:ext cx="10515600" cy="5502729"/>
-          </a:xfrm>
-        </p:spPr>
-        <p:txBody>
           <a:bodyPr>
-            <a:normAutofit/>
+            <a:normAutofit fontScale="85000" lnSpcReduction="20000"/>
           </a:bodyPr>
           <a:lstStyle/>
           <a:p>
-            <a:r>
-              <a:rPr lang="en-US" sz="4200" dirty="0" smtClean="0"/>
-              <a:t>Learn to use the Grid View</a:t>
-            </a:r>
-          </a:p>
-          <a:p>
-            <a:r>
-              <a:rPr lang="en-US" sz="4200" dirty="0" smtClean="0"/>
-              <a:t>Learn to use the List View</a:t>
-            </a:r>
-          </a:p>
-          <a:p>
-            <a:r>
-              <a:rPr lang="en-US" sz="4200" dirty="0" smtClean="0"/>
-              <a:t>Learn to use the Flip View</a:t>
-            </a:r>
-          </a:p>
-          <a:p>
-            <a:r>
-              <a:rPr lang="en-US" sz="4200" dirty="0" smtClean="0"/>
-              <a:t>Learn to use Styles and Resources</a:t>
-            </a:r>
-            <a:endParaRPr lang="en-US" sz="4200" dirty="0"/>
+            <a:pPr marL="0" indent="0">
+              <a:buNone/>
+            </a:pPr>
+            <a:r>
+              <a:rPr lang="en-US" sz="5200" dirty="0">
+                <a:solidFill>
+                  <a:schemeClr val="bg1"/>
+                </a:solidFill>
+              </a:rPr>
+              <a:t>In lesson 8 we are going to learn how to access and use many of the sensors which are going to be available to many Windows 8 devices</a:t>
+            </a:r>
+            <a:r>
+              <a:rPr lang="en-US" sz="5200" dirty="0" smtClean="0">
+                <a:solidFill>
+                  <a:schemeClr val="bg1"/>
+                </a:solidFill>
+              </a:rPr>
+              <a:t>.</a:t>
+            </a:r>
+          </a:p>
+          <a:p>
+            <a:pPr marL="0" indent="0">
+              <a:buNone/>
+            </a:pPr>
+            <a:endParaRPr lang="en-US" sz="4200" dirty="0">
+              <a:solidFill>
+                <a:schemeClr val="bg1"/>
+              </a:solidFill>
+            </a:endParaRPr>
+          </a:p>
+          <a:p>
+            <a:pPr marL="171450" indent="-171450">
+              <a:lnSpc>
+                <a:spcPct val="100000"/>
+              </a:lnSpc>
+              <a:spcBef>
+                <a:spcPts val="0"/>
+              </a:spcBef>
+              <a:defRPr/>
+            </a:pPr>
+            <a:r>
+              <a:rPr lang="en-US" sz="4200" dirty="0">
+                <a:solidFill>
+                  <a:schemeClr val="bg1"/>
+                </a:solidFill>
+              </a:rPr>
+              <a:t>We will start off by leaning how to use the camera to take pictures and videos.</a:t>
+            </a:r>
+          </a:p>
+          <a:p>
+            <a:pPr marL="171450" indent="-171450">
+              <a:lnSpc>
+                <a:spcPct val="100000"/>
+              </a:lnSpc>
+              <a:spcBef>
+                <a:spcPts val="0"/>
+              </a:spcBef>
+              <a:defRPr/>
+            </a:pPr>
+            <a:r>
+              <a:rPr lang="en-US" sz="4200" dirty="0">
+                <a:solidFill>
+                  <a:schemeClr val="bg1"/>
+                </a:solidFill>
+              </a:rPr>
+              <a:t>Next we are going to learn how to use the inclinometer in order to measure movement in terms of pitch, roll and yaw</a:t>
+            </a:r>
+          </a:p>
+          <a:p>
+            <a:pPr marL="171450" indent="-171450">
+              <a:lnSpc>
+                <a:spcPct val="100000"/>
+              </a:lnSpc>
+              <a:spcBef>
+                <a:spcPts val="0"/>
+              </a:spcBef>
+              <a:defRPr/>
+            </a:pPr>
+            <a:r>
+              <a:rPr lang="en-US" sz="4200" dirty="0">
+                <a:solidFill>
+                  <a:schemeClr val="bg1"/>
+                </a:solidFill>
+              </a:rPr>
+              <a:t>We will then learn how to use the light sensor in order to measure the ambient light around your device.</a:t>
+            </a:r>
+          </a:p>
+          <a:p>
+            <a:pPr marL="171450" indent="-171450"/>
+            <a:r>
+              <a:rPr lang="en-US" sz="4200" dirty="0">
+                <a:solidFill>
+                  <a:schemeClr val="bg1"/>
+                </a:solidFill>
+              </a:rPr>
+              <a:t>Following this will we will explore how to use the </a:t>
+            </a:r>
+            <a:r>
+              <a:rPr lang="en-US" sz="4200" dirty="0" err="1">
+                <a:solidFill>
+                  <a:schemeClr val="bg1"/>
+                </a:solidFill>
+              </a:rPr>
+              <a:t>gynometer</a:t>
+            </a:r>
+            <a:r>
+              <a:rPr lang="en-US" sz="4200" dirty="0">
+                <a:solidFill>
+                  <a:schemeClr val="bg1"/>
+                </a:solidFill>
+              </a:rPr>
+              <a:t> in order to measure the angularly velocity of the device on its x, y and z axis</a:t>
+            </a:r>
+          </a:p>
+          <a:p>
+            <a:pPr marL="171450" indent="-171450"/>
+            <a:r>
+              <a:rPr lang="en-US" sz="4200" dirty="0">
+                <a:solidFill>
+                  <a:schemeClr val="bg1"/>
+                </a:solidFill>
+              </a:rPr>
+              <a:t>Finally we will end this lesson by leaning how to measure acceleration forces on our device by using the accelerometer</a:t>
+            </a:r>
+          </a:p>
+          <a:p>
+            <a:endParaRPr lang="en-US" sz="4400" dirty="0">
+              <a:solidFill>
+                <a:schemeClr val="bg1"/>
+              </a:solidFill>
+            </a:endParaRPr>
+          </a:p>
+          <a:p>
+            <a:endParaRPr lang="en-US" sz="4400" dirty="0">
+              <a:solidFill>
+                <a:schemeClr val="bg1"/>
+              </a:solidFill>
+            </a:endParaRPr>
           </a:p>
         </p:txBody>
       </p:sp>
     </p:spTree>
     <p:extLst>
       <p:ext uri="{BB962C8B-B14F-4D97-AF65-F5344CB8AC3E}">
-        <p14:creationId xmlns:p14="http://schemas.microsoft.com/office/powerpoint/2010/main" val="1548159065"/>
+        <p14:creationId xmlns:p14="http://schemas.microsoft.com/office/powerpoint/2010/main" val="561387884"/>
       </p:ext>
     </p:extLst>
   </p:cSld>
@@ -3415,7 +7273,7 @@
 </p:sld>
 </file>
 
-<file path=ppt/slides/slide5.xml><?xml version="1.0" encoding="utf-8"?>
+<file path=ppt/slides/slide17.xml><?xml version="1.0" encoding="utf-8"?>
 <p:sld xmlns:a="http://schemas.openxmlformats.org/drawingml/2006/main" xmlns:r="http://schemas.openxmlformats.org/officeDocument/2006/relationships" xmlns:p="http://schemas.openxmlformats.org/presentationml/2006/main">
   <p:cSld>
     <p:spTree>
@@ -3434,476 +7292,20 @@
       </p:grpSpPr>
       <p:sp>
         <p:nvSpPr>
-          <p:cNvPr id="2" name="Title 1"/>
-          <p:cNvSpPr>
-            <a:spLocks noGrp="1"/>
-          </p:cNvSpPr>
-          <p:nvPr>
-            <p:ph type="title"/>
+          <p:cNvPr id="3" name="Content Placeholder 2"/>
+          <p:cNvSpPr>
+            <a:spLocks noGrp="1"/>
+          </p:cNvSpPr>
+          <p:nvPr>
+            <p:ph idx="1"/>
           </p:nvPr>
         </p:nvSpPr>
         <p:spPr>
           <a:xfrm>
-            <a:off x="838200" y="120197"/>
-            <a:ext cx="10515600" cy="1325563"/>
+            <a:off x="0" y="0"/>
+            <a:ext cx="12192000" cy="6764593"/>
           </a:xfrm>
-        </p:spPr>
-        <p:txBody>
-          <a:bodyPr/>
-          <a:lstStyle/>
-          <a:p>
-            <a:r>
-              <a:rPr lang="en-US" dirty="0" smtClean="0"/>
-              <a:t>L5 – App Integration w/ Contracts</a:t>
-            </a:r>
-            <a:endParaRPr lang="en-US" dirty="0"/>
-          </a:p>
-        </p:txBody>
-      </p:sp>
-      <p:sp>
-        <p:nvSpPr>
-          <p:cNvPr id="3" name="Content Placeholder 2"/>
-          <p:cNvSpPr>
-            <a:spLocks noGrp="1"/>
-          </p:cNvSpPr>
-          <p:nvPr>
-            <p:ph idx="1"/>
-          </p:nvPr>
-        </p:nvSpPr>
-        <p:spPr>
-          <a:xfrm>
-            <a:off x="838200" y="1183820"/>
-            <a:ext cx="10515600" cy="5502729"/>
-          </a:xfrm>
-        </p:spPr>
-        <p:txBody>
-          <a:bodyPr>
-            <a:normAutofit/>
-          </a:bodyPr>
-          <a:lstStyle/>
-          <a:p>
-            <a:r>
-              <a:rPr lang="en-US" sz="4200" dirty="0" smtClean="0"/>
-              <a:t>Learn to use Search Contract</a:t>
-            </a:r>
-          </a:p>
-          <a:p>
-            <a:r>
-              <a:rPr lang="en-US" sz="4200" dirty="0" smtClean="0"/>
-              <a:t>Learn to use Share Source Contract</a:t>
-            </a:r>
-          </a:p>
-          <a:p>
-            <a:r>
-              <a:rPr lang="en-US" sz="4200" dirty="0" smtClean="0"/>
-              <a:t>Learn to use Share Target Contract</a:t>
-            </a:r>
-          </a:p>
-          <a:p>
-            <a:r>
-              <a:rPr lang="en-US" sz="4200" dirty="0" smtClean="0"/>
-              <a:t>Learn to use Settings Contract</a:t>
-            </a:r>
-            <a:endParaRPr lang="en-US" sz="4200" dirty="0"/>
-          </a:p>
-        </p:txBody>
-      </p:sp>
-    </p:spTree>
-    <p:extLst>
-      <p:ext uri="{BB962C8B-B14F-4D97-AF65-F5344CB8AC3E}">
-        <p14:creationId xmlns:p14="http://schemas.microsoft.com/office/powerpoint/2010/main" val="2691989728"/>
-      </p:ext>
-    </p:extLst>
-  </p:cSld>
-  <p:clrMapOvr>
-    <a:masterClrMapping/>
-  </p:clrMapOvr>
-  <p:timing>
-    <p:tnLst>
-      <p:par>
-        <p:cTn id="1" dur="indefinite" restart="never" nodeType="tmRoot"/>
-      </p:par>
-    </p:tnLst>
-  </p:timing>
-</p:sld>
-</file>
-
-<file path=ppt/slides/slide6.xml><?xml version="1.0" encoding="utf-8"?>
-<p:sld xmlns:a="http://schemas.openxmlformats.org/drawingml/2006/main" xmlns:r="http://schemas.openxmlformats.org/officeDocument/2006/relationships" xmlns:p="http://schemas.openxmlformats.org/presentationml/2006/main">
-  <p:cSld>
-    <p:spTree>
-      <p:nvGrpSpPr>
-        <p:cNvPr id="1" name=""/>
-        <p:cNvGrpSpPr/>
-        <p:nvPr/>
-      </p:nvGrpSpPr>
-      <p:grpSpPr>
-        <a:xfrm>
-          <a:off x="0" y="0"/>
-          <a:ext cx="0" cy="0"/>
-          <a:chOff x="0" y="0"/>
-          <a:chExt cx="0" cy="0"/>
-        </a:xfrm>
-      </p:grpSpPr>
-      <p:sp>
-        <p:nvSpPr>
-          <p:cNvPr id="2" name="Title 1"/>
-          <p:cNvSpPr>
-            <a:spLocks noGrp="1"/>
-          </p:cNvSpPr>
-          <p:nvPr>
-            <p:ph type="title"/>
-          </p:nvPr>
-        </p:nvSpPr>
-        <p:spPr>
-          <a:xfrm>
-            <a:off x="838200" y="120197"/>
-            <a:ext cx="10515600" cy="1325563"/>
-          </a:xfrm>
-        </p:spPr>
-        <p:txBody>
-          <a:bodyPr/>
-          <a:lstStyle/>
-          <a:p>
-            <a:r>
-              <a:rPr lang="en-US" dirty="0" smtClean="0"/>
-              <a:t>L6 – Live tiles and notifications</a:t>
-            </a:r>
-            <a:endParaRPr lang="en-US" dirty="0"/>
-          </a:p>
-        </p:txBody>
-      </p:sp>
-      <p:sp>
-        <p:nvSpPr>
-          <p:cNvPr id="3" name="Content Placeholder 2"/>
-          <p:cNvSpPr>
-            <a:spLocks noGrp="1"/>
-          </p:cNvSpPr>
-          <p:nvPr>
-            <p:ph idx="1"/>
-          </p:nvPr>
-        </p:nvSpPr>
-        <p:spPr>
-          <a:xfrm>
-            <a:off x="838200" y="1183820"/>
-            <a:ext cx="10515600" cy="5502729"/>
-          </a:xfrm>
-        </p:spPr>
-        <p:txBody>
-          <a:bodyPr>
-            <a:normAutofit/>
-          </a:bodyPr>
-          <a:lstStyle/>
-          <a:p>
-            <a:r>
-              <a:rPr lang="en-US" sz="4200" dirty="0" smtClean="0"/>
-              <a:t>Learn about basic tiles</a:t>
-            </a:r>
-          </a:p>
-          <a:p>
-            <a:r>
-              <a:rPr lang="en-US" sz="4200" dirty="0" smtClean="0"/>
-              <a:t>Learn about Secondary tiles</a:t>
-            </a:r>
-          </a:p>
-          <a:p>
-            <a:r>
-              <a:rPr lang="en-US" sz="4200" dirty="0" smtClean="0"/>
-              <a:t>Learn about live tiles</a:t>
-            </a:r>
-          </a:p>
-          <a:p>
-            <a:r>
-              <a:rPr lang="en-US" sz="4200" dirty="0" smtClean="0"/>
-              <a:t>Learn advance live tile scenarios</a:t>
-            </a:r>
-          </a:p>
-          <a:p>
-            <a:r>
-              <a:rPr lang="en-US" sz="4200" dirty="0" smtClean="0"/>
-              <a:t>Learn about toast notifications</a:t>
-            </a:r>
-            <a:endParaRPr lang="en-US" sz="4200" dirty="0"/>
-          </a:p>
-        </p:txBody>
-      </p:sp>
-    </p:spTree>
-    <p:extLst>
-      <p:ext uri="{BB962C8B-B14F-4D97-AF65-F5344CB8AC3E}">
-        <p14:creationId xmlns:p14="http://schemas.microsoft.com/office/powerpoint/2010/main" val="3106191885"/>
-      </p:ext>
-    </p:extLst>
-  </p:cSld>
-  <p:clrMapOvr>
-    <a:masterClrMapping/>
-  </p:clrMapOvr>
-  <p:timing>
-    <p:tnLst>
-      <p:par>
-        <p:cTn id="1" dur="indefinite" restart="never" nodeType="tmRoot"/>
-      </p:par>
-    </p:tnLst>
-  </p:timing>
-</p:sld>
-</file>
-
-<file path=ppt/slides/slide7.xml><?xml version="1.0" encoding="utf-8"?>
-<p:sld xmlns:a="http://schemas.openxmlformats.org/drawingml/2006/main" xmlns:r="http://schemas.openxmlformats.org/officeDocument/2006/relationships" xmlns:p="http://schemas.openxmlformats.org/presentationml/2006/main">
-  <p:cSld>
-    <p:spTree>
-      <p:nvGrpSpPr>
-        <p:cNvPr id="1" name=""/>
-        <p:cNvGrpSpPr/>
-        <p:nvPr/>
-      </p:nvGrpSpPr>
-      <p:grpSpPr>
-        <a:xfrm>
-          <a:off x="0" y="0"/>
-          <a:ext cx="0" cy="0"/>
-          <a:chOff x="0" y="0"/>
-          <a:chExt cx="0" cy="0"/>
-        </a:xfrm>
-      </p:grpSpPr>
-      <p:sp>
-        <p:nvSpPr>
-          <p:cNvPr id="2" name="Title 1"/>
-          <p:cNvSpPr>
-            <a:spLocks noGrp="1"/>
-          </p:cNvSpPr>
-          <p:nvPr>
-            <p:ph type="title"/>
-          </p:nvPr>
-        </p:nvSpPr>
-        <p:spPr>
-          <a:xfrm>
-            <a:off x="838200" y="120197"/>
-            <a:ext cx="10515600" cy="1325563"/>
-          </a:xfrm>
-        </p:spPr>
-        <p:txBody>
-          <a:bodyPr/>
-          <a:lstStyle/>
-          <a:p>
-            <a:r>
-              <a:rPr lang="en-US" dirty="0" smtClean="0"/>
-              <a:t>L7 – Transitions and animations</a:t>
-            </a:r>
-            <a:endParaRPr lang="en-US" dirty="0"/>
-          </a:p>
-        </p:txBody>
-      </p:sp>
-      <p:sp>
-        <p:nvSpPr>
-          <p:cNvPr id="3" name="Content Placeholder 2"/>
-          <p:cNvSpPr>
-            <a:spLocks noGrp="1"/>
-          </p:cNvSpPr>
-          <p:nvPr>
-            <p:ph idx="1"/>
-          </p:nvPr>
-        </p:nvSpPr>
-        <p:spPr>
-          <a:xfrm>
-            <a:off x="838200" y="1183820"/>
-            <a:ext cx="10515600" cy="5502729"/>
-          </a:xfrm>
-        </p:spPr>
-        <p:txBody>
-          <a:bodyPr>
-            <a:normAutofit/>
-          </a:bodyPr>
-          <a:lstStyle/>
-          <a:p>
-            <a:r>
-              <a:rPr lang="en-US" sz="4200" dirty="0" smtClean="0"/>
-              <a:t>How to use Visual State Manager</a:t>
-            </a:r>
-          </a:p>
-          <a:p>
-            <a:r>
-              <a:rPr lang="en-US" sz="4200" dirty="0" smtClean="0"/>
-              <a:t>How to use animations</a:t>
-            </a:r>
-            <a:endParaRPr lang="en-US" sz="4200" dirty="0"/>
-          </a:p>
-        </p:txBody>
-      </p:sp>
-    </p:spTree>
-    <p:extLst>
-      <p:ext uri="{BB962C8B-B14F-4D97-AF65-F5344CB8AC3E}">
-        <p14:creationId xmlns:p14="http://schemas.microsoft.com/office/powerpoint/2010/main" val="2908366007"/>
-      </p:ext>
-    </p:extLst>
-  </p:cSld>
-  <p:clrMapOvr>
-    <a:masterClrMapping/>
-  </p:clrMapOvr>
-  <p:timing>
-    <p:tnLst>
-      <p:par>
-        <p:cTn id="1" dur="indefinite" restart="never" nodeType="tmRoot"/>
-      </p:par>
-    </p:tnLst>
-  </p:timing>
-</p:sld>
-</file>
-
-<file path=ppt/slides/slide8.xml><?xml version="1.0" encoding="utf-8"?>
-<p:sld xmlns:a="http://schemas.openxmlformats.org/drawingml/2006/main" xmlns:r="http://schemas.openxmlformats.org/officeDocument/2006/relationships" xmlns:p="http://schemas.openxmlformats.org/presentationml/2006/main">
-  <p:cSld>
-    <p:spTree>
-      <p:nvGrpSpPr>
-        <p:cNvPr id="1" name=""/>
-        <p:cNvGrpSpPr/>
-        <p:nvPr/>
-      </p:nvGrpSpPr>
-      <p:grpSpPr>
-        <a:xfrm>
-          <a:off x="0" y="0"/>
-          <a:ext cx="0" cy="0"/>
-          <a:chOff x="0" y="0"/>
-          <a:chExt cx="0" cy="0"/>
-        </a:xfrm>
-      </p:grpSpPr>
-      <p:sp>
-        <p:nvSpPr>
-          <p:cNvPr id="2" name="Title 1"/>
-          <p:cNvSpPr>
-            <a:spLocks noGrp="1"/>
-          </p:cNvSpPr>
-          <p:nvPr>
-            <p:ph type="title"/>
-          </p:nvPr>
-        </p:nvSpPr>
-        <p:spPr>
-          <a:xfrm>
-            <a:off x="838200" y="120197"/>
-            <a:ext cx="10515600" cy="1325563"/>
-          </a:xfrm>
-        </p:spPr>
-        <p:txBody>
-          <a:bodyPr/>
-          <a:lstStyle/>
-          <a:p>
-            <a:r>
-              <a:rPr lang="en-US" dirty="0" smtClean="0"/>
-              <a:t>L8 – Working with device sensors</a:t>
-            </a:r>
-            <a:endParaRPr lang="en-US" dirty="0"/>
-          </a:p>
-        </p:txBody>
-      </p:sp>
-      <p:sp>
-        <p:nvSpPr>
-          <p:cNvPr id="3" name="Content Placeholder 2"/>
-          <p:cNvSpPr>
-            <a:spLocks noGrp="1"/>
-          </p:cNvSpPr>
-          <p:nvPr>
-            <p:ph idx="1"/>
-          </p:nvPr>
-        </p:nvSpPr>
-        <p:spPr>
-          <a:xfrm>
-            <a:off x="838200" y="1183820"/>
-            <a:ext cx="10515600" cy="5502729"/>
-          </a:xfrm>
-        </p:spPr>
-        <p:txBody>
-          <a:bodyPr>
-            <a:normAutofit/>
-          </a:bodyPr>
-          <a:lstStyle/>
-          <a:p>
-            <a:r>
-              <a:rPr lang="en-US" sz="4200" dirty="0" smtClean="0"/>
-              <a:t>Learn how to use the camera</a:t>
-            </a:r>
-          </a:p>
-          <a:p>
-            <a:r>
-              <a:rPr lang="en-US" sz="4200" dirty="0" smtClean="0"/>
-              <a:t>Learn how to use the Inclinometer</a:t>
-            </a:r>
-          </a:p>
-          <a:p>
-            <a:r>
-              <a:rPr lang="en-US" sz="4200" dirty="0" smtClean="0"/>
-              <a:t>Learn how to use the light sensor</a:t>
-            </a:r>
-          </a:p>
-          <a:p>
-            <a:r>
-              <a:rPr lang="en-US" sz="4200" dirty="0" smtClean="0"/>
-              <a:t>Learn how to use the </a:t>
-            </a:r>
-            <a:r>
-              <a:rPr lang="en-US" sz="4200" dirty="0" err="1" smtClean="0"/>
-              <a:t>gynometer</a:t>
-            </a:r>
-            <a:endParaRPr lang="en-US" sz="4200" dirty="0" smtClean="0"/>
-          </a:p>
-          <a:p>
-            <a:r>
-              <a:rPr lang="en-US" sz="4200" dirty="0" smtClean="0"/>
-              <a:t>Learn how to use the accelerometer</a:t>
-            </a:r>
-            <a:endParaRPr lang="en-US" sz="4200" dirty="0"/>
-          </a:p>
-        </p:txBody>
-      </p:sp>
-    </p:spTree>
-    <p:extLst>
-      <p:ext uri="{BB962C8B-B14F-4D97-AF65-F5344CB8AC3E}">
-        <p14:creationId xmlns:p14="http://schemas.microsoft.com/office/powerpoint/2010/main" val="2213920270"/>
-      </p:ext>
-    </p:extLst>
-  </p:cSld>
-  <p:clrMapOvr>
-    <a:masterClrMapping/>
-  </p:clrMapOvr>
-  <p:timing>
-    <p:tnLst>
-      <p:par>
-        <p:cTn id="1" dur="indefinite" restart="never" nodeType="tmRoot"/>
-      </p:par>
-    </p:tnLst>
-  </p:timing>
-</p:sld>
-</file>
-
-<file path=ppt/slides/slide9.xml><?xml version="1.0" encoding="utf-8"?>
-<p:sld xmlns:a="http://schemas.openxmlformats.org/drawingml/2006/main" xmlns:r="http://schemas.openxmlformats.org/officeDocument/2006/relationships" xmlns:p="http://schemas.openxmlformats.org/presentationml/2006/main">
-  <p:cSld>
-    <p:spTree>
-      <p:nvGrpSpPr>
-        <p:cNvPr id="1" name=""/>
-        <p:cNvGrpSpPr/>
-        <p:nvPr/>
-      </p:nvGrpSpPr>
-      <p:grpSpPr>
-        <a:xfrm>
-          <a:off x="0" y="0"/>
-          <a:ext cx="0" cy="0"/>
-          <a:chOff x="0" y="0"/>
-          <a:chExt cx="0" cy="0"/>
-        </a:xfrm>
-      </p:grpSpPr>
-      <p:sp>
-        <p:nvSpPr>
-          <p:cNvPr id="3" name="Content Placeholder 2"/>
-          <p:cNvSpPr>
-            <a:spLocks noGrp="1"/>
-          </p:cNvSpPr>
-          <p:nvPr>
-            <p:ph idx="1"/>
-          </p:nvPr>
-        </p:nvSpPr>
-        <p:spPr>
-          <a:xfrm>
-            <a:off x="235974" y="108154"/>
-            <a:ext cx="11877368" cy="6656439"/>
-          </a:xfrm>
+          <a:noFill/>
         </p:spPr>
         <p:txBody>
           <a:bodyPr>
@@ -3928,7 +7330,15 @@
             </a:r>
             <a:r>
               <a:rPr lang="en-US" dirty="0" smtClean="0"/>
-              <a:t>lesson.                                                                                                                                  {--------------------------------------------------------------------------------------------------------} I </a:t>
+              <a:t>lesson.                                                                                                                                  </a:t>
+            </a:r>
+            <a:r>
+              <a:rPr lang="en-US" dirty="0" smtClean="0"/>
+              <a:t>{-----------------------------------------------------------------------------------------------------------} </a:t>
+            </a:r>
+            <a:r>
+              <a:rPr lang="en-US" dirty="0" smtClean="0"/>
+              <a:t>I </a:t>
             </a:r>
             <a:r>
               <a:rPr lang="en-US" dirty="0"/>
@@ -3968,7 +7378,15 @@
             </a:r>
             <a:r>
               <a:rPr lang="en-US" dirty="0" smtClean="0"/>
-              <a:t>applications.                                                                                                                         {--------------------------------------------------------------------------------------------------------}                                                                                                      I </a:t>
+              <a:t>applications.                                                                                                                         </a:t>
+            </a:r>
+            <a:r>
+              <a:rPr lang="en-US" dirty="0" smtClean="0"/>
+              <a:t>   {-----------------------------------------------------------------------------------------------------------}                                                                                                      </a:t>
+            </a:r>
+            <a:r>
+              <a:rPr lang="en-US" dirty="0" smtClean="0"/>
+              <a:t>I </a:t>
             </a:r>
             <a:r>
               <a:rPr lang="en-US" dirty="0"/>
@@ -3992,7 +7410,15 @@
             </a:r>
             <a:r>
               <a:rPr lang="en-US" dirty="0" smtClean="0"/>
-              <a:t>.                      {--------------------------------------------------------------------------------------------------------}  IN </a:t>
+              <a:t>.                      </a:t>
+            </a:r>
+            <a:r>
+              <a:rPr lang="en-US" dirty="0" smtClean="0"/>
+              <a:t>    {-----------------------------------------------------------------------------------------------------------}  </a:t>
+            </a:r>
+            <a:r>
+              <a:rPr lang="en-US" dirty="0" smtClean="0"/>
+              <a:t>IN </a:t>
             </a:r>
             <a:r>
               <a:rPr lang="en-US" dirty="0"/>
@@ -4024,7 +7450,15 @@
             </a:r>
             <a:r>
               <a:rPr lang="en-US" dirty="0" smtClean="0"/>
-              <a:t>                                                                    {--------------------------------------------------------------------------------------------------------} In </a:t>
+              <a:t>                                                                    </a:t>
+            </a:r>
+            <a:r>
+              <a:rPr lang="en-US" dirty="0" smtClean="0"/>
+              <a:t>     {----------------------------------------------------------------------------------------------------------} </a:t>
+            </a:r>
+            <a:r>
+              <a:rPr lang="en-US" dirty="0" smtClean="0"/>
+              <a:t>In </a:t>
             </a:r>
             <a:r>
               <a:rPr lang="en-US" dirty="0"/>
@@ -4040,15 +7474,15 @@
             </a:r>
             <a:r>
               <a:rPr lang="en-US" dirty="0" smtClean="0"/>
-              <a:t>2012                                           {--------------------------------------------------------------------------------------------------------}</a:t>
-            </a:r>
-            <a:r>
-              <a:rPr lang="en-US" dirty="0"/>
-              <a:t> {--------------------------------------------------------------------------------------------------------}</a:t>
-            </a:r>
-            <a:r>
-              <a:rPr lang="en-US" dirty="0" smtClean="0"/>
-              <a:t> Lets </a:t>
+              <a:t>2012                                           </a:t>
+            </a:r>
+            <a:r>
+              <a:rPr lang="en-US" dirty="0" smtClean="0"/>
+              <a:t>{-----------------------------------------------------------------------------------------------------------} {-----------------------------------------------------------------------------------------------------------} </a:t>
+            </a:r>
+            <a:r>
+              <a:rPr lang="en-US" dirty="0" smtClean="0"/>
+              <a:t>Lets </a:t>
             </a:r>
             <a:r>
               <a:rPr lang="en-US" dirty="0"/>
@@ -4056,7 +7490,15 @@
             </a:r>
             <a:r>
               <a:rPr lang="en-US" dirty="0" smtClean="0"/>
-              <a:t>lessons                                           {--------------------------------------------------------------------------------------------------------} {--------------------------------------------------------------------------------------------------------} In </a:t>
+              <a:t>lessons                                           </a:t>
+            </a:r>
+            <a:r>
+              <a:rPr lang="en-US" dirty="0" smtClean="0"/>
+              <a:t>     {-----------------------------------------------------------------------------------------------------------} {-----------------------------------------------------------------------------------------------------------} </a:t>
+            </a:r>
+            <a:r>
+              <a:rPr lang="en-US" dirty="0" smtClean="0"/>
+              <a:t>In </a:t>
             </a:r>
             <a:r>
               <a:rPr lang="en-US" dirty="0"/>
@@ -4088,7 +7530,15 @@
             </a:r>
             <a:r>
               <a:rPr lang="en-US" dirty="0" smtClean="0"/>
-              <a:t>                                                                                              {--------------------------------------------------------------------------------------------------------} In </a:t>
+              <a:t>                                                                                              </a:t>
+            </a:r>
+            <a:r>
+              <a:rPr lang="en-US" dirty="0" smtClean="0"/>
+              <a:t>  {-----------------------------------------------------------------------------------------------------------} </a:t>
+            </a:r>
+            <a:r>
+              <a:rPr lang="en-US" dirty="0" smtClean="0"/>
+              <a:t>In </a:t>
             </a:r>
             <a:r>
               <a:rPr lang="en-US" dirty="0"/>
@@ -4120,7 +7570,15 @@
             </a:r>
             <a:r>
               <a:rPr lang="en-US" dirty="0" smtClean="0"/>
-              <a:t>                                                  {--------------------------------------------------------------------------------------------------------} In lesson 3 we will explore 4 general features that all Modern UI developers should be </a:t>
+              <a:t>                                                  </a:t>
+            </a:r>
+            <a:r>
+              <a:rPr lang="en-US" dirty="0" smtClean="0"/>
+              <a:t>    {-----------------------------------------------------------------------------------------------------------} </a:t>
+            </a:r>
+            <a:r>
+              <a:rPr lang="en-US" dirty="0" smtClean="0"/>
+              <a:t>In lesson 3 we will explore 4 general features that all Modern UI developers should be </a:t>
             </a:r>
             <a:r>
               <a:rPr lang="en-US" dirty="0" err="1" smtClean="0"/>
@@ -4136,7 +7594,15 @@
             </a:r>
             <a:r>
               <a:rPr lang="en-US" dirty="0" smtClean="0"/>
-              <a:t>                                                                                                                 {--------------------------------------------------------------------------------------------------------} In </a:t>
+              <a:t>                                                                                                                 </a:t>
+            </a:r>
+            <a:r>
+              <a:rPr lang="en-US" dirty="0" smtClean="0"/>
+              <a:t>{-----------------------------------------------------------------------------------------------------------} </a:t>
+            </a:r>
+            <a:r>
+              <a:rPr lang="en-US" dirty="0" smtClean="0"/>
+              <a:t>In </a:t>
             </a:r>
             <a:r>
               <a:rPr lang="en-US" dirty="0"/>
@@ -4152,7 +7618,15 @@
             </a:r>
             <a:r>
               <a:rPr lang="en-US" dirty="0" smtClean="0"/>
-              <a:t>                                                                             {--------------------------------------------------------------------------------------------------------} In </a:t>
+              <a:t>                                                                             </a:t>
+            </a:r>
+            <a:r>
+              <a:rPr lang="en-US" dirty="0" smtClean="0"/>
+              <a:t>            {-----------------------------------------------------------------------------------------------------------} </a:t>
+            </a:r>
+            <a:r>
+              <a:rPr lang="en-US" dirty="0" smtClean="0"/>
+              <a:t>In </a:t>
             </a:r>
             <a:r>
               <a:rPr lang="en-US" dirty="0"/>
@@ -4176,7 +7650,15 @@
             </a:r>
             <a:r>
               <a:rPr lang="en-US" dirty="0" smtClean="0"/>
-              <a:t>                               {--------------------------------------------------------------------------------------------------------} In </a:t>
+              <a:t>                               </a:t>
+            </a:r>
+            <a:r>
+              <a:rPr lang="en-US" dirty="0" smtClean="0"/>
+              <a:t>     {-----------------------------------------------------------------------------------------------------------} </a:t>
+            </a:r>
+            <a:r>
+              <a:rPr lang="en-US" dirty="0" smtClean="0"/>
+              <a:t>In </a:t>
             </a:r>
             <a:r>
               <a:rPr lang="en-US" dirty="0"/>
@@ -4200,7 +7682,15 @@
             </a:r>
             <a:r>
               <a:rPr lang="en-US" dirty="0" smtClean="0"/>
-              <a:t>                 {--------------------------------------------------------------------------------------------------------} In </a:t>
+              <a:t>                 </a:t>
+            </a:r>
+            <a:r>
+              <a:rPr lang="en-US" dirty="0" smtClean="0"/>
+              <a:t>           {-----------------------------------------------------------------------------------------------------------} </a:t>
+            </a:r>
+            <a:r>
+              <a:rPr lang="en-US" dirty="0" smtClean="0"/>
+              <a:t>In </a:t>
             </a:r>
             <a:r>
               <a:rPr lang="en-US" dirty="0"/>
@@ -4216,7 +7706,15 @@
             </a:r>
             <a:r>
               <a:rPr lang="en-US" dirty="0" smtClean="0"/>
-              <a:t>                                                                                                    {--------------------------------------------------------------------------------------------------------} In </a:t>
+              <a:t>                                                                                                    </a:t>
+            </a:r>
+            <a:r>
+              <a:rPr lang="en-US" dirty="0" smtClean="0"/>
+              <a:t>     {-----------------------------------------------------------------------------------------------------------} </a:t>
+            </a:r>
+            <a:r>
+              <a:rPr lang="en-US" dirty="0" smtClean="0"/>
+              <a:t>In </a:t>
             </a:r>
             <a:r>
               <a:rPr lang="en-US" dirty="0"/>
@@ -4256,15 +7754,15 @@
             </a:r>
             <a:r>
               <a:rPr lang="en-US" dirty="0" smtClean="0"/>
-              <a:t>                                                           {--------------------------------------------------------------------------------------------------------}</a:t>
-            </a:r>
-            <a:r>
-              <a:rPr lang="en-US" dirty="0"/>
-              <a:t> </a:t>
-            </a:r>
-            <a:r>
-              <a:rPr lang="en-US" dirty="0" smtClean="0"/>
-              <a:t>{--------------------------------------------------------------------------------------------------------} Now </a:t>
+              <a:t>                                                           </a:t>
+            </a:r>
+            <a:r>
+              <a:rPr lang="en-US" dirty="0" smtClean="0"/>
+              <a:t>             {-----------------------------------------------------------------------------------------------------------} {-----------------------------------------------------------------------------------------------------------} </a:t>
+            </a:r>
+            <a:r>
+              <a:rPr lang="en-US" dirty="0" smtClean="0"/>
+              <a:t>Now </a:t>
             </a:r>
             <a:r>
               <a:rPr lang="en-US" dirty="0"/>
@@ -4317,10 +7815,10 @@
                               <p:par>
                                 <p:cTn id="5" presetID="64" presetClass="path" presetSubtype="0" fill="hold" grpId="0" nodeType="withEffect">
                                   <p:stCondLst>
-                                    <p:cond delay="10000"/>
+                                    <p:cond delay="11000"/>
                                   </p:stCondLst>
                                   <p:childTnLst>
-                                    <p:animMotion origin="layout" path="M -0.00834 0.04445 L -0.0086 -5.27106 " pathEditMode="relative" rAng="0" ptsTypes="AA">
+                                    <p:animMotion origin="layout" path="M -0.00833 0.04445 L -0.0086 -5.27106 " pathEditMode="relative" rAng="0" ptsTypes="AA">
                                       <p:cBhvr>
                                         <p:cTn id="6" dur="240000" fill="hold"/>
                                         <p:tgtEl>
@@ -4370,6 +7868,1315 @@
     <p:bldLst>
       <p:bldP spid="3" grpId="0" uiExpand="1" build="p"/>
     </p:bldLst>
+  </p:timing>
+</p:sld>
+</file>
+
+<file path=ppt/slides/slide18.xml><?xml version="1.0" encoding="utf-8"?>
+<p:sld xmlns:a="http://schemas.openxmlformats.org/drawingml/2006/main" xmlns:r="http://schemas.openxmlformats.org/officeDocument/2006/relationships" xmlns:p="http://schemas.openxmlformats.org/presentationml/2006/main">
+  <p:cSld>
+    <p:spTree>
+      <p:nvGrpSpPr>
+        <p:cNvPr id="1" name=""/>
+        <p:cNvGrpSpPr/>
+        <p:nvPr/>
+      </p:nvGrpSpPr>
+      <p:grpSpPr>
+        <a:xfrm>
+          <a:off x="0" y="0"/>
+          <a:ext cx="0" cy="0"/>
+          <a:chOff x="0" y="0"/>
+          <a:chExt cx="0" cy="0"/>
+        </a:xfrm>
+      </p:grpSpPr>
+      <p:sp>
+        <p:nvSpPr>
+          <p:cNvPr id="3" name="Content Placeholder 2"/>
+          <p:cNvSpPr>
+            <a:spLocks noGrp="1"/>
+          </p:cNvSpPr>
+          <p:nvPr>
+            <p:ph idx="1"/>
+          </p:nvPr>
+        </p:nvSpPr>
+        <p:spPr>
+          <a:xfrm>
+            <a:off x="235974" y="108154"/>
+            <a:ext cx="11877368" cy="6656439"/>
+          </a:xfrm>
+        </p:spPr>
+        <p:txBody>
+          <a:bodyPr>
+            <a:noAutofit/>
+          </a:bodyPr>
+          <a:lstStyle/>
+          <a:p>
+            <a:pPr marL="0" indent="0">
+              <a:buNone/>
+            </a:pPr>
+            <a:r>
+              <a:rPr lang="en-US" dirty="0" smtClean="0"/>
+              <a:t>This concludes our live lesson on building Windows 8 Modern U applications with C# and </a:t>
+            </a:r>
+            <a:r>
+              <a:rPr lang="en-US" dirty="0" err="1" smtClean="0"/>
+              <a:t>Xaml</a:t>
+            </a:r>
+            <a:r>
+              <a:rPr lang="en-US" dirty="0" smtClean="0"/>
+              <a:t>, I hope you found this both useful and enjoyable.</a:t>
+            </a:r>
+            <a:r>
+              <a:rPr lang="en-US" dirty="0" smtClean="0"/>
+              <a:t>.                                                                                                                                  </a:t>
+            </a:r>
+            <a:r>
+              <a:rPr lang="en-US" dirty="0" smtClean="0"/>
+              <a:t>{--------------------------------------------------------------------------------------------------------} </a:t>
+            </a:r>
+            <a:r>
+              <a:rPr lang="en-US" dirty="0" smtClean="0"/>
+              <a:t>Through out this course we learned about a </a:t>
+            </a:r>
+            <a:r>
+              <a:rPr lang="en-US" dirty="0" err="1" smtClean="0"/>
+              <a:t>varity</a:t>
+            </a:r>
+            <a:r>
+              <a:rPr lang="en-US" dirty="0" smtClean="0"/>
+              <a:t> of topics ranging                   from how to use the MVVM pattern to build applications                                                                {--------------------------------------------------------------------------------------------------------}                                                                                                      to how to light up your application by utilizing live tiles                                              </a:t>
+            </a:r>
+            <a:r>
+              <a:rPr lang="en-US" dirty="0" smtClean="0"/>
+              <a:t>{--------------------------------------------------------------------------------------------------------}  </a:t>
+            </a:r>
+            <a:r>
+              <a:rPr lang="en-US" dirty="0" smtClean="0"/>
+              <a:t>to how to use and work with sensors which will be on many windows 8 devices. </a:t>
+            </a:r>
+            <a:r>
+              <a:rPr lang="en-US" dirty="0" smtClean="0"/>
+              <a:t>{--------------------------------------------------------------------------------------------------------} </a:t>
+            </a:r>
+            <a:r>
+              <a:rPr lang="en-US" dirty="0" smtClean="0"/>
+              <a:t>If you would like to reach me you can email me at </a:t>
+            </a:r>
+            <a:r>
+              <a:rPr lang="en-US" dirty="0" smtClean="0">
+                <a:hlinkClick r:id="rId3"/>
+              </a:rPr>
+              <a:t>derik@graudo.com</a:t>
+            </a:r>
+            <a:r>
+              <a:rPr lang="en-US" dirty="0" smtClean="0"/>
+              <a:t> or you can follow me on twitter with the handle @</a:t>
+            </a:r>
+            <a:r>
+              <a:rPr lang="en-US" dirty="0" err="1" smtClean="0"/>
+              <a:t>DerikWhittaker</a:t>
+            </a:r>
+            <a:endParaRPr lang="en-US" dirty="0"/>
+          </a:p>
+        </p:txBody>
+      </p:sp>
+    </p:spTree>
+    <p:extLst>
+      <p:ext uri="{BB962C8B-B14F-4D97-AF65-F5344CB8AC3E}">
+        <p14:creationId xmlns:p14="http://schemas.microsoft.com/office/powerpoint/2010/main" val="3270191417"/>
+      </p:ext>
+    </p:extLst>
+  </p:cSld>
+  <p:clrMapOvr>
+    <a:masterClrMapping/>
+  </p:clrMapOvr>
+  <p:timing>
+    <p:tnLst>
+      <p:par>
+        <p:cTn id="1" dur="indefinite" restart="never" nodeType="tmRoot"/>
+      </p:par>
+    </p:tnLst>
+  </p:timing>
+</p:sld>
+</file>
+
+<file path=ppt/slides/slide2.xml><?xml version="1.0" encoding="utf-8"?>
+<p:sld xmlns:a="http://schemas.openxmlformats.org/drawingml/2006/main" xmlns:r="http://schemas.openxmlformats.org/officeDocument/2006/relationships" xmlns:p="http://schemas.openxmlformats.org/presentationml/2006/main">
+  <p:cSld>
+    <p:spTree>
+      <p:nvGrpSpPr>
+        <p:cNvPr id="1" name=""/>
+        <p:cNvGrpSpPr/>
+        <p:nvPr/>
+      </p:nvGrpSpPr>
+      <p:grpSpPr>
+        <a:xfrm>
+          <a:off x="0" y="0"/>
+          <a:ext cx="0" cy="0"/>
+          <a:chOff x="0" y="0"/>
+          <a:chExt cx="0" cy="0"/>
+        </a:xfrm>
+      </p:grpSpPr>
+      <p:sp>
+        <p:nvSpPr>
+          <p:cNvPr id="3" name="Content Placeholder 2"/>
+          <p:cNvSpPr>
+            <a:spLocks noGrp="1"/>
+          </p:cNvSpPr>
+          <p:nvPr>
+            <p:ph idx="1"/>
+          </p:nvPr>
+        </p:nvSpPr>
+        <p:spPr>
+          <a:xfrm>
+            <a:off x="0" y="0"/>
+            <a:ext cx="12191999" cy="6858000"/>
+          </a:xfrm>
+          <a:solidFill>
+            <a:schemeClr val="tx1"/>
+          </a:solidFill>
+        </p:spPr>
+        <p:txBody>
+          <a:bodyPr>
+            <a:normAutofit/>
+          </a:bodyPr>
+          <a:lstStyle/>
+          <a:p>
+            <a:pPr marL="0" indent="0">
+              <a:buNone/>
+            </a:pPr>
+            <a:r>
+              <a:rPr lang="en-US" sz="4400" dirty="0" smtClean="0">
+                <a:solidFill>
+                  <a:schemeClr val="bg1"/>
+                </a:solidFill>
+              </a:rPr>
+              <a:t>In </a:t>
+            </a:r>
+            <a:r>
+              <a:rPr lang="en-US" sz="4400" dirty="0">
+                <a:solidFill>
+                  <a:schemeClr val="bg1"/>
+                </a:solidFill>
+              </a:rPr>
+              <a:t>lesson 1 we are going to explore windows 8 and visual studio 2012.</a:t>
+            </a:r>
+          </a:p>
+          <a:p>
+            <a:r>
+              <a:rPr lang="en-US" sz="3600" dirty="0" smtClean="0">
+                <a:solidFill>
+                  <a:schemeClr val="bg1"/>
+                </a:solidFill>
+              </a:rPr>
+              <a:t>We </a:t>
+            </a:r>
+            <a:r>
+              <a:rPr lang="en-US" sz="3600" dirty="0">
+                <a:solidFill>
+                  <a:schemeClr val="bg1"/>
+                </a:solidFill>
+              </a:rPr>
+              <a:t>will first start off by taking a lap around windows 8 and take a sneak peak at many of the items we are going to cover though out this live lesson such as contracts, </a:t>
+            </a:r>
+            <a:r>
+              <a:rPr lang="en-US" sz="3600" dirty="0" err="1">
+                <a:solidFill>
+                  <a:schemeClr val="bg1"/>
+                </a:solidFill>
+              </a:rPr>
+              <a:t>ui</a:t>
+            </a:r>
+            <a:r>
+              <a:rPr lang="en-US" sz="3600" dirty="0">
+                <a:solidFill>
+                  <a:schemeClr val="bg1"/>
+                </a:solidFill>
+              </a:rPr>
+              <a:t> controls, system charms, and live tiles.</a:t>
+            </a:r>
+          </a:p>
+          <a:p>
+            <a:r>
+              <a:rPr lang="en-US" sz="3600" dirty="0" smtClean="0">
+                <a:solidFill>
+                  <a:schemeClr val="bg1"/>
+                </a:solidFill>
+              </a:rPr>
+              <a:t>Next </a:t>
+            </a:r>
+            <a:r>
+              <a:rPr lang="en-US" sz="3600" dirty="0">
+                <a:solidFill>
+                  <a:schemeClr val="bg1"/>
+                </a:solidFill>
+              </a:rPr>
+              <a:t>we are going do a lap around visual studio 2012.  Here we are going to crack open visual studio and explore many of its new features which will allow us to build our windows 8 modern UI application.</a:t>
+            </a:r>
+          </a:p>
+        </p:txBody>
+      </p:sp>
+    </p:spTree>
+    <p:extLst>
+      <p:ext uri="{BB962C8B-B14F-4D97-AF65-F5344CB8AC3E}">
+        <p14:creationId xmlns:p14="http://schemas.microsoft.com/office/powerpoint/2010/main" val="3556058640"/>
+      </p:ext>
+    </p:extLst>
+  </p:cSld>
+  <p:clrMapOvr>
+    <a:masterClrMapping/>
+  </p:clrMapOvr>
+  <p:timing>
+    <p:tnLst>
+      <p:par>
+        <p:cTn id="1" dur="indefinite" restart="never" nodeType="tmRoot"/>
+      </p:par>
+    </p:tnLst>
+  </p:timing>
+</p:sld>
+</file>
+
+<file path=ppt/slides/slide3.xml><?xml version="1.0" encoding="utf-8"?>
+<p:sld xmlns:a="http://schemas.openxmlformats.org/drawingml/2006/main" xmlns:r="http://schemas.openxmlformats.org/officeDocument/2006/relationships" xmlns:p="http://schemas.openxmlformats.org/presentationml/2006/main" show="0">
+  <p:cSld>
+    <p:spTree>
+      <p:nvGrpSpPr>
+        <p:cNvPr id="1" name=""/>
+        <p:cNvGrpSpPr/>
+        <p:nvPr/>
+      </p:nvGrpSpPr>
+      <p:grpSpPr>
+        <a:xfrm>
+          <a:off x="0" y="0"/>
+          <a:ext cx="0" cy="0"/>
+          <a:chOff x="0" y="0"/>
+          <a:chExt cx="0" cy="0"/>
+        </a:xfrm>
+      </p:grpSpPr>
+      <p:sp>
+        <p:nvSpPr>
+          <p:cNvPr id="2" name="Title 1"/>
+          <p:cNvSpPr>
+            <a:spLocks noGrp="1"/>
+          </p:cNvSpPr>
+          <p:nvPr>
+            <p:ph type="title"/>
+          </p:nvPr>
+        </p:nvSpPr>
+        <p:spPr>
+          <a:xfrm>
+            <a:off x="838200" y="120197"/>
+            <a:ext cx="10515600" cy="1325563"/>
+          </a:xfrm>
+        </p:spPr>
+        <p:txBody>
+          <a:bodyPr/>
+          <a:lstStyle/>
+          <a:p>
+            <a:r>
+              <a:rPr lang="en-US" dirty="0" smtClean="0"/>
+              <a:t>L2 – Using MVVM to build Modern UI apps</a:t>
+            </a:r>
+            <a:endParaRPr lang="en-US" dirty="0"/>
+          </a:p>
+        </p:txBody>
+      </p:sp>
+      <p:sp>
+        <p:nvSpPr>
+          <p:cNvPr id="3" name="Content Placeholder 2"/>
+          <p:cNvSpPr>
+            <a:spLocks noGrp="1"/>
+          </p:cNvSpPr>
+          <p:nvPr>
+            <p:ph idx="1"/>
+          </p:nvPr>
+        </p:nvSpPr>
+        <p:spPr>
+          <a:xfrm>
+            <a:off x="838200" y="1183820"/>
+            <a:ext cx="10515600" cy="5502729"/>
+          </a:xfrm>
+        </p:spPr>
+        <p:txBody>
+          <a:bodyPr>
+            <a:normAutofit/>
+          </a:bodyPr>
+          <a:lstStyle/>
+          <a:p>
+            <a:r>
+              <a:rPr lang="en-US" sz="4200" dirty="0" smtClean="0"/>
+              <a:t>Introduction to MVVM</a:t>
+            </a:r>
+          </a:p>
+          <a:p>
+            <a:r>
+              <a:rPr lang="en-US" sz="4200" dirty="0" smtClean="0"/>
+              <a:t>Using Binding to display data</a:t>
+            </a:r>
+          </a:p>
+          <a:p>
+            <a:r>
+              <a:rPr lang="en-US" sz="4200" dirty="0" smtClean="0"/>
+              <a:t>Handling user input w/ commanding</a:t>
+            </a:r>
+            <a:endParaRPr lang="en-US" sz="4200" dirty="0"/>
+          </a:p>
+        </p:txBody>
+      </p:sp>
+    </p:spTree>
+    <p:extLst>
+      <p:ext uri="{BB962C8B-B14F-4D97-AF65-F5344CB8AC3E}">
+        <p14:creationId xmlns:p14="http://schemas.microsoft.com/office/powerpoint/2010/main" val="2217278700"/>
+      </p:ext>
+    </p:extLst>
+  </p:cSld>
+  <p:clrMapOvr>
+    <a:masterClrMapping/>
+  </p:clrMapOvr>
+  <mc:AlternateContent xmlns:mc="http://schemas.openxmlformats.org/markup-compatibility/2006">
+    <mc:Choice xmlns:p14="http://schemas.microsoft.com/office/powerpoint/2010/main" Requires="p14">
+      <p:transition spd="slow" p14:dur="2000"/>
+    </mc:Choice>
+    <mc:Fallback>
+      <p:transition spd="slow"/>
+    </mc:Fallback>
+  </mc:AlternateContent>
+  <p:timing>
+    <p:tnLst>
+      <p:par>
+        <p:cTn id="1" dur="indefinite" restart="never" nodeType="tmRoot"/>
+      </p:par>
+    </p:tnLst>
+  </p:timing>
+</p:sld>
+</file>
+
+<file path=ppt/slides/slide4.xml><?xml version="1.0" encoding="utf-8"?>
+<p:sld xmlns:a="http://schemas.openxmlformats.org/drawingml/2006/main" xmlns:r="http://schemas.openxmlformats.org/officeDocument/2006/relationships" xmlns:p="http://schemas.openxmlformats.org/presentationml/2006/main">
+  <p:cSld>
+    <p:spTree>
+      <p:nvGrpSpPr>
+        <p:cNvPr id="1" name=""/>
+        <p:cNvGrpSpPr/>
+        <p:nvPr/>
+      </p:nvGrpSpPr>
+      <p:grpSpPr>
+        <a:xfrm>
+          <a:off x="0" y="0"/>
+          <a:ext cx="0" cy="0"/>
+          <a:chOff x="0" y="0"/>
+          <a:chExt cx="0" cy="0"/>
+        </a:xfrm>
+      </p:grpSpPr>
+      <p:sp>
+        <p:nvSpPr>
+          <p:cNvPr id="3" name="Content Placeholder 2"/>
+          <p:cNvSpPr>
+            <a:spLocks noGrp="1"/>
+          </p:cNvSpPr>
+          <p:nvPr>
+            <p:ph idx="1"/>
+          </p:nvPr>
+        </p:nvSpPr>
+        <p:spPr>
+          <a:xfrm>
+            <a:off x="0" y="0"/>
+            <a:ext cx="12191999" cy="6858000"/>
+          </a:xfrm>
+          <a:solidFill>
+            <a:schemeClr val="tx1"/>
+          </a:solidFill>
+        </p:spPr>
+        <p:txBody>
+          <a:bodyPr>
+            <a:normAutofit/>
+          </a:bodyPr>
+          <a:lstStyle/>
+          <a:p>
+            <a:pPr marL="0" indent="0">
+              <a:buNone/>
+            </a:pPr>
+            <a:r>
+              <a:rPr lang="en-US" sz="4400" dirty="0">
+                <a:solidFill>
+                  <a:schemeClr val="bg1"/>
+                </a:solidFill>
+              </a:rPr>
+              <a:t>In </a:t>
+            </a:r>
+            <a:r>
+              <a:rPr lang="en-US" sz="4400" dirty="0" smtClean="0">
+                <a:solidFill>
+                  <a:schemeClr val="bg1"/>
+                </a:solidFill>
+              </a:rPr>
+              <a:t>L2 </a:t>
+            </a:r>
+            <a:r>
+              <a:rPr lang="en-US" sz="4400" dirty="0">
+                <a:solidFill>
+                  <a:schemeClr val="bg1"/>
+                </a:solidFill>
+              </a:rPr>
+              <a:t>we are going to learn about the MVVM pattern and how it can be used to build Modern UI applications</a:t>
+            </a:r>
+            <a:r>
+              <a:rPr lang="en-US" sz="4400" dirty="0" smtClean="0">
+                <a:solidFill>
+                  <a:schemeClr val="bg1"/>
+                </a:solidFill>
+              </a:rPr>
+              <a:t>.</a:t>
+            </a:r>
+            <a:endParaRPr lang="en-US" sz="4400" dirty="0">
+              <a:solidFill>
+                <a:schemeClr val="bg1"/>
+              </a:solidFill>
+            </a:endParaRPr>
+          </a:p>
+          <a:p>
+            <a:pPr marL="171450" indent="-171450">
+              <a:lnSpc>
+                <a:spcPct val="100000"/>
+              </a:lnSpc>
+              <a:spcBef>
+                <a:spcPts val="0"/>
+              </a:spcBef>
+              <a:defRPr/>
+            </a:pPr>
+            <a:r>
+              <a:rPr lang="en-US" sz="3600" dirty="0">
+                <a:solidFill>
+                  <a:schemeClr val="bg1"/>
+                </a:solidFill>
+              </a:rPr>
+              <a:t>We will start off by do an introduction to MVVM in order ensure we all have the same level of understanding in regards to this design pattern.</a:t>
+            </a:r>
+          </a:p>
+          <a:p>
+            <a:pPr marL="171450" indent="-171450"/>
+            <a:r>
+              <a:rPr lang="en-US" sz="3600" dirty="0">
+                <a:solidFill>
+                  <a:schemeClr val="bg1"/>
+                </a:solidFill>
+              </a:rPr>
+              <a:t>We will then move on to learn how we can use the </a:t>
+            </a:r>
+            <a:r>
+              <a:rPr lang="en-US" sz="3600" dirty="0" err="1">
+                <a:solidFill>
+                  <a:schemeClr val="bg1"/>
+                </a:solidFill>
+              </a:rPr>
+              <a:t>xaml</a:t>
+            </a:r>
+            <a:r>
+              <a:rPr lang="en-US" sz="3600" dirty="0">
+                <a:solidFill>
+                  <a:schemeClr val="bg1"/>
+                </a:solidFill>
+              </a:rPr>
+              <a:t> binding engine in order to bind our View Model to our view in order to display and manipulate data</a:t>
+            </a:r>
+          </a:p>
+          <a:p>
+            <a:pPr marL="171450" indent="-171450"/>
+            <a:r>
+              <a:rPr lang="en-US" sz="3600" dirty="0">
+                <a:solidFill>
+                  <a:schemeClr val="bg1"/>
+                </a:solidFill>
+              </a:rPr>
+              <a:t>Finally we will end this lesson by leaning how to leverage the commanding infrastructure to handle user input such as button clicks inside our view model.</a:t>
+            </a:r>
+            <a:endParaRPr lang="en-US" sz="3600" dirty="0">
+              <a:solidFill>
+                <a:schemeClr val="bg1"/>
+              </a:solidFill>
+            </a:endParaRPr>
+          </a:p>
+        </p:txBody>
+      </p:sp>
+    </p:spTree>
+    <p:extLst>
+      <p:ext uri="{BB962C8B-B14F-4D97-AF65-F5344CB8AC3E}">
+        <p14:creationId xmlns:p14="http://schemas.microsoft.com/office/powerpoint/2010/main" val="1657744707"/>
+      </p:ext>
+    </p:extLst>
+  </p:cSld>
+  <p:clrMapOvr>
+    <a:masterClrMapping/>
+  </p:clrMapOvr>
+  <p:timing>
+    <p:tnLst>
+      <p:par>
+        <p:cTn id="1" dur="indefinite" restart="never" nodeType="tmRoot"/>
+      </p:par>
+    </p:tnLst>
+  </p:timing>
+</p:sld>
+</file>
+
+<file path=ppt/slides/slide5.xml><?xml version="1.0" encoding="utf-8"?>
+<p:sld xmlns:a="http://schemas.openxmlformats.org/drawingml/2006/main" xmlns:r="http://schemas.openxmlformats.org/officeDocument/2006/relationships" xmlns:p="http://schemas.openxmlformats.org/presentationml/2006/main" show="0">
+  <p:cSld>
+    <p:spTree>
+      <p:nvGrpSpPr>
+        <p:cNvPr id="1" name=""/>
+        <p:cNvGrpSpPr/>
+        <p:nvPr/>
+      </p:nvGrpSpPr>
+      <p:grpSpPr>
+        <a:xfrm>
+          <a:off x="0" y="0"/>
+          <a:ext cx="0" cy="0"/>
+          <a:chOff x="0" y="0"/>
+          <a:chExt cx="0" cy="0"/>
+        </a:xfrm>
+      </p:grpSpPr>
+      <p:sp>
+        <p:nvSpPr>
+          <p:cNvPr id="2" name="Title 1"/>
+          <p:cNvSpPr>
+            <a:spLocks noGrp="1"/>
+          </p:cNvSpPr>
+          <p:nvPr>
+            <p:ph type="title"/>
+          </p:nvPr>
+        </p:nvSpPr>
+        <p:spPr>
+          <a:xfrm>
+            <a:off x="838200" y="120197"/>
+            <a:ext cx="10515600" cy="1325563"/>
+          </a:xfrm>
+        </p:spPr>
+        <p:txBody>
+          <a:bodyPr/>
+          <a:lstStyle/>
+          <a:p>
+            <a:r>
+              <a:rPr lang="en-US" dirty="0" smtClean="0"/>
+              <a:t>L3 – General Application Features	</a:t>
+            </a:r>
+            <a:endParaRPr lang="en-US" dirty="0"/>
+          </a:p>
+        </p:txBody>
+      </p:sp>
+      <p:sp>
+        <p:nvSpPr>
+          <p:cNvPr id="3" name="Content Placeholder 2"/>
+          <p:cNvSpPr>
+            <a:spLocks noGrp="1"/>
+          </p:cNvSpPr>
+          <p:nvPr>
+            <p:ph idx="1"/>
+          </p:nvPr>
+        </p:nvSpPr>
+        <p:spPr>
+          <a:xfrm>
+            <a:off x="838200" y="1183820"/>
+            <a:ext cx="10515600" cy="5502729"/>
+          </a:xfrm>
+        </p:spPr>
+        <p:txBody>
+          <a:bodyPr>
+            <a:normAutofit/>
+          </a:bodyPr>
+          <a:lstStyle/>
+          <a:p>
+            <a:r>
+              <a:rPr lang="en-US" sz="4200" dirty="0" smtClean="0"/>
+              <a:t>How to handle Navigation in your Application</a:t>
+            </a:r>
+          </a:p>
+          <a:p>
+            <a:r>
+              <a:rPr lang="en-US" sz="4200" dirty="0" smtClean="0"/>
+              <a:t>How to use the Application Bar</a:t>
+            </a:r>
+          </a:p>
+          <a:p>
+            <a:r>
+              <a:rPr lang="en-US" sz="4200" dirty="0" smtClean="0"/>
+              <a:t>How to handle Application Life cycle events</a:t>
+            </a:r>
+          </a:p>
+          <a:p>
+            <a:r>
+              <a:rPr lang="en-US" sz="4200" dirty="0" smtClean="0"/>
+              <a:t>How to handle Application States</a:t>
+            </a:r>
+          </a:p>
+          <a:p>
+            <a:pPr lvl="1"/>
+            <a:r>
+              <a:rPr lang="en-US" sz="3800" dirty="0" smtClean="0"/>
+              <a:t>Snapped</a:t>
+            </a:r>
+          </a:p>
+          <a:p>
+            <a:pPr lvl="1"/>
+            <a:r>
+              <a:rPr lang="en-US" sz="3800" dirty="0" smtClean="0"/>
+              <a:t>Full</a:t>
+            </a:r>
+          </a:p>
+          <a:p>
+            <a:pPr lvl="1"/>
+            <a:r>
+              <a:rPr lang="en-US" sz="3800" dirty="0" smtClean="0"/>
+              <a:t>Filled</a:t>
+            </a:r>
+            <a:endParaRPr lang="en-US" sz="3800" dirty="0"/>
+          </a:p>
+        </p:txBody>
+      </p:sp>
+    </p:spTree>
+    <p:extLst>
+      <p:ext uri="{BB962C8B-B14F-4D97-AF65-F5344CB8AC3E}">
+        <p14:creationId xmlns:p14="http://schemas.microsoft.com/office/powerpoint/2010/main" val="3895870820"/>
+      </p:ext>
+    </p:extLst>
+  </p:cSld>
+  <p:clrMapOvr>
+    <a:masterClrMapping/>
+  </p:clrMapOvr>
+  <mc:AlternateContent xmlns:mc="http://schemas.openxmlformats.org/markup-compatibility/2006">
+    <mc:Choice xmlns:p14="http://schemas.microsoft.com/office/powerpoint/2010/main" Requires="p14">
+      <p:transition spd="slow" p14:dur="2000"/>
+    </mc:Choice>
+    <mc:Fallback>
+      <p:transition spd="slow"/>
+    </mc:Fallback>
+  </mc:AlternateContent>
+  <p:timing>
+    <p:tnLst>
+      <p:par>
+        <p:cTn id="1" dur="indefinite" restart="never" nodeType="tmRoot"/>
+      </p:par>
+    </p:tnLst>
+  </p:timing>
+</p:sld>
+</file>
+
+<file path=ppt/slides/slide6.xml><?xml version="1.0" encoding="utf-8"?>
+<p:sld xmlns:a="http://schemas.openxmlformats.org/drawingml/2006/main" xmlns:r="http://schemas.openxmlformats.org/officeDocument/2006/relationships" xmlns:p="http://schemas.openxmlformats.org/presentationml/2006/main">
+  <p:cSld>
+    <p:spTree>
+      <p:nvGrpSpPr>
+        <p:cNvPr id="1" name=""/>
+        <p:cNvGrpSpPr/>
+        <p:nvPr/>
+      </p:nvGrpSpPr>
+      <p:grpSpPr>
+        <a:xfrm>
+          <a:off x="0" y="0"/>
+          <a:ext cx="0" cy="0"/>
+          <a:chOff x="0" y="0"/>
+          <a:chExt cx="0" cy="0"/>
+        </a:xfrm>
+      </p:grpSpPr>
+      <p:sp>
+        <p:nvSpPr>
+          <p:cNvPr id="3" name="Content Placeholder 2"/>
+          <p:cNvSpPr>
+            <a:spLocks noGrp="1"/>
+          </p:cNvSpPr>
+          <p:nvPr>
+            <p:ph idx="1"/>
+          </p:nvPr>
+        </p:nvSpPr>
+        <p:spPr>
+          <a:xfrm>
+            <a:off x="0" y="0"/>
+            <a:ext cx="12191999" cy="6858000"/>
+          </a:xfrm>
+          <a:solidFill>
+            <a:schemeClr val="tx1"/>
+          </a:solidFill>
+        </p:spPr>
+        <p:txBody>
+          <a:bodyPr>
+            <a:normAutofit fontScale="92500" lnSpcReduction="20000"/>
+          </a:bodyPr>
+          <a:lstStyle/>
+          <a:p>
+            <a:pPr marL="0" indent="0">
+              <a:buNone/>
+            </a:pPr>
+            <a:r>
+              <a:rPr lang="en-US" sz="4400" dirty="0">
+                <a:solidFill>
+                  <a:schemeClr val="bg1"/>
+                </a:solidFill>
+              </a:rPr>
+              <a:t>In lesson 3 we are going to explore 4 general features all Modern UI applications will typically </a:t>
+            </a:r>
+            <a:r>
+              <a:rPr lang="en-US" sz="4400" dirty="0" smtClean="0">
+                <a:solidFill>
+                  <a:schemeClr val="bg1"/>
+                </a:solidFill>
+              </a:rPr>
+              <a:t>support</a:t>
+            </a:r>
+            <a:br>
+              <a:rPr lang="en-US" sz="4400" dirty="0" smtClean="0">
+                <a:solidFill>
+                  <a:schemeClr val="bg1"/>
+                </a:solidFill>
+              </a:rPr>
+            </a:br>
+            <a:endParaRPr lang="en-US" sz="4400" dirty="0">
+              <a:solidFill>
+                <a:schemeClr val="bg1"/>
+              </a:solidFill>
+            </a:endParaRPr>
+          </a:p>
+          <a:p>
+            <a:pPr marL="171450" indent="-171450">
+              <a:lnSpc>
+                <a:spcPct val="100000"/>
+              </a:lnSpc>
+              <a:spcBef>
+                <a:spcPts val="0"/>
+              </a:spcBef>
+              <a:defRPr/>
+            </a:pPr>
+            <a:r>
+              <a:rPr lang="en-US" sz="3900" dirty="0">
+                <a:solidFill>
+                  <a:schemeClr val="bg1"/>
+                </a:solidFill>
+              </a:rPr>
+              <a:t>We will start off by leaning how to handle navigation between the views in our application</a:t>
+            </a:r>
+          </a:p>
+          <a:p>
+            <a:pPr marL="171450" indent="-171450">
+              <a:lnSpc>
+                <a:spcPct val="100000"/>
+              </a:lnSpc>
+              <a:spcBef>
+                <a:spcPts val="0"/>
+              </a:spcBef>
+              <a:defRPr/>
+            </a:pPr>
+            <a:r>
+              <a:rPr lang="en-US" sz="3900" dirty="0">
+                <a:solidFill>
+                  <a:schemeClr val="bg1"/>
+                </a:solidFill>
+              </a:rPr>
+              <a:t>Next we will learn how to implement and utilize the application bar in order to provide our users added functionality within our application.</a:t>
+            </a:r>
+          </a:p>
+          <a:p>
+            <a:pPr marL="171450" indent="-171450"/>
+            <a:r>
+              <a:rPr lang="en-US" sz="3900" dirty="0">
+                <a:solidFill>
+                  <a:schemeClr val="bg1"/>
+                </a:solidFill>
+              </a:rPr>
+              <a:t>Following this we will learn about the various life cycle states all applications will be expected to support, such as launching suspending, resuming</a:t>
+            </a:r>
+          </a:p>
+          <a:p>
+            <a:pPr marL="171450" indent="-171450"/>
+            <a:r>
+              <a:rPr lang="en-US" sz="3900" dirty="0">
+                <a:solidFill>
+                  <a:schemeClr val="bg1"/>
+                </a:solidFill>
+              </a:rPr>
+              <a:t>Finally we will end this lesson by learning how to handle the 3 application view states which must be supported.  These view states are snapped, full and filled.</a:t>
+            </a:r>
+          </a:p>
+          <a:p>
+            <a:pPr marL="171450" indent="-171450"/>
+            <a:endParaRPr lang="en-US" sz="4400" dirty="0">
+              <a:solidFill>
+                <a:schemeClr val="bg1"/>
+              </a:solidFill>
+            </a:endParaRPr>
+          </a:p>
+          <a:p>
+            <a:endParaRPr lang="en-US" sz="4400" dirty="0">
+              <a:solidFill>
+                <a:schemeClr val="bg1"/>
+              </a:solidFill>
+            </a:endParaRPr>
+          </a:p>
+        </p:txBody>
+      </p:sp>
+    </p:spTree>
+    <p:extLst>
+      <p:ext uri="{BB962C8B-B14F-4D97-AF65-F5344CB8AC3E}">
+        <p14:creationId xmlns:p14="http://schemas.microsoft.com/office/powerpoint/2010/main" val="636446066"/>
+      </p:ext>
+    </p:extLst>
+  </p:cSld>
+  <p:clrMapOvr>
+    <a:masterClrMapping/>
+  </p:clrMapOvr>
+  <p:timing>
+    <p:tnLst>
+      <p:par>
+        <p:cTn id="1" dur="indefinite" restart="never" nodeType="tmRoot"/>
+      </p:par>
+    </p:tnLst>
+  </p:timing>
+</p:sld>
+</file>
+
+<file path=ppt/slides/slide7.xml><?xml version="1.0" encoding="utf-8"?>
+<p:sld xmlns:a="http://schemas.openxmlformats.org/drawingml/2006/main" xmlns:r="http://schemas.openxmlformats.org/officeDocument/2006/relationships" xmlns:p="http://schemas.openxmlformats.org/presentationml/2006/main" show="0">
+  <p:cSld>
+    <p:spTree>
+      <p:nvGrpSpPr>
+        <p:cNvPr id="1" name=""/>
+        <p:cNvGrpSpPr/>
+        <p:nvPr/>
+      </p:nvGrpSpPr>
+      <p:grpSpPr>
+        <a:xfrm>
+          <a:off x="0" y="0"/>
+          <a:ext cx="0" cy="0"/>
+          <a:chOff x="0" y="0"/>
+          <a:chExt cx="0" cy="0"/>
+        </a:xfrm>
+      </p:grpSpPr>
+      <p:sp>
+        <p:nvSpPr>
+          <p:cNvPr id="2" name="Title 1"/>
+          <p:cNvSpPr>
+            <a:spLocks noGrp="1"/>
+          </p:cNvSpPr>
+          <p:nvPr>
+            <p:ph type="title"/>
+          </p:nvPr>
+        </p:nvSpPr>
+        <p:spPr>
+          <a:xfrm>
+            <a:off x="838200" y="120197"/>
+            <a:ext cx="10515600" cy="1325563"/>
+          </a:xfrm>
+        </p:spPr>
+        <p:txBody>
+          <a:bodyPr/>
+          <a:lstStyle/>
+          <a:p>
+            <a:r>
+              <a:rPr lang="en-US" dirty="0" smtClean="0"/>
+              <a:t>L4– Working with User Controls</a:t>
+            </a:r>
+            <a:endParaRPr lang="en-US" dirty="0"/>
+          </a:p>
+        </p:txBody>
+      </p:sp>
+      <p:sp>
+        <p:nvSpPr>
+          <p:cNvPr id="3" name="Content Placeholder 2"/>
+          <p:cNvSpPr>
+            <a:spLocks noGrp="1"/>
+          </p:cNvSpPr>
+          <p:nvPr>
+            <p:ph idx="1"/>
+          </p:nvPr>
+        </p:nvSpPr>
+        <p:spPr>
+          <a:xfrm>
+            <a:off x="838200" y="1183820"/>
+            <a:ext cx="10515600" cy="5502729"/>
+          </a:xfrm>
+        </p:spPr>
+        <p:txBody>
+          <a:bodyPr>
+            <a:normAutofit/>
+          </a:bodyPr>
+          <a:lstStyle/>
+          <a:p>
+            <a:r>
+              <a:rPr lang="en-US" sz="4200" dirty="0" smtClean="0"/>
+              <a:t>Learn to use the Grid View</a:t>
+            </a:r>
+          </a:p>
+          <a:p>
+            <a:r>
+              <a:rPr lang="en-US" sz="4200" dirty="0" smtClean="0"/>
+              <a:t>Learn to use the List View</a:t>
+            </a:r>
+          </a:p>
+          <a:p>
+            <a:r>
+              <a:rPr lang="en-US" sz="4200" dirty="0" smtClean="0"/>
+              <a:t>Learn to use the Flip View</a:t>
+            </a:r>
+          </a:p>
+          <a:p>
+            <a:r>
+              <a:rPr lang="en-US" sz="4200" dirty="0" smtClean="0"/>
+              <a:t>Learn to use Styles and Resources</a:t>
+            </a:r>
+            <a:endParaRPr lang="en-US" sz="4200" dirty="0"/>
+          </a:p>
+        </p:txBody>
+      </p:sp>
+    </p:spTree>
+    <p:extLst>
+      <p:ext uri="{BB962C8B-B14F-4D97-AF65-F5344CB8AC3E}">
+        <p14:creationId xmlns:p14="http://schemas.microsoft.com/office/powerpoint/2010/main" val="1548159065"/>
+      </p:ext>
+    </p:extLst>
+  </p:cSld>
+  <p:clrMapOvr>
+    <a:masterClrMapping/>
+  </p:clrMapOvr>
+  <mc:AlternateContent xmlns:mc="http://schemas.openxmlformats.org/markup-compatibility/2006">
+    <mc:Choice xmlns:p14="http://schemas.microsoft.com/office/powerpoint/2010/main" Requires="p14">
+      <p:transition spd="slow" p14:dur="2000"/>
+    </mc:Choice>
+    <mc:Fallback>
+      <p:transition spd="slow"/>
+    </mc:Fallback>
+  </mc:AlternateContent>
+  <p:timing>
+    <p:tnLst>
+      <p:par>
+        <p:cTn id="1" dur="indefinite" restart="never" nodeType="tmRoot"/>
+      </p:par>
+    </p:tnLst>
+  </p:timing>
+</p:sld>
+</file>
+
+<file path=ppt/slides/slide8.xml><?xml version="1.0" encoding="utf-8"?>
+<p:sld xmlns:a="http://schemas.openxmlformats.org/drawingml/2006/main" xmlns:r="http://schemas.openxmlformats.org/officeDocument/2006/relationships" xmlns:p="http://schemas.openxmlformats.org/presentationml/2006/main">
+  <p:cSld>
+    <p:spTree>
+      <p:nvGrpSpPr>
+        <p:cNvPr id="1" name=""/>
+        <p:cNvGrpSpPr/>
+        <p:nvPr/>
+      </p:nvGrpSpPr>
+      <p:grpSpPr>
+        <a:xfrm>
+          <a:off x="0" y="0"/>
+          <a:ext cx="0" cy="0"/>
+          <a:chOff x="0" y="0"/>
+          <a:chExt cx="0" cy="0"/>
+        </a:xfrm>
+      </p:grpSpPr>
+      <p:sp>
+        <p:nvSpPr>
+          <p:cNvPr id="3" name="Content Placeholder 2"/>
+          <p:cNvSpPr>
+            <a:spLocks noGrp="1"/>
+          </p:cNvSpPr>
+          <p:nvPr>
+            <p:ph idx="1"/>
+          </p:nvPr>
+        </p:nvSpPr>
+        <p:spPr>
+          <a:xfrm>
+            <a:off x="0" y="0"/>
+            <a:ext cx="12191999" cy="6858000"/>
+          </a:xfrm>
+          <a:solidFill>
+            <a:schemeClr val="tx1"/>
+          </a:solidFill>
+        </p:spPr>
+        <p:txBody>
+          <a:bodyPr>
+            <a:normAutofit fontScale="92500" lnSpcReduction="10000"/>
+          </a:bodyPr>
+          <a:lstStyle/>
+          <a:p>
+            <a:pPr marL="0" indent="0">
+              <a:buNone/>
+            </a:pPr>
+            <a:r>
+              <a:rPr lang="en-US" sz="4400" dirty="0">
+                <a:solidFill>
+                  <a:schemeClr val="bg1"/>
+                </a:solidFill>
+              </a:rPr>
+              <a:t>In lesson 4 we are going to learn about prominent UI controls used to build modern UI </a:t>
+            </a:r>
+            <a:r>
+              <a:rPr lang="en-US" sz="4400" dirty="0" smtClean="0">
+                <a:solidFill>
+                  <a:schemeClr val="bg1"/>
+                </a:solidFill>
+              </a:rPr>
+              <a:t>applications</a:t>
+            </a:r>
+          </a:p>
+          <a:p>
+            <a:pPr marL="0" indent="0">
+              <a:buNone/>
+            </a:pPr>
+            <a:endParaRPr lang="en-US" sz="3900" dirty="0">
+              <a:solidFill>
+                <a:schemeClr val="bg1"/>
+              </a:solidFill>
+            </a:endParaRPr>
+          </a:p>
+          <a:p>
+            <a:pPr marL="171450" indent="-171450">
+              <a:lnSpc>
+                <a:spcPct val="100000"/>
+              </a:lnSpc>
+              <a:spcBef>
+                <a:spcPts val="0"/>
+              </a:spcBef>
+              <a:defRPr/>
+            </a:pPr>
+            <a:r>
+              <a:rPr lang="en-US" sz="3900" dirty="0">
+                <a:solidFill>
+                  <a:schemeClr val="bg1"/>
+                </a:solidFill>
+              </a:rPr>
+              <a:t>We will start off by taking a look at how to utilize the grid view control in order to elegantly display and group collections of data</a:t>
+            </a:r>
+          </a:p>
+          <a:p>
+            <a:pPr marL="171450" indent="-171450">
+              <a:lnSpc>
+                <a:spcPct val="100000"/>
+              </a:lnSpc>
+              <a:spcBef>
+                <a:spcPts val="0"/>
+              </a:spcBef>
+              <a:defRPr/>
+            </a:pPr>
+            <a:r>
+              <a:rPr lang="en-US" sz="3900" dirty="0">
+                <a:solidFill>
+                  <a:schemeClr val="bg1"/>
+                </a:solidFill>
+              </a:rPr>
+              <a:t>Next we will learn how to use the list view control in order to display collections of data in list format</a:t>
+            </a:r>
+          </a:p>
+          <a:p>
+            <a:pPr marL="171450" indent="-171450"/>
+            <a:r>
+              <a:rPr lang="en-US" sz="3900" dirty="0">
+                <a:solidFill>
+                  <a:schemeClr val="bg1"/>
+                </a:solidFill>
+              </a:rPr>
+              <a:t>Following this we will learn how </a:t>
+            </a:r>
+            <a:r>
+              <a:rPr lang="en-US" sz="3900" dirty="0" smtClean="0">
+                <a:solidFill>
+                  <a:schemeClr val="bg1"/>
+                </a:solidFill>
+              </a:rPr>
+              <a:t>about the </a:t>
+            </a:r>
+            <a:r>
+              <a:rPr lang="en-US" sz="3900" dirty="0">
+                <a:solidFill>
+                  <a:schemeClr val="bg1"/>
+                </a:solidFill>
+              </a:rPr>
+              <a:t>flip view </a:t>
+            </a:r>
+            <a:r>
+              <a:rPr lang="en-US" sz="3900" dirty="0" smtClean="0">
+                <a:solidFill>
+                  <a:schemeClr val="bg1"/>
+                </a:solidFill>
+              </a:rPr>
+              <a:t>and how the flip view will give </a:t>
+            </a:r>
+            <a:r>
+              <a:rPr lang="en-US" sz="3900" dirty="0">
+                <a:solidFill>
+                  <a:schemeClr val="bg1"/>
+                </a:solidFill>
+              </a:rPr>
+              <a:t>your users a unique way to view their information by allowing them to swipe or flip through data.</a:t>
+            </a:r>
+          </a:p>
+          <a:p>
+            <a:pPr marL="171450" indent="-171450"/>
+            <a:r>
+              <a:rPr lang="en-US" sz="3900" dirty="0">
+                <a:solidFill>
+                  <a:schemeClr val="bg1"/>
+                </a:solidFill>
+              </a:rPr>
+              <a:t>Finally we will end this lesson by learning how to utilize styles and resources when working with UI controls</a:t>
+            </a:r>
+          </a:p>
+          <a:p>
+            <a:pPr marL="171450" indent="-171450"/>
+            <a:endParaRPr lang="en-US" sz="4400" dirty="0">
+              <a:solidFill>
+                <a:schemeClr val="bg1"/>
+              </a:solidFill>
+            </a:endParaRPr>
+          </a:p>
+          <a:p>
+            <a:endParaRPr lang="en-US" sz="4400" dirty="0">
+              <a:solidFill>
+                <a:schemeClr val="bg1"/>
+              </a:solidFill>
+            </a:endParaRPr>
+          </a:p>
+          <a:p>
+            <a:endParaRPr lang="en-US" sz="4400" dirty="0">
+              <a:solidFill>
+                <a:schemeClr val="bg1"/>
+              </a:solidFill>
+            </a:endParaRPr>
+          </a:p>
+        </p:txBody>
+      </p:sp>
+    </p:spTree>
+    <p:extLst>
+      <p:ext uri="{BB962C8B-B14F-4D97-AF65-F5344CB8AC3E}">
+        <p14:creationId xmlns:p14="http://schemas.microsoft.com/office/powerpoint/2010/main" val="1449258260"/>
+      </p:ext>
+    </p:extLst>
+  </p:cSld>
+  <p:clrMapOvr>
+    <a:masterClrMapping/>
+  </p:clrMapOvr>
+  <p:timing>
+    <p:tnLst>
+      <p:par>
+        <p:cTn id="1" dur="indefinite" restart="never" nodeType="tmRoot"/>
+      </p:par>
+    </p:tnLst>
+  </p:timing>
+</p:sld>
+</file>
+
+<file path=ppt/slides/slide9.xml><?xml version="1.0" encoding="utf-8"?>
+<p:sld xmlns:a="http://schemas.openxmlformats.org/drawingml/2006/main" xmlns:r="http://schemas.openxmlformats.org/officeDocument/2006/relationships" xmlns:p="http://schemas.openxmlformats.org/presentationml/2006/main" show="0">
+  <p:cSld>
+    <p:spTree>
+      <p:nvGrpSpPr>
+        <p:cNvPr id="1" name=""/>
+        <p:cNvGrpSpPr/>
+        <p:nvPr/>
+      </p:nvGrpSpPr>
+      <p:grpSpPr>
+        <a:xfrm>
+          <a:off x="0" y="0"/>
+          <a:ext cx="0" cy="0"/>
+          <a:chOff x="0" y="0"/>
+          <a:chExt cx="0" cy="0"/>
+        </a:xfrm>
+      </p:grpSpPr>
+      <p:sp>
+        <p:nvSpPr>
+          <p:cNvPr id="2" name="Title 1"/>
+          <p:cNvSpPr>
+            <a:spLocks noGrp="1"/>
+          </p:cNvSpPr>
+          <p:nvPr>
+            <p:ph type="title"/>
+          </p:nvPr>
+        </p:nvSpPr>
+        <p:spPr>
+          <a:xfrm>
+            <a:off x="838200" y="120197"/>
+            <a:ext cx="10515600" cy="1325563"/>
+          </a:xfrm>
+        </p:spPr>
+        <p:txBody>
+          <a:bodyPr/>
+          <a:lstStyle/>
+          <a:p>
+            <a:r>
+              <a:rPr lang="en-US" dirty="0" smtClean="0"/>
+              <a:t>L5 – App Integration w/ Contracts</a:t>
+            </a:r>
+            <a:endParaRPr lang="en-US" dirty="0"/>
+          </a:p>
+        </p:txBody>
+      </p:sp>
+      <p:sp>
+        <p:nvSpPr>
+          <p:cNvPr id="3" name="Content Placeholder 2"/>
+          <p:cNvSpPr>
+            <a:spLocks noGrp="1"/>
+          </p:cNvSpPr>
+          <p:nvPr>
+            <p:ph idx="1"/>
+          </p:nvPr>
+        </p:nvSpPr>
+        <p:spPr>
+          <a:xfrm>
+            <a:off x="838200" y="1183820"/>
+            <a:ext cx="10515600" cy="5502729"/>
+          </a:xfrm>
+        </p:spPr>
+        <p:txBody>
+          <a:bodyPr>
+            <a:normAutofit/>
+          </a:bodyPr>
+          <a:lstStyle/>
+          <a:p>
+            <a:r>
+              <a:rPr lang="en-US" sz="4200" dirty="0" smtClean="0"/>
+              <a:t>Learn to use Search Contract</a:t>
+            </a:r>
+          </a:p>
+          <a:p>
+            <a:r>
+              <a:rPr lang="en-US" sz="4200" dirty="0" smtClean="0"/>
+              <a:t>Learn to use Share Source Contract</a:t>
+            </a:r>
+          </a:p>
+          <a:p>
+            <a:r>
+              <a:rPr lang="en-US" sz="4200" dirty="0" smtClean="0"/>
+              <a:t>Learn to use Share Target Contract</a:t>
+            </a:r>
+          </a:p>
+          <a:p>
+            <a:r>
+              <a:rPr lang="en-US" sz="4200" dirty="0" smtClean="0"/>
+              <a:t>Learn to use Settings Contract</a:t>
+            </a:r>
+            <a:endParaRPr lang="en-US" sz="4200" dirty="0"/>
+          </a:p>
+        </p:txBody>
+      </p:sp>
+    </p:spTree>
+    <p:extLst>
+      <p:ext uri="{BB962C8B-B14F-4D97-AF65-F5344CB8AC3E}">
+        <p14:creationId xmlns:p14="http://schemas.microsoft.com/office/powerpoint/2010/main" val="2691989728"/>
+      </p:ext>
+    </p:extLst>
+  </p:cSld>
+  <p:clrMapOvr>
+    <a:masterClrMapping/>
+  </p:clrMapOvr>
+  <mc:AlternateContent xmlns:mc="http://schemas.openxmlformats.org/markup-compatibility/2006">
+    <mc:Choice xmlns:p14="http://schemas.microsoft.com/office/powerpoint/2010/main" Requires="p14">
+      <p:transition spd="slow" p14:dur="2000"/>
+    </mc:Choice>
+    <mc:Fallback>
+      <p:transition spd="slow"/>
+    </mc:Fallback>
+  </mc:AlternateContent>
+  <p:timing>
+    <p:tnLst>
+      <p:par>
+        <p:cTn id="1" dur="indefinite" restart="never" nodeType="tmRoot"/>
+      </p:par>
+    </p:tnLst>
   </p:timing>
 </p:sld>
 </file>
@@ -4633,4 +9440,265 @@
     </a:ext>
   </a:extLst>
 </a:theme>
+</file>
+
+<file path=ppt/theme/theme2.xml><?xml version="1.0" encoding="utf-8"?>
+<a:theme xmlns:a="http://schemas.openxmlformats.org/drawingml/2006/main" name="Office Theme">
+  <a:themeElements>
+    <a:clrScheme name="Office">
+      <a:dk1>
+        <a:sysClr val="windowText" lastClr="000000"/>
+      </a:dk1>
+      <a:lt1>
+        <a:sysClr val="window" lastClr="FFFFFF"/>
+      </a:lt1>
+      <a:dk2>
+        <a:srgbClr val="44546A"/>
+      </a:dk2>
+      <a:lt2>
+        <a:srgbClr val="E7E6E6"/>
+      </a:lt2>
+      <a:accent1>
+        <a:srgbClr val="5B9BD5"/>
+      </a:accent1>
+      <a:accent2>
+        <a:srgbClr val="ED7D31"/>
+      </a:accent2>
+      <a:accent3>
+        <a:srgbClr val="A5A5A5"/>
+      </a:accent3>
+      <a:accent4>
+        <a:srgbClr val="FFC000"/>
+      </a:accent4>
+      <a:accent5>
+        <a:srgbClr val="4472C4"/>
+      </a:accent5>
+      <a:accent6>
+        <a:srgbClr val="70AD47"/>
+      </a:accent6>
+      <a:hlink>
+        <a:srgbClr val="0563C1"/>
+      </a:hlink>
+      <a:folHlink>
+        <a:srgbClr val="954F72"/>
+      </a:folHlink>
+    </a:clrScheme>
+    <a:fontScheme name="Office">
+      <a:majorFont>
+        <a:latin typeface="Calibri Light" panose="020F0302020204030204"/>
+        <a:ea typeface=""/>
+        <a:cs typeface=""/>
+        <a:font script="Jpan" typeface="ＭＳ Ｐゴシック"/>
+        <a:font script="Hang" typeface="맑은 고딕"/>
+        <a:font script="Hans" typeface="宋体"/>
+        <a:font script="Hant" typeface="新細明體"/>
+        <a:font script="Arab" typeface="Times New Roman"/>
+        <a:font script="Hebr" typeface="Times New Roman"/>
+        <a:font script="Thai" typeface="Angsana New"/>
+        <a:font script="Ethi" typeface="Nyala"/>
+        <a:font script="Beng" typeface="Vrinda"/>
+        <a:font script="Gujr" typeface="Shruti"/>
+        <a:font script="Khmr" typeface="MoolBoran"/>
+        <a:font script="Knda" typeface="Tunga"/>
+        <a:font script="Guru" typeface="Raavi"/>
+        <a:font script="Cans" typeface="Euphemia"/>
+        <a:font script="Cher" typeface="Plantagenet Cherokee"/>
+        <a:font script="Yiii" typeface="Microsoft Yi Baiti"/>
+        <a:font script="Tibt" typeface="Microsoft Himalaya"/>
+        <a:font script="Thaa" typeface="MV Boli"/>
+        <a:font script="Deva" typeface="Mangal"/>
+        <a:font script="Telu" typeface="Gautami"/>
+        <a:font script="Taml" typeface="Latha"/>
+        <a:font script="Syrc" typeface="Estrangelo Edessa"/>
+        <a:font script="Orya" typeface="Kalinga"/>
+        <a:font script="Mlym" typeface="Kartika"/>
+        <a:font script="Laoo" typeface="DokChampa"/>
+        <a:font script="Sinh" typeface="Iskoola Pota"/>
+        <a:font script="Mong" typeface="Mongolian Baiti"/>
+        <a:font script="Viet" typeface="Times New Roman"/>
+        <a:font script="Uigh" typeface="Microsoft Uighur"/>
+        <a:font script="Geor" typeface="Sylfaen"/>
+      </a:majorFont>
+      <a:minorFont>
+        <a:latin typeface="Calibri" panose="020F0502020204030204"/>
+        <a:ea typeface=""/>
+        <a:cs typeface=""/>
+        <a:font script="Jpan" typeface="ＭＳ Ｐゴシック"/>
+        <a:font script="Hang" typeface="맑은 고딕"/>
+        <a:font script="Hans" typeface="宋体"/>
+        <a:font script="Hant" typeface="新細明體"/>
+        <a:font script="Arab" typeface="Arial"/>
+        <a:font script="Hebr" typeface="Arial"/>
+        <a:font script="Thai" typeface="Cordia New"/>
+        <a:font script="Ethi" typeface="Nyala"/>
+        <a:font script="Beng" typeface="Vrinda"/>
+        <a:font script="Gujr" typeface="Shruti"/>
+        <a:font script="Khmr" typeface="DaunPenh"/>
+        <a:font script="Knda" typeface="Tunga"/>
+        <a:font script="Guru" typeface="Raavi"/>
+        <a:font script="Cans" typeface="Euphemia"/>
+        <a:font script="Cher" typeface="Plantagenet Cherokee"/>
+        <a:font script="Yiii" typeface="Microsoft Yi Baiti"/>
+        <a:font script="Tibt" typeface="Microsoft Himalaya"/>
+        <a:font script="Thaa" typeface="MV Boli"/>
+        <a:font script="Deva" typeface="Mangal"/>
+        <a:font script="Telu" typeface="Gautami"/>
+        <a:font script="Taml" typeface="Latha"/>
+        <a:font script="Syrc" typeface="Estrangelo Edessa"/>
+        <a:font script="Orya" typeface="Kalinga"/>
+        <a:font script="Mlym" typeface="Kartika"/>
+        <a:font script="Laoo" typeface="DokChampa"/>
+        <a:font script="Sinh" typeface="Iskoola Pota"/>
+        <a:font script="Mong" typeface="Mongolian Baiti"/>
+        <a:font script="Viet" typeface="Arial"/>
+        <a:font script="Uigh" typeface="Microsoft Uighur"/>
+        <a:font script="Geor" typeface="Sylfaen"/>
+      </a:minorFont>
+    </a:fontScheme>
+    <a:fmtScheme name="Office">
+      <a:fillStyleLst>
+        <a:solidFill>
+          <a:schemeClr val="phClr"/>
+        </a:solidFill>
+        <a:gradFill rotWithShape="1">
+          <a:gsLst>
+            <a:gs pos="0">
+              <a:schemeClr val="phClr">
+                <a:lumMod val="110000"/>
+                <a:satMod val="105000"/>
+                <a:tint val="67000"/>
+              </a:schemeClr>
+            </a:gs>
+            <a:gs pos="50000">
+              <a:schemeClr val="phClr">
+                <a:lumMod val="105000"/>
+                <a:satMod val="103000"/>
+                <a:tint val="73000"/>
+              </a:schemeClr>
+            </a:gs>
+            <a:gs pos="100000">
+              <a:schemeClr val="phClr">
+                <a:lumMod val="105000"/>
+                <a:satMod val="109000"/>
+                <a:tint val="81000"/>
+              </a:schemeClr>
+            </a:gs>
+          </a:gsLst>
+          <a:lin ang="5400000" scaled="0"/>
+        </a:gradFill>
+        <a:gradFill rotWithShape="1">
+          <a:gsLst>
+            <a:gs pos="0">
+              <a:schemeClr val="phClr">
+                <a:satMod val="103000"/>
+                <a:lumMod val="102000"/>
+                <a:tint val="94000"/>
+              </a:schemeClr>
+            </a:gs>
+            <a:gs pos="50000">
+              <a:schemeClr val="phClr">
+                <a:satMod val="110000"/>
+                <a:lumMod val="100000"/>
+                <a:shade val="100000"/>
+              </a:schemeClr>
+            </a:gs>
+            <a:gs pos="100000">
+              <a:schemeClr val="phClr">
+                <a:lumMod val="99000"/>
+                <a:satMod val="120000"/>
+                <a:shade val="78000"/>
+              </a:schemeClr>
+            </a:gs>
+          </a:gsLst>
+          <a:lin ang="5400000" scaled="0"/>
+        </a:gradFill>
+      </a:fillStyleLst>
+      <a:lnStyleLst>
+        <a:ln w="6350" cap="flat" cmpd="sng" algn="ctr">
+          <a:solidFill>
+            <a:schemeClr val="phClr"/>
+          </a:solidFill>
+          <a:prstDash val="solid"/>
+          <a:miter lim="800000"/>
+        </a:ln>
+        <a:ln w="12700" cap="flat" cmpd="sng" algn="ctr">
+          <a:solidFill>
+            <a:schemeClr val="phClr"/>
+          </a:solidFill>
+          <a:prstDash val="solid"/>
+          <a:miter lim="800000"/>
+        </a:ln>
+        <a:ln w="19050" cap="flat" cmpd="sng" algn="ctr">
+          <a:solidFill>
+            <a:schemeClr val="phClr"/>
+          </a:solidFill>
+          <a:prstDash val="solid"/>
+          <a:miter lim="800000"/>
+        </a:ln>
+      </a:lnStyleLst>
+      <a:effectStyleLst>
+        <a:effectStyle>
+          <a:effectLst/>
+        </a:effectStyle>
+        <a:effectStyle>
+          <a:effectLst/>
+        </a:effectStyle>
+        <a:effectStyle>
+          <a:effectLst>
+            <a:outerShdw blurRad="57150" dist="19050" dir="5400000" algn="ctr" rotWithShape="0">
+              <a:srgbClr val="000000">
+                <a:alpha val="63000"/>
+              </a:srgbClr>
+            </a:outerShdw>
+          </a:effectLst>
+        </a:effectStyle>
+      </a:effectStyleLst>
+      <a:bgFillStyleLst>
+        <a:solidFill>
+          <a:schemeClr val="phClr"/>
+        </a:solidFill>
+        <a:solidFill>
+          <a:schemeClr val="phClr">
+            <a:tint val="95000"/>
+            <a:satMod val="170000"/>
+          </a:schemeClr>
+        </a:solidFill>
+        <a:gradFill rotWithShape="1">
+          <a:gsLst>
+            <a:gs pos="0">
+              <a:schemeClr val="phClr">
+                <a:tint val="93000"/>
+                <a:satMod val="150000"/>
+                <a:shade val="98000"/>
+                <a:lumMod val="102000"/>
+              </a:schemeClr>
+            </a:gs>
+            <a:gs pos="50000">
+              <a:schemeClr val="phClr">
+                <a:tint val="98000"/>
+                <a:satMod val="130000"/>
+                <a:shade val="90000"/>
+                <a:lumMod val="103000"/>
+              </a:schemeClr>
+            </a:gs>
+            <a:gs pos="100000">
+              <a:schemeClr val="phClr">
+                <a:shade val="63000"/>
+                <a:satMod val="120000"/>
+              </a:schemeClr>
+            </a:gs>
+          </a:gsLst>
+          <a:lin ang="5400000" scaled="0"/>
+        </a:gradFill>
+      </a:bgFillStyleLst>
+    </a:fmtScheme>
+  </a:themeElements>
+  <a:objectDefaults/>
+  <a:extraClrSchemeLst/>
+  <a:extLst>
+    <a:ext uri="{05A4C25C-085E-4340-85A3-A5531E510DB2}">
+      <thm15:themeFamily xmlns:thm15="http://schemas.microsoft.com/office/thememl/2012/main" name="Office Theme" id="{62F939B6-93AF-4DB8-9C6B-D6C7DFDC589F}" vid="{4A3C46E8-61CC-4603-A589-7422A47A8E4A}"/>
+    </a:ext>
+  </a:extLst>
+</a:theme>
 </file>